--- a/springboot.pptx
+++ b/springboot.pptx
@@ -12,9 +12,9 @@
     <p:sldId id="308" r:id="rId3"/>
     <p:sldId id="307" r:id="rId4"/>
     <p:sldId id="310" r:id="rId5"/>
-    <p:sldId id="309" r:id="rId6"/>
-    <p:sldId id="311" r:id="rId7"/>
-    <p:sldId id="312" r:id="rId8"/>
+    <p:sldId id="311" r:id="rId6"/>
+    <p:sldId id="312" r:id="rId7"/>
+    <p:sldId id="309" r:id="rId8"/>
     <p:sldId id="313" r:id="rId9"/>
     <p:sldId id="314" r:id="rId10"/>
     <p:sldId id="315" r:id="rId11"/>
@@ -245,7 +245,7 @@
             <a:fld id="{05B1D5F9-199E-4B77-ACFB-0D659EE03F6C}" type="datetimeFigureOut">
               <a:rPr lang="zh-CN" altLang="en-US" smtClean="0"/>
               <a:pPr/>
-              <a:t>2018/5/29</a:t>
+              <a:t>2018/5/30</a:t>
             </a:fld>
             <a:endParaRPr lang="zh-CN" altLang="en-US"/>
           </a:p>
@@ -683,6 +683,831 @@
 </p:notes>
 </file>
 
+<file path=ppt/notesSlides/notesSlide3.xml><?xml version="1.0" encoding="utf-8"?>
+<p:notes xmlns:a="http://schemas.openxmlformats.org/drawingml/2006/main" xmlns:r="http://schemas.openxmlformats.org/officeDocument/2006/relationships" xmlns:p="http://schemas.openxmlformats.org/presentationml/2006/main">
+  <p:cSld>
+    <p:spTree>
+      <p:nvGrpSpPr>
+        <p:cNvPr id="1" name=""/>
+        <p:cNvGrpSpPr/>
+        <p:nvPr/>
+      </p:nvGrpSpPr>
+      <p:grpSpPr>
+        <a:xfrm>
+          <a:off x="0" y="0"/>
+          <a:ext cx="0" cy="0"/>
+          <a:chOff x="0" y="0"/>
+          <a:chExt cx="0" cy="0"/>
+        </a:xfrm>
+      </p:grpSpPr>
+      <p:sp>
+        <p:nvSpPr>
+          <p:cNvPr id="2" name="Slide Image Placeholder 1"/>
+          <p:cNvSpPr>
+            <a:spLocks noGrp="1" noRot="1" noChangeAspect="1"/>
+          </p:cNvSpPr>
+          <p:nvPr>
+            <p:ph type="sldImg"/>
+          </p:nvPr>
+        </p:nvSpPr>
+        <p:spPr/>
+      </p:sp>
+      <p:sp>
+        <p:nvSpPr>
+          <p:cNvPr id="3" name="Notes Placeholder 2"/>
+          <p:cNvSpPr>
+            <a:spLocks noGrp="1"/>
+          </p:cNvSpPr>
+          <p:nvPr>
+            <p:ph type="body" idx="1"/>
+          </p:nvPr>
+        </p:nvSpPr>
+        <p:spPr/>
+        <p:txBody>
+          <a:bodyPr/>
+          <a:lstStyle/>
+          <a:p>
+            <a:r>
+              <a:rPr lang="en-US" sz="1200" kern="1200" dirty="0">
+                <a:solidFill>
+                  <a:schemeClr val="tx1"/>
+                </a:solidFill>
+                <a:latin typeface="+mn-lt"/>
+                <a:ea typeface="+mn-ea"/>
+                <a:cs typeface="+mn-cs"/>
+              </a:rPr>
+              <a:t>@Mapper</a:t>
+            </a:r>
+          </a:p>
+          <a:p>
+            <a:r>
+              <a:rPr lang="en-US" sz="1200" b="1" kern="1200" dirty="0">
+                <a:solidFill>
+                  <a:schemeClr val="tx1"/>
+                </a:solidFill>
+                <a:latin typeface="+mn-lt"/>
+                <a:ea typeface="+mn-ea"/>
+                <a:cs typeface="+mn-cs"/>
+              </a:rPr>
+              <a:t>public interface </a:t>
+            </a:r>
+            <a:r>
+              <a:rPr lang="en-US" sz="1200" b="1" kern="1200" dirty="0" err="1">
+                <a:solidFill>
+                  <a:schemeClr val="tx1"/>
+                </a:solidFill>
+                <a:latin typeface="+mn-lt"/>
+                <a:ea typeface="+mn-ea"/>
+                <a:cs typeface="+mn-cs"/>
+              </a:rPr>
+              <a:t>UserMapper</a:t>
+            </a:r>
+            <a:r>
+              <a:rPr lang="en-US" sz="1200" b="1" kern="1200" dirty="0">
+                <a:solidFill>
+                  <a:schemeClr val="tx1"/>
+                </a:solidFill>
+                <a:latin typeface="+mn-lt"/>
+                <a:ea typeface="+mn-ea"/>
+                <a:cs typeface="+mn-cs"/>
+              </a:rPr>
+              <a:t> {</a:t>
+            </a:r>
+          </a:p>
+          <a:p>
+            <a:pPr lvl="1"/>
+            <a:r>
+              <a:rPr lang="en-US" sz="1200" kern="1200" dirty="0">
+                <a:solidFill>
+                  <a:schemeClr val="tx1"/>
+                </a:solidFill>
+                <a:latin typeface="+mn-lt"/>
+                <a:ea typeface="+mn-ea"/>
+                <a:cs typeface="+mn-cs"/>
+              </a:rPr>
+              <a:t>@Results({ </a:t>
+            </a:r>
+          </a:p>
+          <a:p>
+            <a:pPr lvl="1"/>
+            <a:r>
+              <a:rPr lang="en-US" sz="1200" kern="1200" dirty="0">
+                <a:solidFill>
+                  <a:schemeClr val="tx1"/>
+                </a:solidFill>
+                <a:latin typeface="+mn-lt"/>
+                <a:ea typeface="+mn-ea"/>
+                <a:cs typeface="+mn-cs"/>
+              </a:rPr>
+              <a:t>	@Result(property = "</a:t>
+            </a:r>
+            <a:r>
+              <a:rPr lang="en-US" sz="1200" kern="1200" dirty="0" err="1">
+                <a:solidFill>
+                  <a:schemeClr val="tx1"/>
+                </a:solidFill>
+                <a:latin typeface="+mn-lt"/>
+                <a:ea typeface="+mn-ea"/>
+                <a:cs typeface="+mn-cs"/>
+              </a:rPr>
+              <a:t>userName</a:t>
+            </a:r>
+            <a:r>
+              <a:rPr lang="en-US" sz="1200" kern="1200" dirty="0">
+                <a:solidFill>
+                  <a:schemeClr val="tx1"/>
+                </a:solidFill>
+                <a:latin typeface="+mn-lt"/>
+                <a:ea typeface="+mn-ea"/>
+                <a:cs typeface="+mn-cs"/>
+              </a:rPr>
+              <a:t>", column = "</a:t>
+            </a:r>
+            <a:r>
+              <a:rPr lang="en-US" sz="1200" kern="1200" dirty="0" err="1">
+                <a:solidFill>
+                  <a:schemeClr val="tx1"/>
+                </a:solidFill>
+                <a:latin typeface="+mn-lt"/>
+                <a:ea typeface="+mn-ea"/>
+                <a:cs typeface="+mn-cs"/>
+              </a:rPr>
+              <a:t>user_name</a:t>
+            </a:r>
+            <a:r>
+              <a:rPr lang="en-US" sz="1200" kern="1200" dirty="0">
+                <a:solidFill>
+                  <a:schemeClr val="tx1"/>
+                </a:solidFill>
+                <a:latin typeface="+mn-lt"/>
+                <a:ea typeface="+mn-ea"/>
+                <a:cs typeface="+mn-cs"/>
+              </a:rPr>
+              <a:t>"),</a:t>
+            </a:r>
+          </a:p>
+          <a:p>
+            <a:pPr lvl="1"/>
+            <a:r>
+              <a:rPr lang="en-US" sz="1200" kern="1200" dirty="0">
+                <a:solidFill>
+                  <a:schemeClr val="tx1"/>
+                </a:solidFill>
+                <a:latin typeface="+mn-lt"/>
+                <a:ea typeface="+mn-ea"/>
+                <a:cs typeface="+mn-cs"/>
+              </a:rPr>
+              <a:t>	@Result(property = "password", column = "password"),</a:t>
+            </a:r>
+          </a:p>
+          <a:p>
+            <a:pPr lvl="1"/>
+            <a:r>
+              <a:rPr lang="en-US" sz="1200" kern="1200" dirty="0">
+                <a:solidFill>
+                  <a:schemeClr val="tx1"/>
+                </a:solidFill>
+                <a:latin typeface="+mn-lt"/>
+                <a:ea typeface="+mn-ea"/>
+                <a:cs typeface="+mn-cs"/>
+              </a:rPr>
+              <a:t>})</a:t>
+            </a:r>
+            <a:endParaRPr lang="en-US" sz="1800" kern="1200" dirty="0">
+              <a:solidFill>
+                <a:schemeClr val="tx1"/>
+              </a:solidFill>
+              <a:latin typeface="+mn-lt"/>
+              <a:ea typeface="+mn-ea"/>
+              <a:cs typeface="+mn-cs"/>
+            </a:endParaRPr>
+          </a:p>
+          <a:p>
+            <a:pPr lvl="1"/>
+            <a:r>
+              <a:rPr lang="en-US" sz="1200" kern="1200" dirty="0">
+                <a:solidFill>
+                  <a:schemeClr val="tx1"/>
+                </a:solidFill>
+                <a:latin typeface="+mn-lt"/>
+                <a:ea typeface="+mn-ea"/>
+                <a:cs typeface="+mn-cs"/>
+              </a:rPr>
+              <a:t>@Select("select * from </a:t>
+            </a:r>
+            <a:r>
+              <a:rPr lang="en-US" sz="1200" kern="1200" dirty="0" err="1">
+                <a:solidFill>
+                  <a:schemeClr val="tx1"/>
+                </a:solidFill>
+                <a:latin typeface="+mn-lt"/>
+                <a:ea typeface="+mn-ea"/>
+                <a:cs typeface="+mn-cs"/>
+              </a:rPr>
+              <a:t>sc_user.tb_user</a:t>
+            </a:r>
+            <a:r>
+              <a:rPr lang="en-US" sz="1200" kern="1200" dirty="0">
+                <a:solidFill>
+                  <a:schemeClr val="tx1"/>
+                </a:solidFill>
+                <a:latin typeface="+mn-lt"/>
+                <a:ea typeface="+mn-ea"/>
+                <a:cs typeface="+mn-cs"/>
+              </a:rPr>
+              <a:t> where </a:t>
+            </a:r>
+            <a:r>
+              <a:rPr lang="en-US" sz="1200" kern="1200" dirty="0" err="1">
+                <a:solidFill>
+                  <a:schemeClr val="tx1"/>
+                </a:solidFill>
+                <a:latin typeface="+mn-lt"/>
+                <a:ea typeface="+mn-ea"/>
+                <a:cs typeface="+mn-cs"/>
+              </a:rPr>
+              <a:t>user_name</a:t>
+            </a:r>
+            <a:r>
+              <a:rPr lang="en-US" sz="1200" kern="1200" dirty="0">
+                <a:solidFill>
+                  <a:schemeClr val="tx1"/>
+                </a:solidFill>
+                <a:latin typeface="+mn-lt"/>
+                <a:ea typeface="+mn-ea"/>
+                <a:cs typeface="+mn-cs"/>
+              </a:rPr>
+              <a:t>=#{</a:t>
+            </a:r>
+            <a:r>
+              <a:rPr lang="en-US" sz="1200" kern="1200" dirty="0" err="1">
+                <a:solidFill>
+                  <a:schemeClr val="tx1"/>
+                </a:solidFill>
+                <a:latin typeface="+mn-lt"/>
+                <a:ea typeface="+mn-ea"/>
+                <a:cs typeface="+mn-cs"/>
+              </a:rPr>
+              <a:t>userName</a:t>
+            </a:r>
+            <a:r>
+              <a:rPr lang="en-US" sz="1200" kern="1200" dirty="0">
+                <a:solidFill>
+                  <a:schemeClr val="tx1"/>
+                </a:solidFill>
+                <a:latin typeface="+mn-lt"/>
+                <a:ea typeface="+mn-ea"/>
+                <a:cs typeface="+mn-cs"/>
+              </a:rPr>
+              <a:t>} and password=#{password}")</a:t>
+            </a:r>
+          </a:p>
+          <a:p>
+            <a:pPr lvl="1"/>
+            <a:r>
+              <a:rPr lang="en-US" sz="1200" b="1" kern="1200" dirty="0">
+                <a:solidFill>
+                  <a:schemeClr val="tx1"/>
+                </a:solidFill>
+                <a:latin typeface="+mn-lt"/>
+                <a:ea typeface="+mn-ea"/>
+                <a:cs typeface="+mn-cs"/>
+              </a:rPr>
+              <a:t>public User </a:t>
+            </a:r>
+            <a:r>
+              <a:rPr lang="en-US" sz="1200" b="1" kern="1200" dirty="0" err="1">
+                <a:solidFill>
+                  <a:schemeClr val="tx1"/>
+                </a:solidFill>
+                <a:latin typeface="+mn-lt"/>
+                <a:ea typeface="+mn-ea"/>
+                <a:cs typeface="+mn-cs"/>
+              </a:rPr>
+              <a:t>getByNP</a:t>
+            </a:r>
+            <a:r>
+              <a:rPr lang="en-US" sz="1200" b="1" kern="1200" dirty="0">
+                <a:solidFill>
+                  <a:schemeClr val="tx1"/>
+                </a:solidFill>
+                <a:latin typeface="+mn-lt"/>
+                <a:ea typeface="+mn-ea"/>
+                <a:cs typeface="+mn-cs"/>
+              </a:rPr>
+              <a:t>(String </a:t>
+            </a:r>
+            <a:r>
+              <a:rPr lang="en-US" sz="1200" b="1" kern="1200" dirty="0" err="1">
+                <a:solidFill>
+                  <a:schemeClr val="tx1"/>
+                </a:solidFill>
+                <a:latin typeface="+mn-lt"/>
+                <a:ea typeface="+mn-ea"/>
+                <a:cs typeface="+mn-cs"/>
+              </a:rPr>
+              <a:t>userName</a:t>
+            </a:r>
+            <a:r>
+              <a:rPr lang="en-US" sz="1200" b="1" kern="1200" dirty="0">
+                <a:solidFill>
+                  <a:schemeClr val="tx1"/>
+                </a:solidFill>
+                <a:latin typeface="+mn-lt"/>
+                <a:ea typeface="+mn-ea"/>
+                <a:cs typeface="+mn-cs"/>
+              </a:rPr>
+              <a:t>, String password);</a:t>
+            </a:r>
+          </a:p>
+          <a:p>
+            <a:pPr lvl="1"/>
+            <a:endParaRPr lang="en-US" sz="1200" kern="1200" dirty="0">
+              <a:solidFill>
+                <a:schemeClr val="tx1"/>
+              </a:solidFill>
+              <a:latin typeface="+mn-lt"/>
+              <a:ea typeface="+mn-ea"/>
+              <a:cs typeface="+mn-cs"/>
+            </a:endParaRPr>
+          </a:p>
+          <a:p>
+            <a:pPr lvl="1"/>
+            <a:r>
+              <a:rPr lang="en-US" sz="1200" kern="1200" dirty="0">
+                <a:solidFill>
+                  <a:schemeClr val="tx1"/>
+                </a:solidFill>
+                <a:latin typeface="+mn-lt"/>
+                <a:ea typeface="+mn-ea"/>
+                <a:cs typeface="+mn-cs"/>
+              </a:rPr>
+              <a:t>@Insert("insert into </a:t>
+            </a:r>
+            <a:r>
+              <a:rPr lang="en-US" sz="1200" kern="1200" dirty="0" err="1">
+                <a:solidFill>
+                  <a:schemeClr val="tx1"/>
+                </a:solidFill>
+                <a:latin typeface="+mn-lt"/>
+                <a:ea typeface="+mn-ea"/>
+                <a:cs typeface="+mn-cs"/>
+              </a:rPr>
+              <a:t>sc_user.tb_user</a:t>
+            </a:r>
+            <a:r>
+              <a:rPr lang="en-US" sz="1200" kern="1200" dirty="0">
+                <a:solidFill>
+                  <a:schemeClr val="tx1"/>
+                </a:solidFill>
+                <a:latin typeface="+mn-lt"/>
+                <a:ea typeface="+mn-ea"/>
+                <a:cs typeface="+mn-cs"/>
+              </a:rPr>
+              <a:t> (</a:t>
+            </a:r>
+            <a:r>
+              <a:rPr lang="en-US" sz="1200" kern="1200" dirty="0" err="1">
+                <a:solidFill>
+                  <a:schemeClr val="tx1"/>
+                </a:solidFill>
+                <a:latin typeface="+mn-lt"/>
+                <a:ea typeface="+mn-ea"/>
+                <a:cs typeface="+mn-cs"/>
+              </a:rPr>
+              <a:t>user_name,password</a:t>
+            </a:r>
+            <a:r>
+              <a:rPr lang="en-US" sz="1200" kern="1200" dirty="0">
+                <a:solidFill>
+                  <a:schemeClr val="tx1"/>
+                </a:solidFill>
+                <a:latin typeface="+mn-lt"/>
+                <a:ea typeface="+mn-ea"/>
+                <a:cs typeface="+mn-cs"/>
+              </a:rPr>
+              <a:t>) values (#{</a:t>
+            </a:r>
+            <a:r>
+              <a:rPr lang="en-US" sz="1200" kern="1200" dirty="0" err="1">
+                <a:solidFill>
+                  <a:schemeClr val="tx1"/>
+                </a:solidFill>
+                <a:latin typeface="+mn-lt"/>
+                <a:ea typeface="+mn-ea"/>
+                <a:cs typeface="+mn-cs"/>
+              </a:rPr>
+              <a:t>userName</a:t>
+            </a:r>
+            <a:r>
+              <a:rPr lang="en-US" sz="1200" kern="1200" dirty="0">
+                <a:solidFill>
+                  <a:schemeClr val="tx1"/>
+                </a:solidFill>
+                <a:latin typeface="+mn-lt"/>
+                <a:ea typeface="+mn-ea"/>
+                <a:cs typeface="+mn-cs"/>
+              </a:rPr>
+              <a:t>},#{password})")</a:t>
+            </a:r>
+          </a:p>
+          <a:p>
+            <a:pPr lvl="1"/>
+            <a:r>
+              <a:rPr lang="en-US" sz="1200" b="1" kern="1200" dirty="0">
+                <a:solidFill>
+                  <a:schemeClr val="tx1"/>
+                </a:solidFill>
+                <a:latin typeface="+mn-lt"/>
+                <a:ea typeface="+mn-ea"/>
+                <a:cs typeface="+mn-cs"/>
+              </a:rPr>
+              <a:t>public </a:t>
+            </a:r>
+            <a:r>
+              <a:rPr lang="en-US" sz="1200" b="1" kern="1200" dirty="0" err="1">
+                <a:solidFill>
+                  <a:schemeClr val="tx1"/>
+                </a:solidFill>
+                <a:latin typeface="+mn-lt"/>
+                <a:ea typeface="+mn-ea"/>
+                <a:cs typeface="+mn-cs"/>
+              </a:rPr>
+              <a:t>int</a:t>
+            </a:r>
+            <a:r>
+              <a:rPr lang="en-US" sz="1200" b="1" kern="1200" dirty="0">
+                <a:solidFill>
+                  <a:schemeClr val="tx1"/>
+                </a:solidFill>
+                <a:latin typeface="+mn-lt"/>
+                <a:ea typeface="+mn-ea"/>
+                <a:cs typeface="+mn-cs"/>
+              </a:rPr>
+              <a:t> add(User user);</a:t>
+            </a:r>
+          </a:p>
+          <a:p>
+            <a:pPr lvl="1"/>
+            <a:endParaRPr lang="en-US" sz="1200" kern="1200" dirty="0">
+              <a:solidFill>
+                <a:schemeClr val="tx1"/>
+              </a:solidFill>
+              <a:latin typeface="+mn-lt"/>
+              <a:ea typeface="+mn-ea"/>
+              <a:cs typeface="+mn-cs"/>
+            </a:endParaRPr>
+          </a:p>
+          <a:p>
+            <a:pPr lvl="1"/>
+            <a:r>
+              <a:rPr lang="en-US" sz="1200" kern="1200" dirty="0">
+                <a:solidFill>
+                  <a:schemeClr val="tx1"/>
+                </a:solidFill>
+                <a:latin typeface="+mn-lt"/>
+                <a:ea typeface="+mn-ea"/>
+                <a:cs typeface="+mn-cs"/>
+              </a:rPr>
+              <a:t>@Delete("delete from </a:t>
+            </a:r>
+            <a:r>
+              <a:rPr lang="en-US" sz="1200" kern="1200" dirty="0" err="1">
+                <a:solidFill>
+                  <a:schemeClr val="tx1"/>
+                </a:solidFill>
+                <a:latin typeface="+mn-lt"/>
+                <a:ea typeface="+mn-ea"/>
+                <a:cs typeface="+mn-cs"/>
+              </a:rPr>
+              <a:t>sc_user.tb_user</a:t>
+            </a:r>
+            <a:r>
+              <a:rPr lang="en-US" sz="1200" kern="1200" dirty="0">
+                <a:solidFill>
+                  <a:schemeClr val="tx1"/>
+                </a:solidFill>
+                <a:latin typeface="+mn-lt"/>
+                <a:ea typeface="+mn-ea"/>
+                <a:cs typeface="+mn-cs"/>
+              </a:rPr>
+              <a:t> where </a:t>
+            </a:r>
+            <a:r>
+              <a:rPr lang="en-US" sz="1200" kern="1200" dirty="0" err="1">
+                <a:solidFill>
+                  <a:schemeClr val="tx1"/>
+                </a:solidFill>
+                <a:latin typeface="+mn-lt"/>
+                <a:ea typeface="+mn-ea"/>
+                <a:cs typeface="+mn-cs"/>
+              </a:rPr>
+              <a:t>user_name</a:t>
+            </a:r>
+            <a:r>
+              <a:rPr lang="en-US" sz="1200" kern="1200" dirty="0">
+                <a:solidFill>
+                  <a:schemeClr val="tx1"/>
+                </a:solidFill>
+                <a:latin typeface="+mn-lt"/>
+                <a:ea typeface="+mn-ea"/>
+                <a:cs typeface="+mn-cs"/>
+              </a:rPr>
+              <a:t>=#{</a:t>
+            </a:r>
+            <a:r>
+              <a:rPr lang="en-US" sz="1200" kern="1200" dirty="0" err="1">
+                <a:solidFill>
+                  <a:schemeClr val="tx1"/>
+                </a:solidFill>
+                <a:latin typeface="+mn-lt"/>
+                <a:ea typeface="+mn-ea"/>
+                <a:cs typeface="+mn-cs"/>
+              </a:rPr>
+              <a:t>userName</a:t>
+            </a:r>
+            <a:r>
+              <a:rPr lang="en-US" sz="1200" kern="1200" dirty="0">
+                <a:solidFill>
+                  <a:schemeClr val="tx1"/>
+                </a:solidFill>
+                <a:latin typeface="+mn-lt"/>
+                <a:ea typeface="+mn-ea"/>
+                <a:cs typeface="+mn-cs"/>
+              </a:rPr>
+              <a:t>}")</a:t>
+            </a:r>
+          </a:p>
+          <a:p>
+            <a:pPr lvl="1"/>
+            <a:r>
+              <a:rPr lang="en-US" sz="1200" b="1" kern="1200" dirty="0">
+                <a:solidFill>
+                  <a:schemeClr val="tx1"/>
+                </a:solidFill>
+                <a:latin typeface="+mn-lt"/>
+                <a:ea typeface="+mn-ea"/>
+                <a:cs typeface="+mn-cs"/>
+              </a:rPr>
+              <a:t>public </a:t>
+            </a:r>
+            <a:r>
+              <a:rPr lang="en-US" sz="1200" b="1" kern="1200" dirty="0" err="1">
+                <a:solidFill>
+                  <a:schemeClr val="tx1"/>
+                </a:solidFill>
+                <a:latin typeface="+mn-lt"/>
+                <a:ea typeface="+mn-ea"/>
+                <a:cs typeface="+mn-cs"/>
+              </a:rPr>
+              <a:t>int</a:t>
+            </a:r>
+            <a:r>
+              <a:rPr lang="en-US" sz="1200" b="1" kern="1200" dirty="0">
+                <a:solidFill>
+                  <a:schemeClr val="tx1"/>
+                </a:solidFill>
+                <a:latin typeface="+mn-lt"/>
+                <a:ea typeface="+mn-ea"/>
+                <a:cs typeface="+mn-cs"/>
+              </a:rPr>
+              <a:t> </a:t>
+            </a:r>
+            <a:r>
+              <a:rPr lang="en-US" sz="1200" b="1" kern="1200" dirty="0" err="1">
+                <a:solidFill>
+                  <a:schemeClr val="tx1"/>
+                </a:solidFill>
+                <a:latin typeface="+mn-lt"/>
+                <a:ea typeface="+mn-ea"/>
+                <a:cs typeface="+mn-cs"/>
+              </a:rPr>
+              <a:t>delByName</a:t>
+            </a:r>
+            <a:r>
+              <a:rPr lang="en-US" sz="1200" b="1" kern="1200" dirty="0">
+                <a:solidFill>
+                  <a:schemeClr val="tx1"/>
+                </a:solidFill>
+                <a:latin typeface="+mn-lt"/>
+                <a:ea typeface="+mn-ea"/>
+                <a:cs typeface="+mn-cs"/>
+              </a:rPr>
+              <a:t>(String </a:t>
+            </a:r>
+            <a:r>
+              <a:rPr lang="en-US" sz="1200" b="1" kern="1200" dirty="0" err="1">
+                <a:solidFill>
+                  <a:schemeClr val="tx1"/>
+                </a:solidFill>
+                <a:latin typeface="+mn-lt"/>
+                <a:ea typeface="+mn-ea"/>
+                <a:cs typeface="+mn-cs"/>
+              </a:rPr>
+              <a:t>userName</a:t>
+            </a:r>
+            <a:r>
+              <a:rPr lang="en-US" sz="1200" b="1" kern="1200" dirty="0">
+                <a:solidFill>
+                  <a:schemeClr val="tx1"/>
+                </a:solidFill>
+                <a:latin typeface="+mn-lt"/>
+                <a:ea typeface="+mn-ea"/>
+                <a:cs typeface="+mn-cs"/>
+              </a:rPr>
+              <a:t>);</a:t>
+            </a:r>
+          </a:p>
+          <a:p>
+            <a:pPr lvl="1"/>
+            <a:endParaRPr lang="en-US" sz="1200" kern="1200" dirty="0">
+              <a:solidFill>
+                <a:schemeClr val="tx1"/>
+              </a:solidFill>
+              <a:latin typeface="+mn-lt"/>
+              <a:ea typeface="+mn-ea"/>
+              <a:cs typeface="+mn-cs"/>
+            </a:endParaRPr>
+          </a:p>
+          <a:p>
+            <a:pPr lvl="1"/>
+            <a:r>
+              <a:rPr lang="en-US" sz="1200" kern="1200" dirty="0">
+                <a:solidFill>
+                  <a:schemeClr val="tx1"/>
+                </a:solidFill>
+                <a:latin typeface="+mn-lt"/>
+                <a:ea typeface="+mn-ea"/>
+                <a:cs typeface="+mn-cs"/>
+              </a:rPr>
+              <a:t>@Update("update </a:t>
+            </a:r>
+            <a:r>
+              <a:rPr lang="en-US" sz="1200" kern="1200" dirty="0" err="1">
+                <a:solidFill>
+                  <a:schemeClr val="tx1"/>
+                </a:solidFill>
+                <a:latin typeface="+mn-lt"/>
+                <a:ea typeface="+mn-ea"/>
+                <a:cs typeface="+mn-cs"/>
+              </a:rPr>
+              <a:t>sc_user.tb_user</a:t>
+            </a:r>
+            <a:r>
+              <a:rPr lang="en-US" sz="1200" kern="1200" dirty="0">
+                <a:solidFill>
+                  <a:schemeClr val="tx1"/>
+                </a:solidFill>
+                <a:latin typeface="+mn-lt"/>
+                <a:ea typeface="+mn-ea"/>
+                <a:cs typeface="+mn-cs"/>
+              </a:rPr>
+              <a:t> set password=#{password} where </a:t>
+            </a:r>
+            <a:r>
+              <a:rPr lang="en-US" sz="1200" kern="1200" dirty="0" err="1">
+                <a:solidFill>
+                  <a:schemeClr val="tx1"/>
+                </a:solidFill>
+                <a:latin typeface="+mn-lt"/>
+                <a:ea typeface="+mn-ea"/>
+                <a:cs typeface="+mn-cs"/>
+              </a:rPr>
+              <a:t>user_name</a:t>
+            </a:r>
+            <a:r>
+              <a:rPr lang="en-US" sz="1200" kern="1200" dirty="0">
+                <a:solidFill>
+                  <a:schemeClr val="tx1"/>
+                </a:solidFill>
+                <a:latin typeface="+mn-lt"/>
+                <a:ea typeface="+mn-ea"/>
+                <a:cs typeface="+mn-cs"/>
+              </a:rPr>
+              <a:t>=#{</a:t>
+            </a:r>
+            <a:r>
+              <a:rPr lang="en-US" sz="1200" kern="1200" dirty="0" err="1">
+                <a:solidFill>
+                  <a:schemeClr val="tx1"/>
+                </a:solidFill>
+                <a:latin typeface="+mn-lt"/>
+                <a:ea typeface="+mn-ea"/>
+                <a:cs typeface="+mn-cs"/>
+              </a:rPr>
+              <a:t>userName</a:t>
+            </a:r>
+            <a:r>
+              <a:rPr lang="en-US" sz="1200" kern="1200" dirty="0">
+                <a:solidFill>
+                  <a:schemeClr val="tx1"/>
+                </a:solidFill>
+                <a:latin typeface="+mn-lt"/>
+                <a:ea typeface="+mn-ea"/>
+                <a:cs typeface="+mn-cs"/>
+              </a:rPr>
+              <a:t>}")</a:t>
+            </a:r>
+          </a:p>
+          <a:p>
+            <a:pPr lvl="1"/>
+            <a:r>
+              <a:rPr lang="en-US" sz="1200" b="1" kern="1200" dirty="0">
+                <a:solidFill>
+                  <a:schemeClr val="tx1"/>
+                </a:solidFill>
+                <a:latin typeface="+mn-lt"/>
+                <a:ea typeface="+mn-ea"/>
+                <a:cs typeface="+mn-cs"/>
+              </a:rPr>
+              <a:t>public </a:t>
+            </a:r>
+            <a:r>
+              <a:rPr lang="en-US" sz="1200" b="1" kern="1200" dirty="0" err="1">
+                <a:solidFill>
+                  <a:schemeClr val="tx1"/>
+                </a:solidFill>
+                <a:latin typeface="+mn-lt"/>
+                <a:ea typeface="+mn-ea"/>
+                <a:cs typeface="+mn-cs"/>
+              </a:rPr>
+              <a:t>int</a:t>
+            </a:r>
+            <a:r>
+              <a:rPr lang="en-US" sz="1200" b="1" kern="1200" dirty="0">
+                <a:solidFill>
+                  <a:schemeClr val="tx1"/>
+                </a:solidFill>
+                <a:latin typeface="+mn-lt"/>
+                <a:ea typeface="+mn-ea"/>
+                <a:cs typeface="+mn-cs"/>
+              </a:rPr>
+              <a:t> update(User user);</a:t>
+            </a:r>
+          </a:p>
+          <a:p>
+            <a:endParaRPr lang="en-US" sz="1200" kern="1200" dirty="0">
+              <a:solidFill>
+                <a:schemeClr val="tx1"/>
+              </a:solidFill>
+              <a:latin typeface="+mn-lt"/>
+              <a:ea typeface="+mn-ea"/>
+              <a:cs typeface="+mn-cs"/>
+            </a:endParaRPr>
+          </a:p>
+          <a:p>
+            <a:r>
+              <a:rPr lang="en-US" sz="1200" kern="1200" dirty="0">
+                <a:solidFill>
+                  <a:schemeClr val="tx1"/>
+                </a:solidFill>
+                <a:latin typeface="+mn-lt"/>
+                <a:ea typeface="+mn-ea"/>
+                <a:cs typeface="+mn-cs"/>
+              </a:rPr>
+              <a:t>}</a:t>
+            </a:r>
+            <a:endParaRPr lang="en-US" dirty="0"/>
+          </a:p>
+        </p:txBody>
+      </p:sp>
+      <p:sp>
+        <p:nvSpPr>
+          <p:cNvPr id="4" name="Slide Number Placeholder 3"/>
+          <p:cNvSpPr>
+            <a:spLocks noGrp="1"/>
+          </p:cNvSpPr>
+          <p:nvPr>
+            <p:ph type="sldNum" sz="quarter" idx="10"/>
+          </p:nvPr>
+        </p:nvSpPr>
+        <p:spPr/>
+        <p:txBody>
+          <a:bodyPr/>
+          <a:lstStyle/>
+          <a:p>
+            <a:fld id="{22553725-671C-4999-8D68-861E5DC01BD8}" type="slidenum">
+              <a:rPr lang="zh-CN" altLang="en-US" smtClean="0"/>
+              <a:pPr/>
+              <a:t>5</a:t>
+            </a:fld>
+            <a:endParaRPr lang="zh-CN" altLang="en-US"/>
+          </a:p>
+        </p:txBody>
+      </p:sp>
+    </p:spTree>
+    <p:extLst>
+      <p:ext uri="{BB962C8B-B14F-4D97-AF65-F5344CB8AC3E}">
+        <p14:creationId xmlns:p14="http://schemas.microsoft.com/office/powerpoint/2010/main" val="634933918"/>
+      </p:ext>
+    </p:extLst>
+  </p:cSld>
+  <p:clrMapOvr>
+    <a:masterClrMapping/>
+  </p:clrMapOvr>
+</p:notes>
+</file>
+
 <file path=ppt/slideLayouts/slideLayout1.xml><?xml version="1.0" encoding="utf-8"?>
 <p:sldLayout xmlns:a="http://schemas.openxmlformats.org/drawingml/2006/main" xmlns:r="http://schemas.openxmlformats.org/officeDocument/2006/relationships" xmlns:p="http://schemas.openxmlformats.org/presentationml/2006/main" type="title" preserve="1">
   <p:cSld name="标题幻灯片">
@@ -813,7 +1638,7 @@
             <a:fld id="{91AD7F68-8E1B-45E2-8A27-5D5DEAAB1BF2}" type="datetimeFigureOut">
               <a:rPr lang="zh-CN" altLang="en-US" smtClean="0"/>
               <a:pPr/>
-              <a:t>2018/5/29</a:t>
+              <a:t>2018/5/30</a:t>
             </a:fld>
             <a:endParaRPr lang="zh-CN" altLang="en-US"/>
           </a:p>
@@ -995,7 +1820,7 @@
             <a:fld id="{91AD7F68-8E1B-45E2-8A27-5D5DEAAB1BF2}" type="datetimeFigureOut">
               <a:rPr lang="zh-CN" altLang="en-US" smtClean="0"/>
               <a:pPr/>
-              <a:t>2018/5/29</a:t>
+              <a:t>2018/5/30</a:t>
             </a:fld>
             <a:endParaRPr lang="zh-CN" altLang="en-US"/>
           </a:p>
@@ -1187,7 +2012,7 @@
             <a:fld id="{91AD7F68-8E1B-45E2-8A27-5D5DEAAB1BF2}" type="datetimeFigureOut">
               <a:rPr lang="zh-CN" altLang="en-US" smtClean="0"/>
               <a:pPr/>
-              <a:t>2018/5/29</a:t>
+              <a:t>2018/5/30</a:t>
             </a:fld>
             <a:endParaRPr lang="zh-CN" altLang="en-US"/>
           </a:p>
@@ -1369,7 +2194,7 @@
             <a:fld id="{91AD7F68-8E1B-45E2-8A27-5D5DEAAB1BF2}" type="datetimeFigureOut">
               <a:rPr lang="zh-CN" altLang="en-US" smtClean="0"/>
               <a:pPr/>
-              <a:t>2018/5/29</a:t>
+              <a:t>2018/5/30</a:t>
             </a:fld>
             <a:endParaRPr lang="zh-CN" altLang="en-US"/>
           </a:p>
@@ -1628,7 +2453,7 @@
             <a:fld id="{91AD7F68-8E1B-45E2-8A27-5D5DEAAB1BF2}" type="datetimeFigureOut">
               <a:rPr lang="zh-CN" altLang="en-US" smtClean="0"/>
               <a:pPr/>
-              <a:t>2018/5/29</a:t>
+              <a:t>2018/5/30</a:t>
             </a:fld>
             <a:endParaRPr lang="zh-CN" altLang="en-US"/>
           </a:p>
@@ -1871,7 +2696,7 @@
             <a:fld id="{91AD7F68-8E1B-45E2-8A27-5D5DEAAB1BF2}" type="datetimeFigureOut">
               <a:rPr lang="zh-CN" altLang="en-US" smtClean="0"/>
               <a:pPr/>
-              <a:t>2018/5/29</a:t>
+              <a:t>2018/5/30</a:t>
             </a:fld>
             <a:endParaRPr lang="zh-CN" altLang="en-US"/>
           </a:p>
@@ -2249,7 +3074,7 @@
             <a:fld id="{91AD7F68-8E1B-45E2-8A27-5D5DEAAB1BF2}" type="datetimeFigureOut">
               <a:rPr lang="zh-CN" altLang="en-US" smtClean="0"/>
               <a:pPr/>
-              <a:t>2018/5/29</a:t>
+              <a:t>2018/5/30</a:t>
             </a:fld>
             <a:endParaRPr lang="zh-CN" altLang="en-US"/>
           </a:p>
@@ -2380,7 +3205,7 @@
             <a:fld id="{91AD7F68-8E1B-45E2-8A27-5D5DEAAB1BF2}" type="datetimeFigureOut">
               <a:rPr lang="zh-CN" altLang="en-US" smtClean="0"/>
               <a:pPr/>
-              <a:t>2018/5/29</a:t>
+              <a:t>2018/5/30</a:t>
             </a:fld>
             <a:endParaRPr lang="zh-CN" altLang="en-US"/>
           </a:p>
@@ -2489,7 +3314,7 @@
             <a:fld id="{91AD7F68-8E1B-45E2-8A27-5D5DEAAB1BF2}" type="datetimeFigureOut">
               <a:rPr lang="zh-CN" altLang="en-US" smtClean="0"/>
               <a:pPr/>
-              <a:t>2018/5/29</a:t>
+              <a:t>2018/5/30</a:t>
             </a:fld>
             <a:endParaRPr lang="zh-CN" altLang="en-US"/>
           </a:p>
@@ -2778,7 +3603,7 @@
             <a:fld id="{91AD7F68-8E1B-45E2-8A27-5D5DEAAB1BF2}" type="datetimeFigureOut">
               <a:rPr lang="zh-CN" altLang="en-US" smtClean="0"/>
               <a:pPr/>
-              <a:t>2018/5/29</a:t>
+              <a:t>2018/5/30</a:t>
             </a:fld>
             <a:endParaRPr lang="zh-CN" altLang="en-US"/>
           </a:p>
@@ -3044,7 +3869,7 @@
             <a:fld id="{91AD7F68-8E1B-45E2-8A27-5D5DEAAB1BF2}" type="datetimeFigureOut">
               <a:rPr lang="zh-CN" altLang="en-US" smtClean="0"/>
               <a:pPr/>
-              <a:t>2018/5/29</a:t>
+              <a:t>2018/5/30</a:t>
             </a:fld>
             <a:endParaRPr lang="zh-CN" altLang="en-US"/>
           </a:p>
@@ -3269,7 +4094,7 @@
             <a:fld id="{91AD7F68-8E1B-45E2-8A27-5D5DEAAB1BF2}" type="datetimeFigureOut">
               <a:rPr lang="zh-CN" altLang="en-US" smtClean="0"/>
               <a:pPr/>
-              <a:t>2018/5/29</a:t>
+              <a:t>2018/5/30</a:t>
             </a:fld>
             <a:endParaRPr lang="zh-CN" altLang="en-US"/>
           </a:p>
@@ -16507,7 +17332,7 @@
         <p:spPr>
           <a:xfrm>
             <a:off x="1220303" y="1048215"/>
-            <a:ext cx="6489790" cy="369332"/>
+            <a:ext cx="6489790" cy="923330"/>
           </a:xfrm>
           <a:prstGeom prst="rect">
             <a:avLst/>
@@ -16549,10 +17374,31 @@
               <a:t>/main/resources/banner.txt</a:t>
             </a:r>
             <a:r>
-              <a:rPr lang="zh-CN" altLang="en-US"/>
+              <a:rPr lang="zh-CN" altLang="en-US" dirty="0"/>
               <a:t>）中</a:t>
             </a:r>
+            <a:endParaRPr lang="en-US" altLang="zh-CN" dirty="0"/>
+          </a:p>
+          <a:p>
             <a:endParaRPr lang="en-US" dirty="0"/>
+          </a:p>
+          <a:p>
+            <a:r>
+              <a:rPr lang="en-US" dirty="0"/>
+              <a:t>ASCII</a:t>
+            </a:r>
+            <a:r>
+              <a:rPr lang="zh-CN" altLang="en-US" dirty="0"/>
+              <a:t>在线生成器</a:t>
+            </a:r>
+            <a:r>
+              <a:rPr lang="en-US" altLang="zh-CN" dirty="0"/>
+              <a:t>:</a:t>
+            </a:r>
+            <a:r>
+              <a:rPr lang="en-US" dirty="0"/>
+              <a:t>http://www.network-science.de/ascii/</a:t>
+            </a:r>
           </a:p>
         </p:txBody>
       </p:sp>
@@ -17026,8 +17872,8 @@
         </p:nvSpPr>
         <p:spPr>
           <a:xfrm>
-            <a:off x="1418246" y="211364"/>
-            <a:ext cx="9781229" cy="503905"/>
+            <a:off x="1418247" y="211364"/>
+            <a:ext cx="5306644" cy="503905"/>
           </a:xfrm>
           <a:prstGeom prst="rect">
             <a:avLst/>
@@ -17042,6 +17888,16 @@
           <a:p>
             <a:pPr marL="0" lvl="1"/>
             <a:r>
+              <a:rPr lang="en-US" altLang="zh-CN" sz="2800" spc="300" dirty="0" err="1">
+                <a:solidFill>
+                  <a:srgbClr val="0D4960"/>
+                </a:solidFill>
+                <a:latin typeface="方正尚酷简体" panose="03000509000000000000" pitchFamily="65" charset="-122"/>
+                <a:ea typeface="方正尚酷简体" panose="03000509000000000000" pitchFamily="65" charset="-122"/>
+              </a:rPr>
+              <a:t>Mybatis</a:t>
+            </a:r>
+            <a:r>
               <a:rPr lang="en-US" altLang="zh-CN" sz="2800" spc="300" dirty="0">
                 <a:solidFill>
                   <a:srgbClr val="0D4960"/>
@@ -17049,28 +17905,25 @@
                 <a:latin typeface="方正尚酷简体" panose="03000509000000000000" pitchFamily="65" charset="-122"/>
                 <a:ea typeface="方正尚酷简体" panose="03000509000000000000" pitchFamily="65" charset="-122"/>
               </a:rPr>
-              <a:t>logback-spring.xml</a:t>
-            </a:r>
-            <a:r>
-              <a:rPr lang="zh-CN" altLang="en-US" sz="2800" spc="300" dirty="0">
+              <a:t> + </a:t>
+            </a:r>
+            <a:r>
+              <a:rPr lang="en-US" altLang="zh-CN" sz="2800" spc="300" dirty="0" err="1">
                 <a:solidFill>
                   <a:srgbClr val="0D4960"/>
                 </a:solidFill>
                 <a:latin typeface="方正尚酷简体" panose="03000509000000000000" pitchFamily="65" charset="-122"/>
                 <a:ea typeface="方正尚酷简体" panose="03000509000000000000" pitchFamily="65" charset="-122"/>
               </a:rPr>
-              <a:t>而不是</a:t>
-            </a:r>
-            <a:r>
-              <a:rPr lang="en-US" altLang="zh-CN" sz="2800" spc="300" dirty="0">
-                <a:solidFill>
-                  <a:srgbClr val="0D4960"/>
-                </a:solidFill>
-                <a:latin typeface="方正尚酷简体" panose="03000509000000000000" pitchFamily="65" charset="-122"/>
-                <a:ea typeface="方正尚酷简体" panose="03000509000000000000" pitchFamily="65" charset="-122"/>
-              </a:rPr>
-              <a:t>logback.xml</a:t>
-            </a:r>
+              <a:t>Postgresql</a:t>
+            </a:r>
+            <a:endParaRPr lang="en-US" altLang="zh-CN" sz="2800" spc="300" dirty="0">
+              <a:solidFill>
+                <a:srgbClr val="0D4960"/>
+              </a:solidFill>
+              <a:latin typeface="方正尚酷简体" panose="03000509000000000000" pitchFamily="65" charset="-122"/>
+              <a:ea typeface="方正尚酷简体" panose="03000509000000000000" pitchFamily="65" charset="-122"/>
+            </a:endParaRPr>
           </a:p>
         </p:txBody>
       </p:sp>
@@ -17117,40 +17970,579 @@
           </a:fontRef>
         </p:style>
       </p:cxnSp>
-      <p:pic>
-        <p:nvPicPr>
-          <p:cNvPr id="8" name="Picture 7">
+      <p:sp>
+        <p:nvSpPr>
+          <p:cNvPr id="8" name="TextBox 7">
             <a:extLst>
               <a:ext uri="{FF2B5EF4-FFF2-40B4-BE49-F238E27FC236}">
-                <a16:creationId xmlns:a16="http://schemas.microsoft.com/office/drawing/2014/main" id="{79F0F1F1-32F7-4884-B6C7-FE00CFB1FB66}"/>
+                <a16:creationId xmlns:a16="http://schemas.microsoft.com/office/drawing/2014/main" id="{1FD20DBC-9370-4932-B302-15E9BD9CF161}"/>
               </a:ext>
             </a:extLst>
           </p:cNvPr>
-          <p:cNvPicPr>
-            <a:picLocks noChangeAspect="1"/>
-          </p:cNvPicPr>
+          <p:cNvSpPr txBox="1"/>
           <p:nvPr/>
-        </p:nvPicPr>
-        <p:blipFill>
-          <a:blip r:embed="rId2"/>
-          <a:stretch>
-            <a:fillRect/>
-          </a:stretch>
-        </p:blipFill>
+        </p:nvSpPr>
         <p:spPr>
           <a:xfrm>
-            <a:off x="1418246" y="1085268"/>
-            <a:ext cx="6257925" cy="695325"/>
+            <a:off x="992524" y="959005"/>
+            <a:ext cx="5944063" cy="3139321"/>
           </a:xfrm>
           <a:prstGeom prst="rect">
             <a:avLst/>
           </a:prstGeom>
         </p:spPr>
-      </p:pic>
+        <p:style>
+          <a:lnRef idx="2">
+            <a:schemeClr val="accent2"/>
+          </a:lnRef>
+          <a:fillRef idx="1">
+            <a:schemeClr val="lt1"/>
+          </a:fillRef>
+          <a:effectRef idx="0">
+            <a:schemeClr val="accent2"/>
+          </a:effectRef>
+          <a:fontRef idx="minor">
+            <a:schemeClr val="dk1"/>
+          </a:fontRef>
+        </p:style>
+        <p:txBody>
+          <a:bodyPr wrap="none" rtlCol="0">
+            <a:spAutoFit/>
+          </a:bodyPr>
+          <a:lstStyle/>
+          <a:p>
+            <a:r>
+              <a:rPr lang="en-US" dirty="0"/>
+              <a:t>&lt;dependency&gt;</a:t>
+            </a:r>
+          </a:p>
+          <a:p>
+            <a:r>
+              <a:rPr lang="en-US" dirty="0"/>
+              <a:t>	&lt;</a:t>
+            </a:r>
+            <a:r>
+              <a:rPr lang="en-US" dirty="0" err="1"/>
+              <a:t>groupId</a:t>
+            </a:r>
+            <a:r>
+              <a:rPr lang="en-US" dirty="0"/>
+              <a:t>&gt;</a:t>
+            </a:r>
+            <a:r>
+              <a:rPr lang="en-US" dirty="0" err="1"/>
+              <a:t>org.postgresql</a:t>
+            </a:r>
+            <a:r>
+              <a:rPr lang="en-US" dirty="0"/>
+              <a:t>&lt;/</a:t>
+            </a:r>
+            <a:r>
+              <a:rPr lang="en-US" dirty="0" err="1"/>
+              <a:t>groupId</a:t>
+            </a:r>
+            <a:r>
+              <a:rPr lang="en-US" dirty="0"/>
+              <a:t>&gt;</a:t>
+            </a:r>
+          </a:p>
+          <a:p>
+            <a:r>
+              <a:rPr lang="en-US" dirty="0"/>
+              <a:t>	&lt;</a:t>
+            </a:r>
+            <a:r>
+              <a:rPr lang="en-US" dirty="0" err="1"/>
+              <a:t>artifactId</a:t>
+            </a:r>
+            <a:r>
+              <a:rPr lang="en-US" dirty="0"/>
+              <a:t>&gt;</a:t>
+            </a:r>
+            <a:r>
+              <a:rPr lang="en-US" dirty="0" err="1"/>
+              <a:t>postgresql</a:t>
+            </a:r>
+            <a:r>
+              <a:rPr lang="en-US" dirty="0"/>
+              <a:t>&lt;/</a:t>
+            </a:r>
+            <a:r>
+              <a:rPr lang="en-US" dirty="0" err="1"/>
+              <a:t>artifactId</a:t>
+            </a:r>
+            <a:r>
+              <a:rPr lang="en-US" dirty="0"/>
+              <a:t>&gt;</a:t>
+            </a:r>
+          </a:p>
+          <a:p>
+            <a:r>
+              <a:rPr lang="en-US" dirty="0"/>
+              <a:t>	&lt;version&gt;42.2.2&lt;/version&gt;</a:t>
+            </a:r>
+          </a:p>
+          <a:p>
+            <a:r>
+              <a:rPr lang="en-US" dirty="0"/>
+              <a:t>&lt;/dependency&gt;</a:t>
+            </a:r>
+          </a:p>
+          <a:p>
+            <a:endParaRPr lang="en-US" dirty="0"/>
+          </a:p>
+          <a:p>
+            <a:r>
+              <a:rPr lang="en-US" dirty="0"/>
+              <a:t>&lt;dependency&gt;</a:t>
+            </a:r>
+          </a:p>
+          <a:p>
+            <a:r>
+              <a:rPr lang="en-US" dirty="0"/>
+              <a:t>	&lt;</a:t>
+            </a:r>
+            <a:r>
+              <a:rPr lang="en-US" dirty="0" err="1"/>
+              <a:t>groupId</a:t>
+            </a:r>
+            <a:r>
+              <a:rPr lang="en-US" dirty="0"/>
+              <a:t>&gt;</a:t>
+            </a:r>
+            <a:r>
+              <a:rPr lang="en-US" dirty="0" err="1"/>
+              <a:t>org.mybatis.spring.boot</a:t>
+            </a:r>
+            <a:r>
+              <a:rPr lang="en-US" dirty="0"/>
+              <a:t>&lt;/</a:t>
+            </a:r>
+            <a:r>
+              <a:rPr lang="en-US" dirty="0" err="1"/>
+              <a:t>groupId</a:t>
+            </a:r>
+            <a:r>
+              <a:rPr lang="en-US" dirty="0"/>
+              <a:t>&gt;</a:t>
+            </a:r>
+          </a:p>
+          <a:p>
+            <a:r>
+              <a:rPr lang="en-US" dirty="0"/>
+              <a:t>	&lt;</a:t>
+            </a:r>
+            <a:r>
+              <a:rPr lang="en-US" dirty="0" err="1"/>
+              <a:t>artifactId</a:t>
+            </a:r>
+            <a:r>
+              <a:rPr lang="en-US" dirty="0"/>
+              <a:t>&gt;</a:t>
+            </a:r>
+            <a:r>
+              <a:rPr lang="en-US" dirty="0" err="1"/>
+              <a:t>mybatis</a:t>
+            </a:r>
+            <a:r>
+              <a:rPr lang="en-US" dirty="0"/>
+              <a:t>-spring-boot-starter&lt;/</a:t>
+            </a:r>
+            <a:r>
+              <a:rPr lang="en-US" dirty="0" err="1"/>
+              <a:t>artifactId</a:t>
+            </a:r>
+            <a:r>
+              <a:rPr lang="en-US" dirty="0"/>
+              <a:t>&gt;</a:t>
+            </a:r>
+          </a:p>
+          <a:p>
+            <a:r>
+              <a:rPr lang="en-US" dirty="0"/>
+              <a:t>	&lt;version&gt;1.3.1&lt;/version&gt;</a:t>
+            </a:r>
+          </a:p>
+          <a:p>
+            <a:r>
+              <a:rPr lang="en-US" dirty="0"/>
+              <a:t>&lt;/dependency&gt;</a:t>
+            </a:r>
+          </a:p>
+        </p:txBody>
+      </p:sp>
+      <p:sp>
+        <p:nvSpPr>
+          <p:cNvPr id="9" name="TextBox 8">
+            <a:extLst>
+              <a:ext uri="{FF2B5EF4-FFF2-40B4-BE49-F238E27FC236}">
+                <a16:creationId xmlns:a16="http://schemas.microsoft.com/office/drawing/2014/main" id="{C67297E8-CA9F-44B9-A508-27A2883EA947}"/>
+              </a:ext>
+            </a:extLst>
+          </p:cNvPr>
+          <p:cNvSpPr txBox="1"/>
+          <p:nvPr/>
+        </p:nvSpPr>
+        <p:spPr>
+          <a:xfrm>
+            <a:off x="7202700" y="959005"/>
+            <a:ext cx="4702313" cy="1477328"/>
+          </a:xfrm>
+          <a:prstGeom prst="rect">
+            <a:avLst/>
+          </a:prstGeom>
+        </p:spPr>
+        <p:style>
+          <a:lnRef idx="2">
+            <a:schemeClr val="accent1"/>
+          </a:lnRef>
+          <a:fillRef idx="1">
+            <a:schemeClr val="lt1"/>
+          </a:fillRef>
+          <a:effectRef idx="0">
+            <a:schemeClr val="accent1"/>
+          </a:effectRef>
+          <a:fontRef idx="minor">
+            <a:schemeClr val="dk1"/>
+          </a:fontRef>
+        </p:style>
+        <p:txBody>
+          <a:bodyPr wrap="none" rtlCol="0">
+            <a:spAutoFit/>
+          </a:bodyPr>
+          <a:lstStyle/>
+          <a:p>
+            <a:r>
+              <a:rPr lang="en-US" dirty="0"/>
+              <a:t>spring:</a:t>
+            </a:r>
+          </a:p>
+          <a:p>
+            <a:r>
+              <a:rPr lang="zh-CN" altLang="en-US" dirty="0"/>
+              <a:t>  </a:t>
+            </a:r>
+            <a:r>
+              <a:rPr lang="en-US" dirty="0" err="1"/>
+              <a:t>datasource</a:t>
+            </a:r>
+            <a:r>
+              <a:rPr lang="en-US" dirty="0"/>
+              <a:t>:</a:t>
+            </a:r>
+          </a:p>
+          <a:p>
+            <a:r>
+              <a:rPr lang="fr-FR" dirty="0"/>
+              <a:t>    url: </a:t>
+            </a:r>
+            <a:r>
+              <a:rPr lang="fr-FR" dirty="0" err="1"/>
+              <a:t>jdbc:postgresql</a:t>
+            </a:r>
+            <a:r>
+              <a:rPr lang="fr-FR" dirty="0"/>
+              <a:t>://localhost:5433/</a:t>
+            </a:r>
+            <a:r>
+              <a:rPr lang="fr-FR" dirty="0" err="1"/>
+              <a:t>postgres</a:t>
+            </a:r>
+            <a:endParaRPr lang="fr-FR" dirty="0"/>
+          </a:p>
+          <a:p>
+            <a:r>
+              <a:rPr lang="en-US" dirty="0"/>
+              <a:t>    username: </a:t>
+            </a:r>
+            <a:r>
+              <a:rPr lang="en-US" dirty="0" err="1"/>
+              <a:t>postgres</a:t>
+            </a:r>
+            <a:endParaRPr lang="en-US" dirty="0"/>
+          </a:p>
+          <a:p>
+            <a:r>
+              <a:rPr lang="en-US" dirty="0"/>
+              <a:t>    password: </a:t>
+            </a:r>
+            <a:r>
+              <a:rPr lang="en-US" dirty="0" err="1"/>
+              <a:t>postgres</a:t>
+            </a:r>
+            <a:endParaRPr lang="en-US" dirty="0"/>
+          </a:p>
+        </p:txBody>
+      </p:sp>
+      <p:sp>
+        <p:nvSpPr>
+          <p:cNvPr id="10" name="Rectangle: Rounded Corners 9">
+            <a:extLst>
+              <a:ext uri="{FF2B5EF4-FFF2-40B4-BE49-F238E27FC236}">
+                <a16:creationId xmlns:a16="http://schemas.microsoft.com/office/drawing/2014/main" id="{9D19314B-5538-4EAA-A41D-5A1FA3DAB0A0}"/>
+              </a:ext>
+            </a:extLst>
+          </p:cNvPr>
+          <p:cNvSpPr/>
+          <p:nvPr/>
+        </p:nvSpPr>
+        <p:spPr>
+          <a:xfrm>
+            <a:off x="7202701" y="2531326"/>
+            <a:ext cx="1361436" cy="2134459"/>
+          </a:xfrm>
+          <a:prstGeom prst="roundRect">
+            <a:avLst/>
+          </a:prstGeom>
+        </p:spPr>
+        <p:style>
+          <a:lnRef idx="2">
+            <a:schemeClr val="accent6"/>
+          </a:lnRef>
+          <a:fillRef idx="1">
+            <a:schemeClr val="lt1"/>
+          </a:fillRef>
+          <a:effectRef idx="0">
+            <a:schemeClr val="accent6"/>
+          </a:effectRef>
+          <a:fontRef idx="minor">
+            <a:schemeClr val="dk1"/>
+          </a:fontRef>
+        </p:style>
+        <p:txBody>
+          <a:bodyPr rtlCol="0" anchor="t"/>
+          <a:lstStyle/>
+          <a:p>
+            <a:r>
+              <a:rPr lang="en-US" dirty="0"/>
+              <a:t>@Mapper  </a:t>
+            </a:r>
+          </a:p>
+          <a:p>
+            <a:r>
+              <a:rPr lang="en-US" dirty="0"/>
+              <a:t>@Select   </a:t>
+            </a:r>
+          </a:p>
+          <a:p>
+            <a:r>
+              <a:rPr lang="en-US" dirty="0"/>
+              <a:t>@Insert</a:t>
+            </a:r>
+          </a:p>
+          <a:p>
+            <a:r>
+              <a:rPr lang="en-US" dirty="0"/>
+              <a:t>@Delete</a:t>
+            </a:r>
+          </a:p>
+          <a:p>
+            <a:r>
+              <a:rPr lang="en-US" dirty="0"/>
+              <a:t>@Update</a:t>
+            </a:r>
+            <a:br>
+              <a:rPr lang="en-US" dirty="0"/>
+            </a:br>
+            <a:r>
+              <a:rPr lang="en-US" dirty="0"/>
+              <a:t>@Results</a:t>
+            </a:r>
+          </a:p>
+          <a:p>
+            <a:r>
+              <a:rPr lang="en-US" dirty="0"/>
+              <a:t>@Result</a:t>
+            </a:r>
+          </a:p>
+        </p:txBody>
+      </p:sp>
+      <p:cxnSp>
+        <p:nvCxnSpPr>
+          <p:cNvPr id="12" name="Straight Arrow Connector 11">
+            <a:extLst>
+              <a:ext uri="{FF2B5EF4-FFF2-40B4-BE49-F238E27FC236}">
+                <a16:creationId xmlns:a16="http://schemas.microsoft.com/office/drawing/2014/main" id="{E39D1571-C729-4016-9469-BC7E937B64A9}"/>
+              </a:ext>
+            </a:extLst>
+          </p:cNvPr>
+          <p:cNvCxnSpPr>
+            <a:cxnSpLocks/>
+          </p:cNvCxnSpPr>
+          <p:nvPr/>
+        </p:nvCxnSpPr>
+        <p:spPr>
+          <a:xfrm>
+            <a:off x="8296507" y="2798956"/>
+            <a:ext cx="769435" cy="0"/>
+          </a:xfrm>
+          <a:prstGeom prst="straightConnector1">
+            <a:avLst/>
+          </a:prstGeom>
+          <a:ln>
+            <a:tailEnd type="triangle"/>
+          </a:ln>
+        </p:spPr>
+        <p:style>
+          <a:lnRef idx="1">
+            <a:schemeClr val="accent1"/>
+          </a:lnRef>
+          <a:fillRef idx="0">
+            <a:schemeClr val="accent1"/>
+          </a:fillRef>
+          <a:effectRef idx="0">
+            <a:schemeClr val="accent1"/>
+          </a:effectRef>
+          <a:fontRef idx="minor">
+            <a:schemeClr val="tx1"/>
+          </a:fontRef>
+        </p:style>
+      </p:cxnSp>
+      <p:sp>
+        <p:nvSpPr>
+          <p:cNvPr id="13" name="Right Brace 12">
+            <a:extLst>
+              <a:ext uri="{FF2B5EF4-FFF2-40B4-BE49-F238E27FC236}">
+                <a16:creationId xmlns:a16="http://schemas.microsoft.com/office/drawing/2014/main" id="{44F19B89-35BB-4AD6-9009-1F702E2A6976}"/>
+              </a:ext>
+            </a:extLst>
+          </p:cNvPr>
+          <p:cNvSpPr/>
+          <p:nvPr/>
+        </p:nvSpPr>
+        <p:spPr>
+          <a:xfrm>
+            <a:off x="8296508" y="2960650"/>
+            <a:ext cx="769434" cy="1494115"/>
+          </a:xfrm>
+          <a:prstGeom prst="rightBrace">
+            <a:avLst>
+              <a:gd name="adj1" fmla="val 8333"/>
+              <a:gd name="adj2" fmla="val 48895"/>
+            </a:avLst>
+          </a:prstGeom>
+        </p:spPr>
+        <p:style>
+          <a:lnRef idx="1">
+            <a:schemeClr val="accent1"/>
+          </a:lnRef>
+          <a:fillRef idx="0">
+            <a:schemeClr val="accent1"/>
+          </a:fillRef>
+          <a:effectRef idx="0">
+            <a:schemeClr val="accent1"/>
+          </a:effectRef>
+          <a:fontRef idx="minor">
+            <a:schemeClr val="tx1"/>
+          </a:fontRef>
+        </p:style>
+        <p:txBody>
+          <a:bodyPr rtlCol="0" anchor="ctr"/>
+          <a:lstStyle/>
+          <a:p>
+            <a:pPr algn="ctr"/>
+            <a:endParaRPr lang="en-US"/>
+          </a:p>
+        </p:txBody>
+      </p:sp>
+      <p:sp>
+        <p:nvSpPr>
+          <p:cNvPr id="16" name="Rectangle: Rounded Corners 15">
+            <a:extLst>
+              <a:ext uri="{FF2B5EF4-FFF2-40B4-BE49-F238E27FC236}">
+                <a16:creationId xmlns:a16="http://schemas.microsoft.com/office/drawing/2014/main" id="{DB948C2B-6171-4A17-BE57-3ED9DFB974A2}"/>
+              </a:ext>
+            </a:extLst>
+          </p:cNvPr>
+          <p:cNvSpPr/>
+          <p:nvPr/>
+        </p:nvSpPr>
+        <p:spPr>
+          <a:xfrm>
+            <a:off x="9065942" y="2531326"/>
+            <a:ext cx="1226633" cy="429324"/>
+          </a:xfrm>
+          <a:prstGeom prst="roundRect">
+            <a:avLst/>
+          </a:prstGeom>
+        </p:spPr>
+        <p:style>
+          <a:lnRef idx="2">
+            <a:schemeClr val="accent6"/>
+          </a:lnRef>
+          <a:fillRef idx="1">
+            <a:schemeClr val="lt1"/>
+          </a:fillRef>
+          <a:effectRef idx="0">
+            <a:schemeClr val="accent6"/>
+          </a:effectRef>
+          <a:fontRef idx="minor">
+            <a:schemeClr val="dk1"/>
+          </a:fontRef>
+        </p:style>
+        <p:txBody>
+          <a:bodyPr rtlCol="0" anchor="ctr"/>
+          <a:lstStyle/>
+          <a:p>
+            <a:pPr algn="ctr"/>
+            <a:r>
+              <a:rPr lang="en-US" dirty="0"/>
+              <a:t>class</a:t>
+            </a:r>
+          </a:p>
+        </p:txBody>
+      </p:sp>
+      <p:sp>
+        <p:nvSpPr>
+          <p:cNvPr id="17" name="Rectangle: Rounded Corners 16">
+            <a:extLst>
+              <a:ext uri="{FF2B5EF4-FFF2-40B4-BE49-F238E27FC236}">
+                <a16:creationId xmlns:a16="http://schemas.microsoft.com/office/drawing/2014/main" id="{53576592-6356-465E-80FA-99D458DBE18B}"/>
+              </a:ext>
+            </a:extLst>
+          </p:cNvPr>
+          <p:cNvSpPr/>
+          <p:nvPr/>
+        </p:nvSpPr>
+        <p:spPr>
+          <a:xfrm>
+            <a:off x="9065942" y="3492029"/>
+            <a:ext cx="1226633" cy="429324"/>
+          </a:xfrm>
+          <a:prstGeom prst="roundRect">
+            <a:avLst/>
+          </a:prstGeom>
+        </p:spPr>
+        <p:style>
+          <a:lnRef idx="2">
+            <a:schemeClr val="accent6"/>
+          </a:lnRef>
+          <a:fillRef idx="1">
+            <a:schemeClr val="lt1"/>
+          </a:fillRef>
+          <a:effectRef idx="0">
+            <a:schemeClr val="accent6"/>
+          </a:effectRef>
+          <a:fontRef idx="minor">
+            <a:schemeClr val="dk1"/>
+          </a:fontRef>
+        </p:style>
+        <p:txBody>
+          <a:bodyPr rtlCol="0" anchor="ctr"/>
+          <a:lstStyle/>
+          <a:p>
+            <a:pPr algn="ctr"/>
+            <a:r>
+              <a:rPr lang="en-US" dirty="0"/>
+              <a:t>method</a:t>
+            </a:r>
+          </a:p>
+        </p:txBody>
+      </p:sp>
     </p:spTree>
     <p:extLst>
       <p:ext uri="{BB962C8B-B14F-4D97-AF65-F5344CB8AC3E}">
-        <p14:creationId xmlns:p14="http://schemas.microsoft.com/office/powerpoint/2010/main" val="44955616"/>
+        <p14:creationId xmlns:p14="http://schemas.microsoft.com/office/powerpoint/2010/main" val="531440399"/>
       </p:ext>
     </p:extLst>
   </p:cSld>
@@ -17633,15 +19025,22 @@
           <a:p>
             <a:pPr marL="0" lvl="1"/>
             <a:r>
-              <a:rPr lang="en-US" altLang="zh-CN" sz="2800" spc="300" dirty="0">
+              <a:rPr lang="zh-CN" altLang="en-US" sz="2800" spc="300" dirty="0">
                 <a:solidFill>
                   <a:srgbClr val="0D4960"/>
                 </a:solidFill>
                 <a:latin typeface="方正尚酷简体" panose="03000509000000000000" pitchFamily="65" charset="-122"/>
                 <a:ea typeface="方正尚酷简体" panose="03000509000000000000" pitchFamily="65" charset="-122"/>
               </a:rPr>
-              <a:t>Configuration Class</a:t>
-            </a:r>
+              <a:t>事务</a:t>
+            </a:r>
+            <a:endParaRPr lang="en-US" altLang="zh-CN" sz="2800" spc="300" dirty="0">
+              <a:solidFill>
+                <a:srgbClr val="0D4960"/>
+              </a:solidFill>
+              <a:latin typeface="方正尚酷简体" panose="03000509000000000000" pitchFamily="65" charset="-122"/>
+              <a:ea typeface="方正尚酷简体" panose="03000509000000000000" pitchFamily="65" charset="-122"/>
+            </a:endParaRPr>
           </a:p>
         </p:txBody>
       </p:sp>
@@ -17688,10 +19087,834 @@
           </a:fontRef>
         </p:style>
       </p:cxnSp>
+      <p:sp>
+        <p:nvSpPr>
+          <p:cNvPr id="8" name="Rectangle: Rounded Corners 7">
+            <a:extLst>
+              <a:ext uri="{FF2B5EF4-FFF2-40B4-BE49-F238E27FC236}">
+                <a16:creationId xmlns:a16="http://schemas.microsoft.com/office/drawing/2014/main" id="{F68BECEA-408E-421E-AF7B-6D2F2A937A53}"/>
+              </a:ext>
+            </a:extLst>
+          </p:cNvPr>
+          <p:cNvSpPr/>
+          <p:nvPr/>
+        </p:nvSpPr>
+        <p:spPr>
+          <a:xfrm>
+            <a:off x="569113" y="822460"/>
+            <a:ext cx="3423024" cy="848466"/>
+          </a:xfrm>
+          <a:prstGeom prst="roundRect">
+            <a:avLst/>
+          </a:prstGeom>
+        </p:spPr>
+        <p:style>
+          <a:lnRef idx="2">
+            <a:schemeClr val="accent1">
+              <a:shade val="50000"/>
+            </a:schemeClr>
+          </a:lnRef>
+          <a:fillRef idx="1">
+            <a:schemeClr val="accent1"/>
+          </a:fillRef>
+          <a:effectRef idx="0">
+            <a:schemeClr val="accent1"/>
+          </a:effectRef>
+          <a:fontRef idx="minor">
+            <a:schemeClr val="lt1"/>
+          </a:fontRef>
+        </p:style>
+        <p:txBody>
+          <a:bodyPr rtlCol="0" anchor="ctr"/>
+          <a:lstStyle/>
+          <a:p>
+            <a:pPr algn="ctr"/>
+            <a:r>
+              <a:rPr lang="zh-CN" altLang="en-US" dirty="0"/>
+              <a:t>开启事务管理：</a:t>
+            </a:r>
+            <a:r>
+              <a:rPr lang="en-US" dirty="0"/>
+              <a:t>@</a:t>
+            </a:r>
+            <a:r>
+              <a:rPr lang="en-US" dirty="0" err="1"/>
+              <a:t>EnableTransactionManagement</a:t>
+            </a:r>
+            <a:endParaRPr lang="en-US" dirty="0"/>
+          </a:p>
+        </p:txBody>
+      </p:sp>
+      <p:sp>
+        <p:nvSpPr>
+          <p:cNvPr id="9" name="Rectangle: Rounded Corners 8">
+            <a:extLst>
+              <a:ext uri="{FF2B5EF4-FFF2-40B4-BE49-F238E27FC236}">
+                <a16:creationId xmlns:a16="http://schemas.microsoft.com/office/drawing/2014/main" id="{0382AEC7-E875-41C2-B0A0-D654802E3F25}"/>
+              </a:ext>
+            </a:extLst>
+          </p:cNvPr>
+          <p:cNvSpPr/>
+          <p:nvPr/>
+        </p:nvSpPr>
+        <p:spPr>
+          <a:xfrm>
+            <a:off x="4071569" y="822460"/>
+            <a:ext cx="1784161" cy="848466"/>
+          </a:xfrm>
+          <a:prstGeom prst="roundRect">
+            <a:avLst/>
+          </a:prstGeom>
+        </p:spPr>
+        <p:style>
+          <a:lnRef idx="2">
+            <a:schemeClr val="accent1">
+              <a:shade val="50000"/>
+            </a:schemeClr>
+          </a:lnRef>
+          <a:fillRef idx="1">
+            <a:schemeClr val="accent1"/>
+          </a:fillRef>
+          <a:effectRef idx="0">
+            <a:schemeClr val="accent1"/>
+          </a:effectRef>
+          <a:fontRef idx="minor">
+            <a:schemeClr val="lt1"/>
+          </a:fontRef>
+        </p:style>
+        <p:txBody>
+          <a:bodyPr rtlCol="0" anchor="ctr"/>
+          <a:lstStyle/>
+          <a:p>
+            <a:pPr algn="ctr"/>
+            <a:r>
+              <a:rPr lang="zh-CN" altLang="en-US" dirty="0"/>
+              <a:t>添加事务：</a:t>
+            </a:r>
+            <a:endParaRPr lang="en-US" altLang="zh-CN" dirty="0"/>
+          </a:p>
+          <a:p>
+            <a:pPr algn="ctr"/>
+            <a:r>
+              <a:rPr lang="en-US" dirty="0"/>
+              <a:t>@Transactional</a:t>
+            </a:r>
+          </a:p>
+        </p:txBody>
+      </p:sp>
+      <p:sp>
+        <p:nvSpPr>
+          <p:cNvPr id="11" name="Rectangle 10">
+            <a:extLst>
+              <a:ext uri="{FF2B5EF4-FFF2-40B4-BE49-F238E27FC236}">
+                <a16:creationId xmlns:a16="http://schemas.microsoft.com/office/drawing/2014/main" id="{4AEFDE1E-29FF-421B-9182-02C032CDD346}"/>
+              </a:ext>
+            </a:extLst>
+          </p:cNvPr>
+          <p:cNvSpPr/>
+          <p:nvPr/>
+        </p:nvSpPr>
+        <p:spPr>
+          <a:xfrm>
+            <a:off x="6096000" y="857258"/>
+            <a:ext cx="5496353" cy="2265969"/>
+          </a:xfrm>
+          <a:prstGeom prst="rect">
+            <a:avLst/>
+          </a:prstGeom>
+        </p:spPr>
+        <p:style>
+          <a:lnRef idx="2">
+            <a:schemeClr val="accent6"/>
+          </a:lnRef>
+          <a:fillRef idx="1">
+            <a:schemeClr val="lt1"/>
+          </a:fillRef>
+          <a:effectRef idx="0">
+            <a:schemeClr val="accent6"/>
+          </a:effectRef>
+          <a:fontRef idx="minor">
+            <a:schemeClr val="dk1"/>
+          </a:fontRef>
+        </p:style>
+        <p:txBody>
+          <a:bodyPr rtlCol="0" anchor="t"/>
+          <a:lstStyle/>
+          <a:p>
+            <a:pPr marL="285750" indent="-285750">
+              <a:buFont typeface="Arial" panose="020B0604020202020204" pitchFamily="34" charset="0"/>
+              <a:buChar char="•"/>
+            </a:pPr>
+            <a:r>
+              <a:rPr lang="en-US" altLang="zh-CN" sz="1200" b="1" dirty="0"/>
+              <a:t>READ UNCOMMITTED</a:t>
+            </a:r>
+          </a:p>
+          <a:p>
+            <a:pPr lvl="1"/>
+            <a:r>
+              <a:rPr lang="zh-CN" altLang="en-US" sz="1200" dirty="0"/>
+              <a:t>一个事务可以读取另一个事务修改但未提及的数据。</a:t>
+            </a:r>
+            <a:endParaRPr lang="en-US" altLang="zh-CN" sz="1200" dirty="0"/>
+          </a:p>
+          <a:p>
+            <a:pPr marL="285750" indent="-285750">
+              <a:buFont typeface="Arial" panose="020B0604020202020204" pitchFamily="34" charset="0"/>
+              <a:buChar char="•"/>
+            </a:pPr>
+            <a:r>
+              <a:rPr lang="en-US" sz="1200" b="1" dirty="0"/>
+              <a:t>READ UNCOMMITTED</a:t>
+            </a:r>
+          </a:p>
+          <a:p>
+            <a:pPr lvl="1"/>
+            <a:r>
+              <a:rPr lang="zh-CN" altLang="en-US" sz="1200" dirty="0"/>
+              <a:t>一个事务只能读取另一个事务已经提交的数据。可以防止脏读。</a:t>
+            </a:r>
+            <a:endParaRPr lang="en-US" sz="1200" dirty="0"/>
+          </a:p>
+          <a:p>
+            <a:pPr marL="285750" indent="-285750">
+              <a:buFont typeface="Arial" panose="020B0604020202020204" pitchFamily="34" charset="0"/>
+              <a:buChar char="•"/>
+            </a:pPr>
+            <a:r>
+              <a:rPr lang="en-US" sz="1200" b="1" dirty="0"/>
+              <a:t>REPEATABLE READ</a:t>
+            </a:r>
+          </a:p>
+          <a:p>
+            <a:pPr lvl="1"/>
+            <a:r>
+              <a:rPr lang="zh-CN" altLang="en-US" sz="1200" dirty="0"/>
+              <a:t>一个事务在整个过程中执行的多次查询返回的记录都相同。即使在这个过程中有其他新增的满足查询条件的记录，也会被忽略。可防止脏读和不可重复读。</a:t>
+            </a:r>
+            <a:endParaRPr lang="en-US" sz="1200" dirty="0"/>
+          </a:p>
+          <a:p>
+            <a:pPr marL="285750" indent="-285750">
+              <a:buFont typeface="Arial" panose="020B0604020202020204" pitchFamily="34" charset="0"/>
+              <a:buChar char="•"/>
+            </a:pPr>
+            <a:r>
+              <a:rPr lang="en-US" sz="1200" b="1" dirty="0"/>
+              <a:t>SERIALIZABLE</a:t>
+            </a:r>
+          </a:p>
+          <a:p>
+            <a:pPr lvl="1"/>
+            <a:r>
+              <a:rPr lang="zh-CN" altLang="en-US" sz="1200" dirty="0"/>
+              <a:t>所有事务依次执行。可防止脏读，不可重复读，幻读。</a:t>
+            </a:r>
+            <a:endParaRPr lang="en-US" sz="1200" dirty="0"/>
+          </a:p>
+          <a:p>
+            <a:pPr marL="742950" lvl="1" indent="-285750">
+              <a:buFont typeface="Wingdings" panose="05000000000000000000" pitchFamily="2" charset="2"/>
+              <a:buChar char="Ø"/>
+            </a:pPr>
+            <a:r>
+              <a:rPr lang="en-US" altLang="zh-CN" sz="1200" dirty="0">
+                <a:solidFill>
+                  <a:srgbClr val="FF0000"/>
+                </a:solidFill>
+              </a:rPr>
+              <a:t>Spring</a:t>
+            </a:r>
+            <a:r>
+              <a:rPr lang="zh-CN" altLang="en-US" sz="1200" dirty="0">
+                <a:solidFill>
+                  <a:srgbClr val="FF0000"/>
+                </a:solidFill>
+              </a:rPr>
+              <a:t>中通过指定</a:t>
+            </a:r>
+            <a:r>
+              <a:rPr lang="en-US" altLang="zh-CN" sz="1200" dirty="0">
+                <a:solidFill>
+                  <a:srgbClr val="FF0000"/>
+                </a:solidFill>
+              </a:rPr>
+              <a:t>isolation</a:t>
+            </a:r>
+            <a:r>
+              <a:rPr lang="zh-CN" altLang="en-US" sz="1200" dirty="0">
+                <a:solidFill>
+                  <a:srgbClr val="FF0000"/>
+                </a:solidFill>
+              </a:rPr>
+              <a:t>属性设置</a:t>
+            </a:r>
+            <a:endParaRPr lang="en-US" altLang="zh-CN" sz="1200" dirty="0">
+              <a:solidFill>
+                <a:srgbClr val="FF0000"/>
+              </a:solidFill>
+            </a:endParaRPr>
+          </a:p>
+          <a:p>
+            <a:pPr lvl="1"/>
+            <a:r>
+              <a:rPr lang="en-US" sz="1200" dirty="0">
+                <a:solidFill>
+                  <a:srgbClr val="FF0000"/>
+                </a:solidFill>
+              </a:rPr>
+              <a:t>@Transactional(isolation=</a:t>
+            </a:r>
+            <a:r>
+              <a:rPr lang="en-US" sz="1200" dirty="0" err="1">
+                <a:solidFill>
+                  <a:srgbClr val="FF0000"/>
+                </a:solidFill>
+              </a:rPr>
+              <a:t>Isolation.READ_COMMITTED</a:t>
+            </a:r>
+            <a:r>
+              <a:rPr lang="en-US" sz="1200" dirty="0">
+                <a:solidFill>
+                  <a:srgbClr val="FF0000"/>
+                </a:solidFill>
+              </a:rPr>
+              <a:t>)</a:t>
+            </a:r>
+          </a:p>
+        </p:txBody>
+      </p:sp>
+      <p:sp>
+        <p:nvSpPr>
+          <p:cNvPr id="12" name="Rectangle 11">
+            <a:extLst>
+              <a:ext uri="{FF2B5EF4-FFF2-40B4-BE49-F238E27FC236}">
+                <a16:creationId xmlns:a16="http://schemas.microsoft.com/office/drawing/2014/main" id="{959CCCF2-6F51-471D-820D-025C74C7CDE9}"/>
+              </a:ext>
+            </a:extLst>
+          </p:cNvPr>
+          <p:cNvSpPr/>
+          <p:nvPr/>
+        </p:nvSpPr>
+        <p:spPr>
+          <a:xfrm>
+            <a:off x="569114" y="1810183"/>
+            <a:ext cx="4928438" cy="4836448"/>
+          </a:xfrm>
+          <a:prstGeom prst="rect">
+            <a:avLst/>
+          </a:prstGeom>
+        </p:spPr>
+        <p:style>
+          <a:lnRef idx="2">
+            <a:schemeClr val="accent6"/>
+          </a:lnRef>
+          <a:fillRef idx="1">
+            <a:schemeClr val="lt1"/>
+          </a:fillRef>
+          <a:effectRef idx="0">
+            <a:schemeClr val="accent6"/>
+          </a:effectRef>
+          <a:fontRef idx="minor">
+            <a:schemeClr val="dk1"/>
+          </a:fontRef>
+        </p:style>
+        <p:txBody>
+          <a:bodyPr rtlCol="0" anchor="t"/>
+          <a:lstStyle/>
+          <a:p>
+            <a:pPr marL="285750" indent="-285750">
+              <a:buFont typeface="Arial" panose="020B0604020202020204" pitchFamily="34" charset="0"/>
+              <a:buChar char="•"/>
+            </a:pPr>
+            <a:r>
+              <a:rPr lang="zh-CN" altLang="en-US" b="1" dirty="0"/>
+              <a:t>脏读</a:t>
+            </a:r>
+            <a:endParaRPr lang="en-US" altLang="zh-CN" b="1" dirty="0"/>
+          </a:p>
+          <a:p>
+            <a:pPr lvl="1"/>
+            <a:r>
+              <a:rPr lang="zh-CN" altLang="en-US" sz="1200" dirty="0"/>
+              <a:t>脏读就是指当一个事务正在访问数据，并且对数据进行了修改，而这种修改还没有提交到数据库中，这时，另外一个事务也访问这个数据，然后使用了这个数据。</a:t>
+            </a:r>
+            <a:endParaRPr lang="en-US" altLang="zh-CN" dirty="0"/>
+          </a:p>
+          <a:p>
+            <a:pPr marL="285750" indent="-285750">
+              <a:buFont typeface="Arial" panose="020B0604020202020204" pitchFamily="34" charset="0"/>
+              <a:buChar char="•"/>
+            </a:pPr>
+            <a:r>
+              <a:rPr lang="zh-CN" altLang="en-US" b="1" dirty="0"/>
+              <a:t>不可重复读</a:t>
+            </a:r>
+            <a:endParaRPr lang="en-US" altLang="zh-CN" b="1" dirty="0"/>
+          </a:p>
+          <a:p>
+            <a:pPr lvl="1"/>
+            <a:r>
+              <a:rPr lang="zh-CN" altLang="en-US" sz="1200" dirty="0"/>
+              <a:t>指在一个事务内，多次读同一数据。在这个事务还没有结束时，另外一个事务也访问该同一数据。那么，在第一个事务中的两次读数据之间，由于第二个事务的修改，那么第一个事务两次读到的的数据可能是不一样的。这样就发生了在一个事务内两次读到的数据是不一样的，因此称为是不可重复读。</a:t>
+            </a:r>
+            <a:endParaRPr lang="en-US" altLang="zh-CN" dirty="0"/>
+          </a:p>
+          <a:p>
+            <a:pPr marL="285750" indent="-285750">
+              <a:buFont typeface="Arial" panose="020B0604020202020204" pitchFamily="34" charset="0"/>
+              <a:buChar char="•"/>
+            </a:pPr>
+            <a:r>
+              <a:rPr lang="zh-CN" altLang="en-US" b="1" dirty="0"/>
+              <a:t>幻读</a:t>
+            </a:r>
+            <a:endParaRPr lang="en-US" altLang="zh-CN" b="1" dirty="0"/>
+          </a:p>
+          <a:p>
+            <a:pPr lvl="1"/>
+            <a:r>
+              <a:rPr lang="zh-CN" altLang="en-US" sz="1200" dirty="0"/>
+              <a:t>指当事务不是独立执行时发生的一种现象，例如第一个事务对一个表中的数据进行了修改，这种修改涉及到表中的全部数据行。同时，第二个事务也修改这个表中的数据，这种修改是向表中插入一行新数据。那么，以后就会发生操作第一个事务的用户发现表中还有没有修改的数据行，就好象发生了幻觉一样。</a:t>
+            </a:r>
+            <a:endParaRPr lang="en-US" altLang="zh-CN" sz="1200" dirty="0"/>
+          </a:p>
+          <a:p>
+            <a:pPr lvl="1"/>
+            <a:endParaRPr lang="en-US" altLang="zh-CN" sz="1200" dirty="0"/>
+          </a:p>
+          <a:p>
+            <a:pPr lvl="1"/>
+            <a:endParaRPr lang="en-US" altLang="zh-CN" sz="1200" dirty="0"/>
+          </a:p>
+          <a:p>
+            <a:pPr marL="628650" lvl="1" indent="-171450">
+              <a:buFont typeface="Wingdings" panose="05000000000000000000" pitchFamily="2" charset="2"/>
+              <a:buChar char="Ø"/>
+            </a:pPr>
+            <a:r>
+              <a:rPr lang="zh-CN" altLang="en-US" sz="1200" dirty="0">
+                <a:solidFill>
+                  <a:srgbClr val="FF0000"/>
+                </a:solidFill>
+              </a:rPr>
+              <a:t>不可重复读的重点是修改： </a:t>
+            </a:r>
+            <a:br>
+              <a:rPr lang="zh-CN" altLang="en-US" sz="1200" dirty="0">
+                <a:solidFill>
+                  <a:srgbClr val="FF0000"/>
+                </a:solidFill>
+              </a:rPr>
+            </a:br>
+            <a:r>
+              <a:rPr lang="zh-CN" altLang="en-US" sz="1200" dirty="0">
+                <a:solidFill>
+                  <a:srgbClr val="FF0000"/>
+                </a:solidFill>
+              </a:rPr>
+              <a:t>同样的条件，你读取过的数据，再次读取出来发现值不一样了</a:t>
+            </a:r>
+            <a:endParaRPr lang="en-US" altLang="zh-CN" sz="1200" dirty="0">
+              <a:solidFill>
+                <a:srgbClr val="FF0000"/>
+              </a:solidFill>
+            </a:endParaRPr>
+          </a:p>
+          <a:p>
+            <a:pPr marL="628650" lvl="1" indent="-171450">
+              <a:buFont typeface="Wingdings" panose="05000000000000000000" pitchFamily="2" charset="2"/>
+              <a:buChar char="Ø"/>
+            </a:pPr>
+            <a:r>
+              <a:rPr lang="zh-CN" altLang="en-US" sz="1200" dirty="0">
+                <a:solidFill>
+                  <a:srgbClr val="FF0000"/>
+                </a:solidFill>
+              </a:rPr>
+              <a:t>幻读的重点在于新增或者删除： </a:t>
+            </a:r>
+            <a:br>
+              <a:rPr lang="zh-CN" altLang="en-US" sz="1200" dirty="0">
+                <a:solidFill>
+                  <a:srgbClr val="FF0000"/>
+                </a:solidFill>
+              </a:rPr>
+            </a:br>
+            <a:r>
+              <a:rPr lang="zh-CN" altLang="en-US" sz="1200" dirty="0">
+                <a:solidFill>
+                  <a:srgbClr val="FF0000"/>
+                </a:solidFill>
+              </a:rPr>
+              <a:t>同样的条件，第 </a:t>
+            </a:r>
+            <a:r>
+              <a:rPr lang="en-US" altLang="zh-CN" sz="1200" dirty="0">
+                <a:solidFill>
+                  <a:srgbClr val="FF0000"/>
+                </a:solidFill>
+              </a:rPr>
+              <a:t>1 </a:t>
+            </a:r>
+            <a:r>
+              <a:rPr lang="zh-CN" altLang="en-US" sz="1200" dirty="0">
+                <a:solidFill>
+                  <a:srgbClr val="FF0000"/>
+                </a:solidFill>
+              </a:rPr>
+              <a:t>次和第 </a:t>
+            </a:r>
+            <a:r>
+              <a:rPr lang="en-US" altLang="zh-CN" sz="1200" dirty="0">
+                <a:solidFill>
+                  <a:srgbClr val="FF0000"/>
+                </a:solidFill>
+              </a:rPr>
+              <a:t>2 </a:t>
+            </a:r>
+            <a:r>
+              <a:rPr lang="zh-CN" altLang="en-US" sz="1200" dirty="0">
+                <a:solidFill>
+                  <a:srgbClr val="FF0000"/>
+                </a:solidFill>
+              </a:rPr>
+              <a:t>次读出来的记录数不一样</a:t>
+            </a:r>
+            <a:endParaRPr lang="en-US" altLang="zh-CN" sz="1200" dirty="0">
+              <a:solidFill>
+                <a:srgbClr val="FF0000"/>
+              </a:solidFill>
+            </a:endParaRPr>
+          </a:p>
+        </p:txBody>
+      </p:sp>
+      <p:sp>
+        <p:nvSpPr>
+          <p:cNvPr id="14" name="Rectangle 13">
+            <a:extLst>
+              <a:ext uri="{FF2B5EF4-FFF2-40B4-BE49-F238E27FC236}">
+                <a16:creationId xmlns:a16="http://schemas.microsoft.com/office/drawing/2014/main" id="{64F94B6A-5B0B-4125-AC98-C1014350D05A}"/>
+              </a:ext>
+            </a:extLst>
+          </p:cNvPr>
+          <p:cNvSpPr/>
+          <p:nvPr/>
+        </p:nvSpPr>
+        <p:spPr>
+          <a:xfrm>
+            <a:off x="5609063" y="3218916"/>
+            <a:ext cx="5983289" cy="3427716"/>
+          </a:xfrm>
+          <a:prstGeom prst="rect">
+            <a:avLst/>
+          </a:prstGeom>
+        </p:spPr>
+        <p:style>
+          <a:lnRef idx="2">
+            <a:schemeClr val="accent6"/>
+          </a:lnRef>
+          <a:fillRef idx="1">
+            <a:schemeClr val="lt1"/>
+          </a:fillRef>
+          <a:effectRef idx="0">
+            <a:schemeClr val="accent6"/>
+          </a:effectRef>
+          <a:fontRef idx="minor">
+            <a:schemeClr val="dk1"/>
+          </a:fontRef>
+        </p:style>
+        <p:txBody>
+          <a:bodyPr rtlCol="0" anchor="t"/>
+          <a:lstStyle/>
+          <a:p>
+            <a:pPr marL="171450" indent="-171450">
+              <a:buFont typeface="Arial" panose="020B0604020202020204" pitchFamily="34" charset="0"/>
+              <a:buChar char="•"/>
+            </a:pPr>
+            <a:r>
+              <a:rPr lang="en-US" altLang="zh-CN" sz="1200" b="1" dirty="0"/>
+              <a:t>REQUIRED</a:t>
+            </a:r>
+            <a:r>
+              <a:rPr lang="en-US" altLang="zh-CN" sz="1200" dirty="0"/>
+              <a:t> </a:t>
+            </a:r>
+            <a:r>
+              <a:rPr lang="zh-CN" altLang="en-US" sz="1200" dirty="0"/>
+              <a:t>：</a:t>
+            </a:r>
+            <a:endParaRPr lang="en-US" altLang="zh-CN" sz="1200" dirty="0"/>
+          </a:p>
+          <a:p>
+            <a:pPr lvl="1"/>
+            <a:r>
+              <a:rPr lang="zh-CN" altLang="en-US" sz="1200" dirty="0"/>
+              <a:t>如果当前存在事务，则加入该事务；如果当前没有事务，则创建一个新的事务。 </a:t>
+            </a:r>
+          </a:p>
+          <a:p>
+            <a:pPr marL="171450" indent="-171450">
+              <a:buFont typeface="Arial" panose="020B0604020202020204" pitchFamily="34" charset="0"/>
+              <a:buChar char="•"/>
+            </a:pPr>
+            <a:r>
+              <a:rPr lang="en-US" altLang="zh-CN" sz="1200" b="1" dirty="0"/>
+              <a:t>SUPPORTS</a:t>
+            </a:r>
+            <a:r>
+              <a:rPr lang="en-US" altLang="zh-CN" sz="1200" dirty="0"/>
+              <a:t> </a:t>
+            </a:r>
+            <a:r>
+              <a:rPr lang="zh-CN" altLang="en-US" sz="1200" dirty="0"/>
+              <a:t>：</a:t>
+            </a:r>
+            <a:endParaRPr lang="en-US" altLang="zh-CN" sz="1200" dirty="0"/>
+          </a:p>
+          <a:p>
+            <a:pPr lvl="1"/>
+            <a:r>
+              <a:rPr lang="zh-CN" altLang="en-US" sz="1200" dirty="0"/>
+              <a:t>如果当前存在事务，则加入该事务；如果当前没有事务，则以非事务的方式继续运行。 </a:t>
+            </a:r>
+          </a:p>
+          <a:p>
+            <a:pPr marL="171450" indent="-171450">
+              <a:buFont typeface="Arial" panose="020B0604020202020204" pitchFamily="34" charset="0"/>
+              <a:buChar char="•"/>
+            </a:pPr>
+            <a:r>
+              <a:rPr lang="en-US" altLang="zh-CN" sz="1200" b="1" dirty="0"/>
+              <a:t>MANDATORY</a:t>
+            </a:r>
+            <a:r>
+              <a:rPr lang="en-US" altLang="zh-CN" sz="1200" dirty="0"/>
+              <a:t> </a:t>
+            </a:r>
+            <a:r>
+              <a:rPr lang="zh-CN" altLang="en-US" sz="1200" dirty="0"/>
+              <a:t>：</a:t>
+            </a:r>
+            <a:endParaRPr lang="en-US" altLang="zh-CN" sz="1200" dirty="0"/>
+          </a:p>
+          <a:p>
+            <a:pPr lvl="1"/>
+            <a:r>
+              <a:rPr lang="zh-CN" altLang="en-US" sz="1200" dirty="0"/>
+              <a:t>如果当前存在事务，则加入该事务；如果当前没有事务，则抛出异常。 </a:t>
+            </a:r>
+          </a:p>
+          <a:p>
+            <a:pPr marL="171450" indent="-171450">
+              <a:buFont typeface="Arial" panose="020B0604020202020204" pitchFamily="34" charset="0"/>
+              <a:buChar char="•"/>
+            </a:pPr>
+            <a:r>
+              <a:rPr lang="en-US" altLang="zh-CN" sz="1200" b="1" dirty="0"/>
+              <a:t>REQUIRES</a:t>
+            </a:r>
+            <a:r>
+              <a:rPr lang="en-US" altLang="zh-CN" sz="1200" dirty="0"/>
+              <a:t>_</a:t>
+            </a:r>
+            <a:r>
+              <a:rPr lang="en-US" altLang="zh-CN" sz="1200" b="1" dirty="0"/>
+              <a:t>NEW</a:t>
+            </a:r>
+            <a:r>
+              <a:rPr lang="en-US" altLang="zh-CN" sz="1200" dirty="0"/>
+              <a:t> </a:t>
+            </a:r>
+            <a:r>
+              <a:rPr lang="zh-CN" altLang="en-US" sz="1200" dirty="0"/>
+              <a:t>：</a:t>
+            </a:r>
+            <a:endParaRPr lang="en-US" altLang="zh-CN" sz="1200" dirty="0"/>
+          </a:p>
+          <a:p>
+            <a:pPr lvl="1"/>
+            <a:r>
+              <a:rPr lang="zh-CN" altLang="en-US" sz="1200" dirty="0"/>
+              <a:t>创建一个新的事务，如果当前存在事务，则把当前事务挂起。 </a:t>
+            </a:r>
+          </a:p>
+          <a:p>
+            <a:pPr marL="171450" indent="-171450">
+              <a:buFont typeface="Arial" panose="020B0604020202020204" pitchFamily="34" charset="0"/>
+              <a:buChar char="•"/>
+            </a:pPr>
+            <a:r>
+              <a:rPr lang="en-US" altLang="zh-CN" sz="1200" b="1" dirty="0"/>
+              <a:t>NOT</a:t>
+            </a:r>
+            <a:r>
+              <a:rPr lang="en-US" altLang="zh-CN" sz="1200" dirty="0"/>
+              <a:t>_</a:t>
+            </a:r>
+            <a:r>
+              <a:rPr lang="en-US" altLang="zh-CN" sz="1200" b="1" dirty="0"/>
+              <a:t>SUPPORTED</a:t>
+            </a:r>
+            <a:r>
+              <a:rPr lang="en-US" altLang="zh-CN" sz="1200" dirty="0"/>
+              <a:t> </a:t>
+            </a:r>
+            <a:r>
+              <a:rPr lang="zh-CN" altLang="en-US" sz="1200" dirty="0"/>
+              <a:t>：</a:t>
+            </a:r>
+            <a:endParaRPr lang="en-US" altLang="zh-CN" sz="1200" dirty="0"/>
+          </a:p>
+          <a:p>
+            <a:pPr lvl="1"/>
+            <a:r>
+              <a:rPr lang="zh-CN" altLang="en-US" sz="1200" dirty="0"/>
+              <a:t>以非事务方式运行，如果当前存在事务，则把当前事务挂起。 </a:t>
+            </a:r>
+          </a:p>
+          <a:p>
+            <a:pPr marL="171450" indent="-171450">
+              <a:buFont typeface="Arial" panose="020B0604020202020204" pitchFamily="34" charset="0"/>
+              <a:buChar char="•"/>
+            </a:pPr>
+            <a:r>
+              <a:rPr lang="en-US" altLang="zh-CN" sz="1200" b="1" dirty="0"/>
+              <a:t>NEVER</a:t>
+            </a:r>
+            <a:r>
+              <a:rPr lang="en-US" altLang="zh-CN" sz="1200" dirty="0"/>
+              <a:t> </a:t>
+            </a:r>
+            <a:r>
+              <a:rPr lang="zh-CN" altLang="en-US" sz="1200" dirty="0"/>
+              <a:t>：</a:t>
+            </a:r>
+            <a:endParaRPr lang="en-US" altLang="zh-CN" sz="1200" dirty="0"/>
+          </a:p>
+          <a:p>
+            <a:pPr lvl="1"/>
+            <a:r>
+              <a:rPr lang="zh-CN" altLang="en-US" sz="1200" dirty="0"/>
+              <a:t>以非事务方式运行，如果当前存在事务，则抛出异常。 </a:t>
+            </a:r>
+          </a:p>
+          <a:p>
+            <a:pPr marL="171450" indent="-171450">
+              <a:buFont typeface="Arial" panose="020B0604020202020204" pitchFamily="34" charset="0"/>
+              <a:buChar char="•"/>
+            </a:pPr>
+            <a:r>
+              <a:rPr lang="en-US" altLang="zh-CN" sz="1200" b="1" dirty="0"/>
+              <a:t>NESTED</a:t>
+            </a:r>
+            <a:r>
+              <a:rPr lang="en-US" altLang="zh-CN" sz="1200" dirty="0"/>
+              <a:t> </a:t>
+            </a:r>
+            <a:r>
+              <a:rPr lang="zh-CN" altLang="en-US" sz="1200" dirty="0"/>
+              <a:t>：</a:t>
+            </a:r>
+            <a:endParaRPr lang="en-US" altLang="zh-CN" sz="1200" dirty="0"/>
+          </a:p>
+          <a:p>
+            <a:pPr lvl="1"/>
+            <a:r>
+              <a:rPr lang="zh-CN" altLang="en-US" sz="1200" dirty="0"/>
+              <a:t>如果当前存在事务，则创建一个事务作为当前事务的嵌套事务来运行；如果当前没有事务，则该取值等价于 </a:t>
+            </a:r>
+            <a:r>
+              <a:rPr lang="en-US" altLang="zh-CN" sz="1200" dirty="0"/>
+              <a:t>REQUIRED </a:t>
+            </a:r>
+            <a:r>
+              <a:rPr lang="zh-CN" altLang="en-US" sz="1200" dirty="0"/>
+              <a:t>。 </a:t>
+            </a:r>
+            <a:endParaRPr lang="en-US" altLang="zh-CN" sz="1200" dirty="0"/>
+          </a:p>
+          <a:p>
+            <a:pPr marL="628650" lvl="1" indent="-171450">
+              <a:buFont typeface="Wingdings" panose="05000000000000000000" pitchFamily="2" charset="2"/>
+              <a:buChar char="Ø"/>
+            </a:pPr>
+            <a:r>
+              <a:rPr lang="en-US" altLang="zh-CN" sz="1400" dirty="0">
+                <a:solidFill>
+                  <a:srgbClr val="FF0000"/>
+                </a:solidFill>
+              </a:rPr>
+              <a:t>Spring</a:t>
+            </a:r>
+            <a:r>
+              <a:rPr lang="zh-CN" altLang="en-US" sz="1400" dirty="0">
+                <a:solidFill>
+                  <a:srgbClr val="FF0000"/>
+                </a:solidFill>
+              </a:rPr>
+              <a:t>通过使用 </a:t>
+            </a:r>
+            <a:r>
+              <a:rPr lang="en-US" altLang="zh-CN" sz="1400" dirty="0">
+                <a:solidFill>
+                  <a:srgbClr val="FF0000"/>
+                </a:solidFill>
+              </a:rPr>
+              <a:t>propagation </a:t>
+            </a:r>
+            <a:r>
+              <a:rPr lang="zh-CN" altLang="en-US" sz="1400" dirty="0">
+                <a:solidFill>
+                  <a:srgbClr val="FF0000"/>
+                </a:solidFill>
+              </a:rPr>
+              <a:t>属性设置</a:t>
+            </a:r>
+            <a:endParaRPr lang="en-US" altLang="zh-CN" sz="1400" dirty="0">
+              <a:solidFill>
+                <a:srgbClr val="FF0000"/>
+              </a:solidFill>
+            </a:endParaRPr>
+          </a:p>
+          <a:p>
+            <a:pPr lvl="1"/>
+            <a:r>
+              <a:rPr lang="en-US" altLang="zh-CN" sz="1400" dirty="0">
+                <a:solidFill>
+                  <a:srgbClr val="FF0000"/>
+                </a:solidFill>
+              </a:rPr>
+              <a:t>@Transactional(propagation = </a:t>
+            </a:r>
+            <a:r>
+              <a:rPr lang="en-US" altLang="zh-CN" sz="1400" dirty="0" err="1">
+                <a:solidFill>
+                  <a:srgbClr val="FF0000"/>
+                </a:solidFill>
+              </a:rPr>
+              <a:t>Propagation.REQUIRED</a:t>
+            </a:r>
+            <a:r>
+              <a:rPr lang="en-US" altLang="zh-CN" sz="1400" dirty="0">
+                <a:solidFill>
+                  <a:srgbClr val="FF0000"/>
+                </a:solidFill>
+              </a:rPr>
+              <a:t>)</a:t>
+            </a:r>
+            <a:endParaRPr lang="en-US" sz="1400" dirty="0">
+              <a:solidFill>
+                <a:srgbClr val="FF0000"/>
+              </a:solidFill>
+            </a:endParaRPr>
+          </a:p>
+        </p:txBody>
+      </p:sp>
     </p:spTree>
     <p:extLst>
       <p:ext uri="{BB962C8B-B14F-4D97-AF65-F5344CB8AC3E}">
-        <p14:creationId xmlns:p14="http://schemas.microsoft.com/office/powerpoint/2010/main" val="531440399"/>
+        <p14:creationId xmlns:p14="http://schemas.microsoft.com/office/powerpoint/2010/main" val="2096892857"/>
       </p:ext>
     </p:extLst>
   </p:cSld>
@@ -18158,8 +20381,8 @@
         </p:nvSpPr>
         <p:spPr>
           <a:xfrm>
-            <a:off x="1418247" y="211364"/>
-            <a:ext cx="5306644" cy="503905"/>
+            <a:off x="1418246" y="211364"/>
+            <a:ext cx="9781229" cy="503905"/>
           </a:xfrm>
           <a:prstGeom prst="rect">
             <a:avLst/>
@@ -18181,7 +20404,27 @@
                 <a:latin typeface="方正尚酷简体" panose="03000509000000000000" pitchFamily="65" charset="-122"/>
                 <a:ea typeface="方正尚酷简体" panose="03000509000000000000" pitchFamily="65" charset="-122"/>
               </a:rPr>
-              <a:t>Configuration Class</a:t>
+              <a:t>logback-spring.xml</a:t>
+            </a:r>
+            <a:r>
+              <a:rPr lang="zh-CN" altLang="en-US" sz="2800" spc="300" dirty="0">
+                <a:solidFill>
+                  <a:srgbClr val="0D4960"/>
+                </a:solidFill>
+                <a:latin typeface="方正尚酷简体" panose="03000509000000000000" pitchFamily="65" charset="-122"/>
+                <a:ea typeface="方正尚酷简体" panose="03000509000000000000" pitchFamily="65" charset="-122"/>
+              </a:rPr>
+              <a:t>而不是</a:t>
+            </a:r>
+            <a:r>
+              <a:rPr lang="en-US" altLang="zh-CN" sz="2800" spc="300" dirty="0">
+                <a:solidFill>
+                  <a:srgbClr val="0D4960"/>
+                </a:solidFill>
+                <a:latin typeface="方正尚酷简体" panose="03000509000000000000" pitchFamily="65" charset="-122"/>
+                <a:ea typeface="方正尚酷简体" panose="03000509000000000000" pitchFamily="65" charset="-122"/>
+              </a:rPr>
+              <a:t>logback.xml</a:t>
             </a:r>
           </a:p>
         </p:txBody>
@@ -18229,10 +20472,40 @@
           </a:fontRef>
         </p:style>
       </p:cxnSp>
+      <p:pic>
+        <p:nvPicPr>
+          <p:cNvPr id="8" name="Picture 7">
+            <a:extLst>
+              <a:ext uri="{FF2B5EF4-FFF2-40B4-BE49-F238E27FC236}">
+                <a16:creationId xmlns:a16="http://schemas.microsoft.com/office/drawing/2014/main" id="{79F0F1F1-32F7-4884-B6C7-FE00CFB1FB66}"/>
+              </a:ext>
+            </a:extLst>
+          </p:cNvPr>
+          <p:cNvPicPr>
+            <a:picLocks noChangeAspect="1"/>
+          </p:cNvPicPr>
+          <p:nvPr/>
+        </p:nvPicPr>
+        <p:blipFill>
+          <a:blip r:embed="rId2"/>
+          <a:stretch>
+            <a:fillRect/>
+          </a:stretch>
+        </p:blipFill>
+        <p:spPr>
+          <a:xfrm>
+            <a:off x="1418246" y="1085268"/>
+            <a:ext cx="6257925" cy="695325"/>
+          </a:xfrm>
+          <a:prstGeom prst="rect">
+            <a:avLst/>
+          </a:prstGeom>
+        </p:spPr>
+      </p:pic>
     </p:spTree>
     <p:extLst>
       <p:ext uri="{BB962C8B-B14F-4D97-AF65-F5344CB8AC3E}">
-        <p14:creationId xmlns:p14="http://schemas.microsoft.com/office/powerpoint/2010/main" val="2096892857"/>
+        <p14:creationId xmlns:p14="http://schemas.microsoft.com/office/powerpoint/2010/main" val="44955616"/>
       </p:ext>
     </p:extLst>
   </p:cSld>

--- a/springboot.pptx
+++ b/springboot.pptx
@@ -15,7 +15,7 @@
     <p:sldId id="311" r:id="rId6"/>
     <p:sldId id="312" r:id="rId7"/>
     <p:sldId id="309" r:id="rId8"/>
-    <p:sldId id="313" r:id="rId9"/>
+    <p:sldId id="324" r:id="rId9"/>
     <p:sldId id="314" r:id="rId10"/>
     <p:sldId id="315" r:id="rId11"/>
     <p:sldId id="316" r:id="rId12"/>
@@ -158,10 +158,6 @@
 </p:cmAuthorLst>
 </file>
 
-<file path=ppt/revisionInfo.xml><?xml version="1.0" encoding="utf-8"?>
-<p1510:revInfo xmlns:a="http://schemas.openxmlformats.org/drawingml/2006/main" xmlns:r="http://schemas.openxmlformats.org/officeDocument/2006/relationships" xmlns:p1510="http://schemas.microsoft.com/office/powerpoint/2015/10/main"/>
-</file>
-
 <file path=ppt/notesMasters/notesMaster1.xml><?xml version="1.0" encoding="utf-8"?>
 <p:notesMaster xmlns:a="http://schemas.openxmlformats.org/drawingml/2006/main" xmlns:r="http://schemas.openxmlformats.org/officeDocument/2006/relationships" xmlns:p="http://schemas.openxmlformats.org/presentationml/2006/main">
   <p:cSld>
@@ -245,7 +241,7 @@
             <a:fld id="{05B1D5F9-199E-4B77-ACFB-0D659EE03F6C}" type="datetimeFigureOut">
               <a:rPr lang="zh-CN" altLang="en-US" smtClean="0"/>
               <a:pPr/>
-              <a:t>2018/5/30</a:t>
+              <a:t>2018/6/1</a:t>
             </a:fld>
             <a:endParaRPr lang="zh-CN" altLang="en-US"/>
           </a:p>
@@ -1638,7 +1634,7 @@
             <a:fld id="{91AD7F68-8E1B-45E2-8A27-5D5DEAAB1BF2}" type="datetimeFigureOut">
               <a:rPr lang="zh-CN" altLang="en-US" smtClean="0"/>
               <a:pPr/>
-              <a:t>2018/5/30</a:t>
+              <a:t>2018/6/1</a:t>
             </a:fld>
             <a:endParaRPr lang="zh-CN" altLang="en-US"/>
           </a:p>
@@ -1820,7 +1816,7 @@
             <a:fld id="{91AD7F68-8E1B-45E2-8A27-5D5DEAAB1BF2}" type="datetimeFigureOut">
               <a:rPr lang="zh-CN" altLang="en-US" smtClean="0"/>
               <a:pPr/>
-              <a:t>2018/5/30</a:t>
+              <a:t>2018/6/1</a:t>
             </a:fld>
             <a:endParaRPr lang="zh-CN" altLang="en-US"/>
           </a:p>
@@ -2012,7 +2008,7 @@
             <a:fld id="{91AD7F68-8E1B-45E2-8A27-5D5DEAAB1BF2}" type="datetimeFigureOut">
               <a:rPr lang="zh-CN" altLang="en-US" smtClean="0"/>
               <a:pPr/>
-              <a:t>2018/5/30</a:t>
+              <a:t>2018/6/1</a:t>
             </a:fld>
             <a:endParaRPr lang="zh-CN" altLang="en-US"/>
           </a:p>
@@ -2194,7 +2190,7 @@
             <a:fld id="{91AD7F68-8E1B-45E2-8A27-5D5DEAAB1BF2}" type="datetimeFigureOut">
               <a:rPr lang="zh-CN" altLang="en-US" smtClean="0"/>
               <a:pPr/>
-              <a:t>2018/5/30</a:t>
+              <a:t>2018/6/1</a:t>
             </a:fld>
             <a:endParaRPr lang="zh-CN" altLang="en-US"/>
           </a:p>
@@ -2453,7 +2449,7 @@
             <a:fld id="{91AD7F68-8E1B-45E2-8A27-5D5DEAAB1BF2}" type="datetimeFigureOut">
               <a:rPr lang="zh-CN" altLang="en-US" smtClean="0"/>
               <a:pPr/>
-              <a:t>2018/5/30</a:t>
+              <a:t>2018/6/1</a:t>
             </a:fld>
             <a:endParaRPr lang="zh-CN" altLang="en-US"/>
           </a:p>
@@ -2696,7 +2692,7 @@
             <a:fld id="{91AD7F68-8E1B-45E2-8A27-5D5DEAAB1BF2}" type="datetimeFigureOut">
               <a:rPr lang="zh-CN" altLang="en-US" smtClean="0"/>
               <a:pPr/>
-              <a:t>2018/5/30</a:t>
+              <a:t>2018/6/1</a:t>
             </a:fld>
             <a:endParaRPr lang="zh-CN" altLang="en-US"/>
           </a:p>
@@ -3074,7 +3070,7 @@
             <a:fld id="{91AD7F68-8E1B-45E2-8A27-5D5DEAAB1BF2}" type="datetimeFigureOut">
               <a:rPr lang="zh-CN" altLang="en-US" smtClean="0"/>
               <a:pPr/>
-              <a:t>2018/5/30</a:t>
+              <a:t>2018/6/1</a:t>
             </a:fld>
             <a:endParaRPr lang="zh-CN" altLang="en-US"/>
           </a:p>
@@ -3205,7 +3201,7 @@
             <a:fld id="{91AD7F68-8E1B-45E2-8A27-5D5DEAAB1BF2}" type="datetimeFigureOut">
               <a:rPr lang="zh-CN" altLang="en-US" smtClean="0"/>
               <a:pPr/>
-              <a:t>2018/5/30</a:t>
+              <a:t>2018/6/1</a:t>
             </a:fld>
             <a:endParaRPr lang="zh-CN" altLang="en-US"/>
           </a:p>
@@ -3314,7 +3310,7 @@
             <a:fld id="{91AD7F68-8E1B-45E2-8A27-5D5DEAAB1BF2}" type="datetimeFigureOut">
               <a:rPr lang="zh-CN" altLang="en-US" smtClean="0"/>
               <a:pPr/>
-              <a:t>2018/5/30</a:t>
+              <a:t>2018/6/1</a:t>
             </a:fld>
             <a:endParaRPr lang="zh-CN" altLang="en-US"/>
           </a:p>
@@ -3603,7 +3599,7 @@
             <a:fld id="{91AD7F68-8E1B-45E2-8A27-5D5DEAAB1BF2}" type="datetimeFigureOut">
               <a:rPr lang="zh-CN" altLang="en-US" smtClean="0"/>
               <a:pPr/>
-              <a:t>2018/5/30</a:t>
+              <a:t>2018/6/1</a:t>
             </a:fld>
             <a:endParaRPr lang="zh-CN" altLang="en-US"/>
           </a:p>
@@ -3869,7 +3865,7 @@
             <a:fld id="{91AD7F68-8E1B-45E2-8A27-5D5DEAAB1BF2}" type="datetimeFigureOut">
               <a:rPr lang="zh-CN" altLang="en-US" smtClean="0"/>
               <a:pPr/>
-              <a:t>2018/5/30</a:t>
+              <a:t>2018/6/1</a:t>
             </a:fld>
             <a:endParaRPr lang="zh-CN" altLang="en-US"/>
           </a:p>
@@ -4094,7 +4090,7 @@
             <a:fld id="{91AD7F68-8E1B-45E2-8A27-5D5DEAAB1BF2}" type="datetimeFigureOut">
               <a:rPr lang="zh-CN" altLang="en-US" smtClean="0"/>
               <a:pPr/>
-              <a:t>2018/5/30</a:t>
+              <a:t>2018/6/1</a:t>
             </a:fld>
             <a:endParaRPr lang="zh-CN" altLang="en-US"/>
           </a:p>
@@ -21046,7 +21042,7 @@
     </p:spTree>
     <p:extLst>
       <p:ext uri="{BB962C8B-B14F-4D97-AF65-F5344CB8AC3E}">
-        <p14:creationId xmlns:p14="http://schemas.microsoft.com/office/powerpoint/2010/main" val="898992701"/>
+        <p14:creationId xmlns:p14="http://schemas.microsoft.com/office/powerpoint/2010/main" val="1211964295"/>
       </p:ext>
     </p:extLst>
   </p:cSld>

--- a/springboot.pptx
+++ b/springboot.pptx
@@ -241,7 +241,7 @@
             <a:fld id="{05B1D5F9-199E-4B77-ACFB-0D659EE03F6C}" type="datetimeFigureOut">
               <a:rPr lang="zh-CN" altLang="en-US" smtClean="0"/>
               <a:pPr/>
-              <a:t>2018/6/1</a:t>
+              <a:t>2018/6/4</a:t>
             </a:fld>
             <a:endParaRPr lang="zh-CN" altLang="en-US"/>
           </a:p>
@@ -1634,7 +1634,7 @@
             <a:fld id="{91AD7F68-8E1B-45E2-8A27-5D5DEAAB1BF2}" type="datetimeFigureOut">
               <a:rPr lang="zh-CN" altLang="en-US" smtClean="0"/>
               <a:pPr/>
-              <a:t>2018/6/1</a:t>
+              <a:t>2018/6/4</a:t>
             </a:fld>
             <a:endParaRPr lang="zh-CN" altLang="en-US"/>
           </a:p>
@@ -1816,7 +1816,7 @@
             <a:fld id="{91AD7F68-8E1B-45E2-8A27-5D5DEAAB1BF2}" type="datetimeFigureOut">
               <a:rPr lang="zh-CN" altLang="en-US" smtClean="0"/>
               <a:pPr/>
-              <a:t>2018/6/1</a:t>
+              <a:t>2018/6/4</a:t>
             </a:fld>
             <a:endParaRPr lang="zh-CN" altLang="en-US"/>
           </a:p>
@@ -2008,7 +2008,7 @@
             <a:fld id="{91AD7F68-8E1B-45E2-8A27-5D5DEAAB1BF2}" type="datetimeFigureOut">
               <a:rPr lang="zh-CN" altLang="en-US" smtClean="0"/>
               <a:pPr/>
-              <a:t>2018/6/1</a:t>
+              <a:t>2018/6/4</a:t>
             </a:fld>
             <a:endParaRPr lang="zh-CN" altLang="en-US"/>
           </a:p>
@@ -2190,7 +2190,7 @@
             <a:fld id="{91AD7F68-8E1B-45E2-8A27-5D5DEAAB1BF2}" type="datetimeFigureOut">
               <a:rPr lang="zh-CN" altLang="en-US" smtClean="0"/>
               <a:pPr/>
-              <a:t>2018/6/1</a:t>
+              <a:t>2018/6/4</a:t>
             </a:fld>
             <a:endParaRPr lang="zh-CN" altLang="en-US"/>
           </a:p>
@@ -2449,7 +2449,7 @@
             <a:fld id="{91AD7F68-8E1B-45E2-8A27-5D5DEAAB1BF2}" type="datetimeFigureOut">
               <a:rPr lang="zh-CN" altLang="en-US" smtClean="0"/>
               <a:pPr/>
-              <a:t>2018/6/1</a:t>
+              <a:t>2018/6/4</a:t>
             </a:fld>
             <a:endParaRPr lang="zh-CN" altLang="en-US"/>
           </a:p>
@@ -2692,7 +2692,7 @@
             <a:fld id="{91AD7F68-8E1B-45E2-8A27-5D5DEAAB1BF2}" type="datetimeFigureOut">
               <a:rPr lang="zh-CN" altLang="en-US" smtClean="0"/>
               <a:pPr/>
-              <a:t>2018/6/1</a:t>
+              <a:t>2018/6/4</a:t>
             </a:fld>
             <a:endParaRPr lang="zh-CN" altLang="en-US"/>
           </a:p>
@@ -3070,7 +3070,7 @@
             <a:fld id="{91AD7F68-8E1B-45E2-8A27-5D5DEAAB1BF2}" type="datetimeFigureOut">
               <a:rPr lang="zh-CN" altLang="en-US" smtClean="0"/>
               <a:pPr/>
-              <a:t>2018/6/1</a:t>
+              <a:t>2018/6/4</a:t>
             </a:fld>
             <a:endParaRPr lang="zh-CN" altLang="en-US"/>
           </a:p>
@@ -3201,7 +3201,7 @@
             <a:fld id="{91AD7F68-8E1B-45E2-8A27-5D5DEAAB1BF2}" type="datetimeFigureOut">
               <a:rPr lang="zh-CN" altLang="en-US" smtClean="0"/>
               <a:pPr/>
-              <a:t>2018/6/1</a:t>
+              <a:t>2018/6/4</a:t>
             </a:fld>
             <a:endParaRPr lang="zh-CN" altLang="en-US"/>
           </a:p>
@@ -3310,7 +3310,7 @@
             <a:fld id="{91AD7F68-8E1B-45E2-8A27-5D5DEAAB1BF2}" type="datetimeFigureOut">
               <a:rPr lang="zh-CN" altLang="en-US" smtClean="0"/>
               <a:pPr/>
-              <a:t>2018/6/1</a:t>
+              <a:t>2018/6/4</a:t>
             </a:fld>
             <a:endParaRPr lang="zh-CN" altLang="en-US"/>
           </a:p>
@@ -3599,7 +3599,7 @@
             <a:fld id="{91AD7F68-8E1B-45E2-8A27-5D5DEAAB1BF2}" type="datetimeFigureOut">
               <a:rPr lang="zh-CN" altLang="en-US" smtClean="0"/>
               <a:pPr/>
-              <a:t>2018/6/1</a:t>
+              <a:t>2018/6/4</a:t>
             </a:fld>
             <a:endParaRPr lang="zh-CN" altLang="en-US"/>
           </a:p>
@@ -3865,7 +3865,7 @@
             <a:fld id="{91AD7F68-8E1B-45E2-8A27-5D5DEAAB1BF2}" type="datetimeFigureOut">
               <a:rPr lang="zh-CN" altLang="en-US" smtClean="0"/>
               <a:pPr/>
-              <a:t>2018/6/1</a:t>
+              <a:t>2018/6/4</a:t>
             </a:fld>
             <a:endParaRPr lang="zh-CN" altLang="en-US"/>
           </a:p>
@@ -4090,7 +4090,7 @@
             <a:fld id="{91AD7F68-8E1B-45E2-8A27-5D5DEAAB1BF2}" type="datetimeFigureOut">
               <a:rPr lang="zh-CN" altLang="en-US" smtClean="0"/>
               <a:pPr/>
-              <a:t>2018/6/1</a:t>
+              <a:t>2018/6/4</a:t>
             </a:fld>
             <a:endParaRPr lang="zh-CN" altLang="en-US"/>
           </a:p>
@@ -19260,9 +19260,10 @@
               <a:buChar char="•"/>
             </a:pPr>
             <a:r>
-              <a:rPr lang="en-US" sz="1200" b="1" dirty="0"/>
-              <a:t>READ UNCOMMITTED</a:t>
-            </a:r>
+              <a:rPr lang="en-US" sz="1200" b="1"/>
+              <a:t>READ COMMITTED</a:t>
+            </a:r>
+            <a:endParaRPr lang="en-US" sz="1200" b="1" dirty="0"/>
           </a:p>
           <a:p>
             <a:pPr lvl="1"/>

--- a/springboot.pptx
+++ b/springboot.pptx
@@ -241,7 +241,7 @@
             <a:fld id="{05B1D5F9-199E-4B77-ACFB-0D659EE03F6C}" type="datetimeFigureOut">
               <a:rPr lang="zh-CN" altLang="en-US" smtClean="0"/>
               <a:pPr/>
-              <a:t>2018/6/4</a:t>
+              <a:t>2018/6/5</a:t>
             </a:fld>
             <a:endParaRPr lang="zh-CN" altLang="en-US"/>
           </a:p>
@@ -1634,7 +1634,7 @@
             <a:fld id="{91AD7F68-8E1B-45E2-8A27-5D5DEAAB1BF2}" type="datetimeFigureOut">
               <a:rPr lang="zh-CN" altLang="en-US" smtClean="0"/>
               <a:pPr/>
-              <a:t>2018/6/4</a:t>
+              <a:t>2018/6/5</a:t>
             </a:fld>
             <a:endParaRPr lang="zh-CN" altLang="en-US"/>
           </a:p>
@@ -1816,7 +1816,7 @@
             <a:fld id="{91AD7F68-8E1B-45E2-8A27-5D5DEAAB1BF2}" type="datetimeFigureOut">
               <a:rPr lang="zh-CN" altLang="en-US" smtClean="0"/>
               <a:pPr/>
-              <a:t>2018/6/4</a:t>
+              <a:t>2018/6/5</a:t>
             </a:fld>
             <a:endParaRPr lang="zh-CN" altLang="en-US"/>
           </a:p>
@@ -2008,7 +2008,7 @@
             <a:fld id="{91AD7F68-8E1B-45E2-8A27-5D5DEAAB1BF2}" type="datetimeFigureOut">
               <a:rPr lang="zh-CN" altLang="en-US" smtClean="0"/>
               <a:pPr/>
-              <a:t>2018/6/4</a:t>
+              <a:t>2018/6/5</a:t>
             </a:fld>
             <a:endParaRPr lang="zh-CN" altLang="en-US"/>
           </a:p>
@@ -2190,7 +2190,7 @@
             <a:fld id="{91AD7F68-8E1B-45E2-8A27-5D5DEAAB1BF2}" type="datetimeFigureOut">
               <a:rPr lang="zh-CN" altLang="en-US" smtClean="0"/>
               <a:pPr/>
-              <a:t>2018/6/4</a:t>
+              <a:t>2018/6/5</a:t>
             </a:fld>
             <a:endParaRPr lang="zh-CN" altLang="en-US"/>
           </a:p>
@@ -2449,7 +2449,7 @@
             <a:fld id="{91AD7F68-8E1B-45E2-8A27-5D5DEAAB1BF2}" type="datetimeFigureOut">
               <a:rPr lang="zh-CN" altLang="en-US" smtClean="0"/>
               <a:pPr/>
-              <a:t>2018/6/4</a:t>
+              <a:t>2018/6/5</a:t>
             </a:fld>
             <a:endParaRPr lang="zh-CN" altLang="en-US"/>
           </a:p>
@@ -2692,7 +2692,7 @@
             <a:fld id="{91AD7F68-8E1B-45E2-8A27-5D5DEAAB1BF2}" type="datetimeFigureOut">
               <a:rPr lang="zh-CN" altLang="en-US" smtClean="0"/>
               <a:pPr/>
-              <a:t>2018/6/4</a:t>
+              <a:t>2018/6/5</a:t>
             </a:fld>
             <a:endParaRPr lang="zh-CN" altLang="en-US"/>
           </a:p>
@@ -3070,7 +3070,7 @@
             <a:fld id="{91AD7F68-8E1B-45E2-8A27-5D5DEAAB1BF2}" type="datetimeFigureOut">
               <a:rPr lang="zh-CN" altLang="en-US" smtClean="0"/>
               <a:pPr/>
-              <a:t>2018/6/4</a:t>
+              <a:t>2018/6/5</a:t>
             </a:fld>
             <a:endParaRPr lang="zh-CN" altLang="en-US"/>
           </a:p>
@@ -3201,7 +3201,7 @@
             <a:fld id="{91AD7F68-8E1B-45E2-8A27-5D5DEAAB1BF2}" type="datetimeFigureOut">
               <a:rPr lang="zh-CN" altLang="en-US" smtClean="0"/>
               <a:pPr/>
-              <a:t>2018/6/4</a:t>
+              <a:t>2018/6/5</a:t>
             </a:fld>
             <a:endParaRPr lang="zh-CN" altLang="en-US"/>
           </a:p>
@@ -3310,7 +3310,7 @@
             <a:fld id="{91AD7F68-8E1B-45E2-8A27-5D5DEAAB1BF2}" type="datetimeFigureOut">
               <a:rPr lang="zh-CN" altLang="en-US" smtClean="0"/>
               <a:pPr/>
-              <a:t>2018/6/4</a:t>
+              <a:t>2018/6/5</a:t>
             </a:fld>
             <a:endParaRPr lang="zh-CN" altLang="en-US"/>
           </a:p>
@@ -3599,7 +3599,7 @@
             <a:fld id="{91AD7F68-8E1B-45E2-8A27-5D5DEAAB1BF2}" type="datetimeFigureOut">
               <a:rPr lang="zh-CN" altLang="en-US" smtClean="0"/>
               <a:pPr/>
-              <a:t>2018/6/4</a:t>
+              <a:t>2018/6/5</a:t>
             </a:fld>
             <a:endParaRPr lang="zh-CN" altLang="en-US"/>
           </a:p>
@@ -3865,7 +3865,7 @@
             <a:fld id="{91AD7F68-8E1B-45E2-8A27-5D5DEAAB1BF2}" type="datetimeFigureOut">
               <a:rPr lang="zh-CN" altLang="en-US" smtClean="0"/>
               <a:pPr/>
-              <a:t>2018/6/4</a:t>
+              <a:t>2018/6/5</a:t>
             </a:fld>
             <a:endParaRPr lang="zh-CN" altLang="en-US"/>
           </a:p>
@@ -4090,7 +4090,7 @@
             <a:fld id="{91AD7F68-8E1B-45E2-8A27-5D5DEAAB1BF2}" type="datetimeFigureOut">
               <a:rPr lang="zh-CN" altLang="en-US" smtClean="0"/>
               <a:pPr/>
-              <a:t>2018/6/4</a:t>
+              <a:t>2018/6/5</a:t>
             </a:fld>
             <a:endParaRPr lang="zh-CN" altLang="en-US"/>
           </a:p>
@@ -20992,8 +20992,25 @@
                 <a:latin typeface="方正尚酷简体" panose="03000509000000000000" pitchFamily="65" charset="-122"/>
                 <a:ea typeface="方正尚酷简体" panose="03000509000000000000" pitchFamily="65" charset="-122"/>
               </a:rPr>
-              <a:t>Configuration Class</a:t>
-            </a:r>
+              <a:t>Spring </a:t>
+            </a:r>
+            <a:r>
+              <a:rPr lang="en-US" altLang="zh-CN" sz="2800" spc="300" dirty="0" err="1">
+                <a:solidFill>
+                  <a:srgbClr val="0D4960"/>
+                </a:solidFill>
+                <a:latin typeface="方正尚酷简体" panose="03000509000000000000" pitchFamily="65" charset="-122"/>
+                <a:ea typeface="方正尚酷简体" panose="03000509000000000000" pitchFamily="65" charset="-122"/>
+              </a:rPr>
+              <a:t>kafka</a:t>
+            </a:r>
+            <a:endParaRPr lang="en-US" altLang="zh-CN" sz="2800" spc="300" dirty="0">
+              <a:solidFill>
+                <a:srgbClr val="0D4960"/>
+              </a:solidFill>
+              <a:latin typeface="方正尚酷简体" panose="03000509000000000000" pitchFamily="65" charset="-122"/>
+              <a:ea typeface="方正尚酷简体" panose="03000509000000000000" pitchFamily="65" charset="-122"/>
+            </a:endParaRPr>
           </a:p>
         </p:txBody>
       </p:sp>
@@ -21034,6 +21051,434 @@
           </a:fillRef>
           <a:effectRef idx="0">
             <a:schemeClr val="accent1"/>
+          </a:effectRef>
+          <a:fontRef idx="minor">
+            <a:schemeClr val="tx1"/>
+          </a:fontRef>
+        </p:style>
+      </p:cxnSp>
+      <p:sp>
+        <p:nvSpPr>
+          <p:cNvPr id="8" name="Rectangle: Rounded Corners 7">
+            <a:extLst>
+              <a:ext uri="{FF2B5EF4-FFF2-40B4-BE49-F238E27FC236}">
+                <a16:creationId xmlns:a16="http://schemas.microsoft.com/office/drawing/2014/main" id="{B7B9540A-BB10-4C65-AB09-857BB838438D}"/>
+              </a:ext>
+            </a:extLst>
+          </p:cNvPr>
+          <p:cNvSpPr/>
+          <p:nvPr/>
+        </p:nvSpPr>
+        <p:spPr>
+          <a:xfrm>
+            <a:off x="696949" y="818262"/>
+            <a:ext cx="6203374" cy="1662539"/>
+          </a:xfrm>
+          <a:prstGeom prst="roundRect">
+            <a:avLst/>
+          </a:prstGeom>
+        </p:spPr>
+        <p:style>
+          <a:lnRef idx="2">
+            <a:schemeClr val="accent6"/>
+          </a:lnRef>
+          <a:fillRef idx="1">
+            <a:schemeClr val="lt1"/>
+          </a:fillRef>
+          <a:effectRef idx="0">
+            <a:schemeClr val="accent6"/>
+          </a:effectRef>
+          <a:fontRef idx="minor">
+            <a:schemeClr val="dk1"/>
+          </a:fontRef>
+        </p:style>
+        <p:txBody>
+          <a:bodyPr rtlCol="0" anchor="ctr"/>
+          <a:lstStyle/>
+          <a:p>
+            <a:r>
+              <a:rPr lang="en-US" dirty="0"/>
+              <a:t>&lt;dependency&gt;</a:t>
+            </a:r>
+          </a:p>
+          <a:p>
+            <a:r>
+              <a:rPr lang="en-US" dirty="0"/>
+              <a:t>	&lt;</a:t>
+            </a:r>
+            <a:r>
+              <a:rPr lang="en-US" dirty="0" err="1"/>
+              <a:t>groupId</a:t>
+            </a:r>
+            <a:r>
+              <a:rPr lang="en-US" dirty="0"/>
+              <a:t>&gt;</a:t>
+            </a:r>
+            <a:r>
+              <a:rPr lang="en-US" dirty="0" err="1"/>
+              <a:t>org.springframework.kafka</a:t>
+            </a:r>
+            <a:r>
+              <a:rPr lang="en-US" dirty="0"/>
+              <a:t>&lt;/</a:t>
+            </a:r>
+            <a:r>
+              <a:rPr lang="en-US" dirty="0" err="1"/>
+              <a:t>groupId</a:t>
+            </a:r>
+            <a:r>
+              <a:rPr lang="en-US" dirty="0"/>
+              <a:t>&gt;</a:t>
+            </a:r>
+          </a:p>
+          <a:p>
+            <a:r>
+              <a:rPr lang="en-US" dirty="0"/>
+              <a:t>	&lt;</a:t>
+            </a:r>
+            <a:r>
+              <a:rPr lang="en-US" dirty="0" err="1"/>
+              <a:t>artifactId</a:t>
+            </a:r>
+            <a:r>
+              <a:rPr lang="en-US" dirty="0"/>
+              <a:t>&gt;spring-</a:t>
+            </a:r>
+            <a:r>
+              <a:rPr lang="en-US" dirty="0" err="1"/>
+              <a:t>kafka</a:t>
+            </a:r>
+            <a:r>
+              <a:rPr lang="en-US" dirty="0"/>
+              <a:t>&lt;/</a:t>
+            </a:r>
+            <a:r>
+              <a:rPr lang="en-US" dirty="0" err="1"/>
+              <a:t>artifactId</a:t>
+            </a:r>
+            <a:r>
+              <a:rPr lang="en-US" dirty="0"/>
+              <a:t>&gt;</a:t>
+            </a:r>
+          </a:p>
+          <a:p>
+            <a:r>
+              <a:rPr lang="en-US" dirty="0"/>
+              <a:t>	&lt;version&gt;2.1.6.RELEASE&lt;/version&gt;</a:t>
+            </a:r>
+          </a:p>
+          <a:p>
+            <a:r>
+              <a:rPr lang="en-US" dirty="0"/>
+              <a:t>&lt;/dependency&gt;</a:t>
+            </a:r>
+          </a:p>
+        </p:txBody>
+      </p:sp>
+      <p:sp>
+        <p:nvSpPr>
+          <p:cNvPr id="9" name="Rectangle: Rounded Corners 8">
+            <a:extLst>
+              <a:ext uri="{FF2B5EF4-FFF2-40B4-BE49-F238E27FC236}">
+                <a16:creationId xmlns:a16="http://schemas.microsoft.com/office/drawing/2014/main" id="{A52F2DF6-7CC9-4B6D-84CB-557A9E67B26C}"/>
+              </a:ext>
+            </a:extLst>
+          </p:cNvPr>
+          <p:cNvSpPr/>
+          <p:nvPr/>
+        </p:nvSpPr>
+        <p:spPr>
+          <a:xfrm>
+            <a:off x="7367502" y="1123140"/>
+            <a:ext cx="3917025" cy="841664"/>
+          </a:xfrm>
+          <a:prstGeom prst="roundRect">
+            <a:avLst/>
+          </a:prstGeom>
+        </p:spPr>
+        <p:style>
+          <a:lnRef idx="2">
+            <a:schemeClr val="accent6"/>
+          </a:lnRef>
+          <a:fillRef idx="1">
+            <a:schemeClr val="lt1"/>
+          </a:fillRef>
+          <a:effectRef idx="0">
+            <a:schemeClr val="accent6"/>
+          </a:effectRef>
+          <a:fontRef idx="minor">
+            <a:schemeClr val="dk1"/>
+          </a:fontRef>
+        </p:style>
+        <p:txBody>
+          <a:bodyPr rtlCol="0" anchor="ctr"/>
+          <a:lstStyle/>
+          <a:p>
+            <a:r>
+              <a:rPr lang="en-US" dirty="0"/>
+              <a:t>@</a:t>
+            </a:r>
+            <a:r>
+              <a:rPr lang="en-US" dirty="0" err="1"/>
+              <a:t>EnableKafka</a:t>
+            </a:r>
+            <a:endParaRPr lang="en-US" dirty="0"/>
+          </a:p>
+          <a:p>
+            <a:r>
+              <a:rPr lang="en-US" b="1" dirty="0"/>
+              <a:t>public class Application {}</a:t>
+            </a:r>
+            <a:endParaRPr lang="en-US" dirty="0"/>
+          </a:p>
+        </p:txBody>
+      </p:sp>
+      <p:sp>
+        <p:nvSpPr>
+          <p:cNvPr id="10" name="Rectangle: Rounded Corners 9">
+            <a:extLst>
+              <a:ext uri="{FF2B5EF4-FFF2-40B4-BE49-F238E27FC236}">
+                <a16:creationId xmlns:a16="http://schemas.microsoft.com/office/drawing/2014/main" id="{D6C2941C-8DE6-4124-B1E7-67A82A1848C4}"/>
+              </a:ext>
+            </a:extLst>
+          </p:cNvPr>
+          <p:cNvSpPr/>
+          <p:nvPr/>
+        </p:nvSpPr>
+        <p:spPr>
+          <a:xfrm>
+            <a:off x="696949" y="2883935"/>
+            <a:ext cx="6670553" cy="3762696"/>
+          </a:xfrm>
+          <a:prstGeom prst="roundRect">
+            <a:avLst/>
+          </a:prstGeom>
+        </p:spPr>
+        <p:style>
+          <a:lnRef idx="2">
+            <a:schemeClr val="accent6"/>
+          </a:lnRef>
+          <a:fillRef idx="1">
+            <a:schemeClr val="lt1"/>
+          </a:fillRef>
+          <a:effectRef idx="0">
+            <a:schemeClr val="accent6"/>
+          </a:effectRef>
+          <a:fontRef idx="minor">
+            <a:schemeClr val="dk1"/>
+          </a:fontRef>
+        </p:style>
+        <p:txBody>
+          <a:bodyPr rtlCol="0" anchor="ctr"/>
+          <a:lstStyle/>
+          <a:p>
+            <a:r>
+              <a:rPr lang="en-US" dirty="0"/>
+              <a:t>@</a:t>
+            </a:r>
+            <a:r>
+              <a:rPr lang="en-US" dirty="0" err="1"/>
+              <a:t>Autowired</a:t>
+            </a:r>
+            <a:endParaRPr lang="en-US" dirty="0"/>
+          </a:p>
+          <a:p>
+            <a:r>
+              <a:rPr lang="nb-NO" b="1" dirty="0"/>
+              <a:t>private KafkaTemplate&lt;String, String&gt; template;</a:t>
+            </a:r>
+            <a:endParaRPr lang="en-US" dirty="0"/>
+          </a:p>
+          <a:p>
+            <a:r>
+              <a:rPr lang="en-US" dirty="0"/>
+              <a:t>@</a:t>
+            </a:r>
+            <a:r>
+              <a:rPr lang="en-US" dirty="0" err="1"/>
+              <a:t>GetMapping</a:t>
+            </a:r>
+            <a:r>
+              <a:rPr lang="en-US" dirty="0"/>
+              <a:t>("/{message}")</a:t>
+            </a:r>
+          </a:p>
+          <a:p>
+            <a:r>
+              <a:rPr lang="en-US" b="1" dirty="0"/>
+              <a:t>public String send(@</a:t>
+            </a:r>
+            <a:r>
+              <a:rPr lang="en-US" b="1" dirty="0" err="1"/>
+              <a:t>PathVariable</a:t>
+            </a:r>
+            <a:r>
+              <a:rPr lang="en-US" b="1" dirty="0"/>
+              <a:t>("message") String msg) {</a:t>
+            </a:r>
+          </a:p>
+          <a:p>
+            <a:r>
+              <a:rPr lang="en-US" dirty="0"/>
+              <a:t>	</a:t>
+            </a:r>
+            <a:r>
+              <a:rPr lang="en-US" dirty="0" err="1"/>
+              <a:t>template.send</a:t>
+            </a:r>
+            <a:r>
+              <a:rPr lang="en-US" dirty="0"/>
+              <a:t>("topic1", msg);</a:t>
+            </a:r>
+          </a:p>
+          <a:p>
+            <a:r>
+              <a:rPr lang="en-US" b="1" dirty="0"/>
+              <a:t>	return msg;</a:t>
+            </a:r>
+          </a:p>
+          <a:p>
+            <a:r>
+              <a:rPr lang="en-US" dirty="0"/>
+              <a:t>}</a:t>
+            </a:r>
+          </a:p>
+          <a:p>
+            <a:r>
+              <a:rPr lang="en-US" dirty="0"/>
+              <a:t>@</a:t>
+            </a:r>
+            <a:r>
+              <a:rPr lang="en-US" dirty="0" err="1"/>
+              <a:t>KafkaListener</a:t>
+            </a:r>
+            <a:r>
+              <a:rPr lang="en-US" dirty="0"/>
+              <a:t>(topics = { "topic1" })</a:t>
+            </a:r>
+          </a:p>
+          <a:p>
+            <a:r>
+              <a:rPr lang="en-US" b="1" dirty="0"/>
+              <a:t>public void receive(</a:t>
+            </a:r>
+            <a:r>
+              <a:rPr lang="en-US" b="1" dirty="0" err="1"/>
+              <a:t>ConsumerRecord</a:t>
+            </a:r>
+            <a:r>
+              <a:rPr lang="en-US" b="1" dirty="0"/>
+              <a:t>&lt;?, ?&gt; record) {</a:t>
+            </a:r>
+          </a:p>
+          <a:p>
+            <a:r>
+              <a:rPr lang="en-US" dirty="0"/>
+              <a:t>	Optional&lt;?&gt; msg = </a:t>
+            </a:r>
+            <a:r>
+              <a:rPr lang="en-US" dirty="0" err="1"/>
+              <a:t>Optional.</a:t>
+            </a:r>
+            <a:r>
+              <a:rPr lang="en-US" i="1" dirty="0" err="1"/>
+              <a:t>ofNullable</a:t>
+            </a:r>
+            <a:r>
+              <a:rPr lang="en-US" i="1" dirty="0"/>
+              <a:t>(</a:t>
+            </a:r>
+            <a:r>
+              <a:rPr lang="en-US" i="1" dirty="0" err="1"/>
+              <a:t>record.value</a:t>
+            </a:r>
+            <a:r>
+              <a:rPr lang="en-US" i="1" dirty="0"/>
+              <a:t>());</a:t>
+            </a:r>
+          </a:p>
+          <a:p>
+            <a:r>
+              <a:rPr lang="en-US" b="1" dirty="0"/>
+              <a:t>	if (</a:t>
+            </a:r>
+            <a:r>
+              <a:rPr lang="en-US" b="1" dirty="0" err="1"/>
+              <a:t>msg.isPresent</a:t>
+            </a:r>
+            <a:r>
+              <a:rPr lang="en-US" b="1" dirty="0"/>
+              <a:t>()) {</a:t>
+            </a:r>
+            <a:r>
+              <a:rPr lang="en-US" dirty="0" err="1"/>
+              <a:t>System.</a:t>
+            </a:r>
+            <a:r>
+              <a:rPr lang="en-US" b="1" i="1" dirty="0" err="1"/>
+              <a:t>out.println</a:t>
+            </a:r>
+            <a:r>
+              <a:rPr lang="en-US" b="1" i="1" dirty="0"/>
+              <a:t>(</a:t>
+            </a:r>
+            <a:r>
+              <a:rPr lang="en-US" b="1" i="1" dirty="0" err="1"/>
+              <a:t>msg.get</a:t>
+            </a:r>
+            <a:r>
+              <a:rPr lang="en-US" b="1" i="1" dirty="0"/>
+              <a:t>());</a:t>
+            </a:r>
+            <a:r>
+              <a:rPr lang="en-US" dirty="0"/>
+              <a:t>}</a:t>
+            </a:r>
+          </a:p>
+          <a:p>
+            <a:r>
+              <a:rPr lang="en-US" dirty="0"/>
+              <a:t>}</a:t>
+            </a:r>
+          </a:p>
+        </p:txBody>
+      </p:sp>
+      <p:cxnSp>
+        <p:nvCxnSpPr>
+          <p:cNvPr id="15" name="Straight Arrow Connector 14">
+            <a:extLst>
+              <a:ext uri="{FF2B5EF4-FFF2-40B4-BE49-F238E27FC236}">
+                <a16:creationId xmlns:a16="http://schemas.microsoft.com/office/drawing/2014/main" id="{F64BBDE3-014E-481A-A84E-B52AF013DF7E}"/>
+              </a:ext>
+            </a:extLst>
+          </p:cNvPr>
+          <p:cNvCxnSpPr>
+            <a:cxnSpLocks/>
+          </p:cNvCxnSpPr>
+          <p:nvPr/>
+        </p:nvCxnSpPr>
+        <p:spPr>
+          <a:xfrm>
+            <a:off x="3719945" y="4384964"/>
+            <a:ext cx="0" cy="748145"/>
+          </a:xfrm>
+          <a:prstGeom prst="straightConnector1">
+            <a:avLst/>
+          </a:prstGeom>
+          <a:ln>
+            <a:headEnd type="triangle"/>
+            <a:tailEnd type="triangle"/>
+          </a:ln>
+        </p:spPr>
+        <p:style>
+          <a:lnRef idx="3">
+            <a:schemeClr val="accent2"/>
+          </a:lnRef>
+          <a:fillRef idx="0">
+            <a:schemeClr val="accent2"/>
+          </a:fillRef>
+          <a:effectRef idx="2">
+            <a:schemeClr val="accent2"/>
           </a:effectRef>
           <a:fontRef idx="minor">
             <a:schemeClr val="tx1"/>

--- a/springboot.pptx
+++ b/springboot.pptx
@@ -241,7 +241,7 @@
             <a:fld id="{05B1D5F9-199E-4B77-ACFB-0D659EE03F6C}" type="datetimeFigureOut">
               <a:rPr lang="zh-CN" altLang="en-US" smtClean="0"/>
               <a:pPr/>
-              <a:t>2018/6/5</a:t>
+              <a:t>2018/6/6</a:t>
             </a:fld>
             <a:endParaRPr lang="zh-CN" altLang="en-US"/>
           </a:p>
@@ -1634,7 +1634,7 @@
             <a:fld id="{91AD7F68-8E1B-45E2-8A27-5D5DEAAB1BF2}" type="datetimeFigureOut">
               <a:rPr lang="zh-CN" altLang="en-US" smtClean="0"/>
               <a:pPr/>
-              <a:t>2018/6/5</a:t>
+              <a:t>2018/6/6</a:t>
             </a:fld>
             <a:endParaRPr lang="zh-CN" altLang="en-US"/>
           </a:p>
@@ -1816,7 +1816,7 @@
             <a:fld id="{91AD7F68-8E1B-45E2-8A27-5D5DEAAB1BF2}" type="datetimeFigureOut">
               <a:rPr lang="zh-CN" altLang="en-US" smtClean="0"/>
               <a:pPr/>
-              <a:t>2018/6/5</a:t>
+              <a:t>2018/6/6</a:t>
             </a:fld>
             <a:endParaRPr lang="zh-CN" altLang="en-US"/>
           </a:p>
@@ -2008,7 +2008,7 @@
             <a:fld id="{91AD7F68-8E1B-45E2-8A27-5D5DEAAB1BF2}" type="datetimeFigureOut">
               <a:rPr lang="zh-CN" altLang="en-US" smtClean="0"/>
               <a:pPr/>
-              <a:t>2018/6/5</a:t>
+              <a:t>2018/6/6</a:t>
             </a:fld>
             <a:endParaRPr lang="zh-CN" altLang="en-US"/>
           </a:p>
@@ -2190,7 +2190,7 @@
             <a:fld id="{91AD7F68-8E1B-45E2-8A27-5D5DEAAB1BF2}" type="datetimeFigureOut">
               <a:rPr lang="zh-CN" altLang="en-US" smtClean="0"/>
               <a:pPr/>
-              <a:t>2018/6/5</a:t>
+              <a:t>2018/6/6</a:t>
             </a:fld>
             <a:endParaRPr lang="zh-CN" altLang="en-US"/>
           </a:p>
@@ -2449,7 +2449,7 @@
             <a:fld id="{91AD7F68-8E1B-45E2-8A27-5D5DEAAB1BF2}" type="datetimeFigureOut">
               <a:rPr lang="zh-CN" altLang="en-US" smtClean="0"/>
               <a:pPr/>
-              <a:t>2018/6/5</a:t>
+              <a:t>2018/6/6</a:t>
             </a:fld>
             <a:endParaRPr lang="zh-CN" altLang="en-US"/>
           </a:p>
@@ -2692,7 +2692,7 @@
             <a:fld id="{91AD7F68-8E1B-45E2-8A27-5D5DEAAB1BF2}" type="datetimeFigureOut">
               <a:rPr lang="zh-CN" altLang="en-US" smtClean="0"/>
               <a:pPr/>
-              <a:t>2018/6/5</a:t>
+              <a:t>2018/6/6</a:t>
             </a:fld>
             <a:endParaRPr lang="zh-CN" altLang="en-US"/>
           </a:p>
@@ -3070,7 +3070,7 @@
             <a:fld id="{91AD7F68-8E1B-45E2-8A27-5D5DEAAB1BF2}" type="datetimeFigureOut">
               <a:rPr lang="zh-CN" altLang="en-US" smtClean="0"/>
               <a:pPr/>
-              <a:t>2018/6/5</a:t>
+              <a:t>2018/6/6</a:t>
             </a:fld>
             <a:endParaRPr lang="zh-CN" altLang="en-US"/>
           </a:p>
@@ -3201,7 +3201,7 @@
             <a:fld id="{91AD7F68-8E1B-45E2-8A27-5D5DEAAB1BF2}" type="datetimeFigureOut">
               <a:rPr lang="zh-CN" altLang="en-US" smtClean="0"/>
               <a:pPr/>
-              <a:t>2018/6/5</a:t>
+              <a:t>2018/6/6</a:t>
             </a:fld>
             <a:endParaRPr lang="zh-CN" altLang="en-US"/>
           </a:p>
@@ -3310,7 +3310,7 @@
             <a:fld id="{91AD7F68-8E1B-45E2-8A27-5D5DEAAB1BF2}" type="datetimeFigureOut">
               <a:rPr lang="zh-CN" altLang="en-US" smtClean="0"/>
               <a:pPr/>
-              <a:t>2018/6/5</a:t>
+              <a:t>2018/6/6</a:t>
             </a:fld>
             <a:endParaRPr lang="zh-CN" altLang="en-US"/>
           </a:p>
@@ -3599,7 +3599,7 @@
             <a:fld id="{91AD7F68-8E1B-45E2-8A27-5D5DEAAB1BF2}" type="datetimeFigureOut">
               <a:rPr lang="zh-CN" altLang="en-US" smtClean="0"/>
               <a:pPr/>
-              <a:t>2018/6/5</a:t>
+              <a:t>2018/6/6</a:t>
             </a:fld>
             <a:endParaRPr lang="zh-CN" altLang="en-US"/>
           </a:p>
@@ -3865,7 +3865,7 @@
             <a:fld id="{91AD7F68-8E1B-45E2-8A27-5D5DEAAB1BF2}" type="datetimeFigureOut">
               <a:rPr lang="zh-CN" altLang="en-US" smtClean="0"/>
               <a:pPr/>
-              <a:t>2018/6/5</a:t>
+              <a:t>2018/6/6</a:t>
             </a:fld>
             <a:endParaRPr lang="zh-CN" altLang="en-US"/>
           </a:p>
@@ -4090,7 +4090,7 @@
             <a:fld id="{91AD7F68-8E1B-45E2-8A27-5D5DEAAB1BF2}" type="datetimeFigureOut">
               <a:rPr lang="zh-CN" altLang="en-US" smtClean="0"/>
               <a:pPr/>
-              <a:t>2018/6/5</a:t>
+              <a:t>2018/6/6</a:t>
             </a:fld>
             <a:endParaRPr lang="zh-CN" altLang="en-US"/>
           </a:p>
@@ -21978,7 +21978,7 @@
                 <a:latin typeface="方正尚酷简体" panose="03000509000000000000" pitchFamily="65" charset="-122"/>
                 <a:ea typeface="方正尚酷简体" panose="03000509000000000000" pitchFamily="65" charset="-122"/>
               </a:rPr>
-              <a:t>Configuration Class</a:t>
+              <a:t>HTTP/HTTPS</a:t>
             </a:r>
           </a:p>
         </p:txBody>
@@ -22026,6 +22026,497 @@
           </a:fontRef>
         </p:style>
       </p:cxnSp>
+      <p:sp>
+        <p:nvSpPr>
+          <p:cNvPr id="8" name="Rectangle: Rounded Corners 7">
+            <a:extLst>
+              <a:ext uri="{FF2B5EF4-FFF2-40B4-BE49-F238E27FC236}">
+                <a16:creationId xmlns:a16="http://schemas.microsoft.com/office/drawing/2014/main" id="{BB89AC5B-96D7-4FBE-A059-FED9B8451C5E}"/>
+              </a:ext>
+            </a:extLst>
+          </p:cNvPr>
+          <p:cNvSpPr/>
+          <p:nvPr/>
+        </p:nvSpPr>
+        <p:spPr>
+          <a:xfrm>
+            <a:off x="675409" y="966355"/>
+            <a:ext cx="10916944" cy="810485"/>
+          </a:xfrm>
+          <a:prstGeom prst="roundRect">
+            <a:avLst/>
+          </a:prstGeom>
+        </p:spPr>
+        <p:style>
+          <a:lnRef idx="2">
+            <a:schemeClr val="accent1">
+              <a:shade val="50000"/>
+            </a:schemeClr>
+          </a:lnRef>
+          <a:fillRef idx="1">
+            <a:schemeClr val="accent1"/>
+          </a:fillRef>
+          <a:effectRef idx="0">
+            <a:schemeClr val="accent1"/>
+          </a:effectRef>
+          <a:fontRef idx="minor">
+            <a:schemeClr val="lt1"/>
+          </a:fontRef>
+        </p:style>
+        <p:txBody>
+          <a:bodyPr rtlCol="0" anchor="ctr"/>
+          <a:lstStyle/>
+          <a:p>
+            <a:pPr algn="ctr"/>
+            <a:r>
+              <a:rPr lang="zh-CN" altLang="en-US" dirty="0"/>
+              <a:t>创建证书：</a:t>
+            </a:r>
+            <a:endParaRPr lang="en-US" altLang="zh-CN" dirty="0"/>
+          </a:p>
+          <a:p>
+            <a:pPr algn="ctr"/>
+            <a:r>
+              <a:rPr lang="en-US" dirty="0" err="1"/>
+              <a:t>keytool</a:t>
+            </a:r>
+            <a:r>
+              <a:rPr lang="en-US" dirty="0"/>
+              <a:t> -</a:t>
+            </a:r>
+            <a:r>
+              <a:rPr lang="en-US" dirty="0" err="1"/>
+              <a:t>genkey</a:t>
+            </a:r>
+            <a:r>
+              <a:rPr lang="en-US" dirty="0"/>
+              <a:t> -alias tomcat  -</a:t>
+            </a:r>
+            <a:r>
+              <a:rPr lang="en-US" dirty="0" err="1"/>
+              <a:t>storetype</a:t>
+            </a:r>
+            <a:r>
+              <a:rPr lang="en-US" dirty="0"/>
+              <a:t> PKCS12 -</a:t>
+            </a:r>
+            <a:r>
+              <a:rPr lang="en-US" dirty="0" err="1"/>
+              <a:t>keyalg</a:t>
+            </a:r>
+            <a:r>
+              <a:rPr lang="en-US" dirty="0"/>
+              <a:t> RSA -k </a:t>
+            </a:r>
+            <a:r>
+              <a:rPr lang="en-US" dirty="0" err="1"/>
+              <a:t>eysize</a:t>
+            </a:r>
+            <a:r>
+              <a:rPr lang="en-US" dirty="0"/>
+              <a:t> 2048  -</a:t>
+            </a:r>
+            <a:r>
+              <a:rPr lang="en-US" dirty="0" err="1"/>
+              <a:t>keystore</a:t>
+            </a:r>
+            <a:r>
+              <a:rPr lang="en-US" dirty="0"/>
+              <a:t> keystore.p12 -validity 3650</a:t>
+            </a:r>
+          </a:p>
+        </p:txBody>
+      </p:sp>
+      <p:sp>
+        <p:nvSpPr>
+          <p:cNvPr id="9" name="Rectangle: Rounded Corners 8">
+            <a:extLst>
+              <a:ext uri="{FF2B5EF4-FFF2-40B4-BE49-F238E27FC236}">
+                <a16:creationId xmlns:a16="http://schemas.microsoft.com/office/drawing/2014/main" id="{828DFF59-088D-49A2-A386-A1E97F44F103}"/>
+              </a:ext>
+            </a:extLst>
+          </p:cNvPr>
+          <p:cNvSpPr/>
+          <p:nvPr/>
+        </p:nvSpPr>
+        <p:spPr>
+          <a:xfrm>
+            <a:off x="675409" y="3429000"/>
+            <a:ext cx="3761509" cy="2712021"/>
+          </a:xfrm>
+          <a:prstGeom prst="roundRect">
+            <a:avLst/>
+          </a:prstGeom>
+        </p:spPr>
+        <p:style>
+          <a:lnRef idx="2">
+            <a:schemeClr val="accent6"/>
+          </a:lnRef>
+          <a:fillRef idx="1">
+            <a:schemeClr val="lt1"/>
+          </a:fillRef>
+          <a:effectRef idx="0">
+            <a:schemeClr val="accent6"/>
+          </a:effectRef>
+          <a:fontRef idx="minor">
+            <a:schemeClr val="dk1"/>
+          </a:fontRef>
+        </p:style>
+        <p:txBody>
+          <a:bodyPr rtlCol="0" anchor="ctr"/>
+          <a:lstStyle/>
+          <a:p>
+            <a:r>
+              <a:rPr lang="en-US" dirty="0"/>
+              <a:t>server: </a:t>
+            </a:r>
+          </a:p>
+          <a:p>
+            <a:r>
+              <a:rPr lang="en-US" dirty="0"/>
+              <a:t>  address: 127.0.0.1</a:t>
+            </a:r>
+          </a:p>
+          <a:p>
+            <a:r>
+              <a:rPr lang="en-US" dirty="0"/>
+              <a:t>  port: 8443</a:t>
+            </a:r>
+          </a:p>
+          <a:p>
+            <a:r>
+              <a:rPr lang="en-US" dirty="0"/>
+              <a:t>  </a:t>
+            </a:r>
+            <a:r>
+              <a:rPr lang="en-US" dirty="0" err="1"/>
+              <a:t>ssl</a:t>
+            </a:r>
+            <a:r>
+              <a:rPr lang="en-US" dirty="0"/>
+              <a:t>:</a:t>
+            </a:r>
+          </a:p>
+          <a:p>
+            <a:r>
+              <a:rPr lang="en-US" dirty="0"/>
+              <a:t>    key-store: classpath:keystore.p12</a:t>
+            </a:r>
+          </a:p>
+          <a:p>
+            <a:r>
+              <a:rPr lang="en-US" dirty="0"/>
+              <a:t>    key-store-password: 12345678</a:t>
+            </a:r>
+          </a:p>
+          <a:p>
+            <a:r>
+              <a:rPr lang="en-US" dirty="0"/>
+              <a:t>    key-store-type: PKCS12</a:t>
+            </a:r>
+          </a:p>
+          <a:p>
+            <a:r>
+              <a:rPr lang="en-US" dirty="0"/>
+              <a:t>    key-alias: tomcat</a:t>
+            </a:r>
+          </a:p>
+        </p:txBody>
+      </p:sp>
+      <p:sp>
+        <p:nvSpPr>
+          <p:cNvPr id="10" name="Arrow: Down 9">
+            <a:extLst>
+              <a:ext uri="{FF2B5EF4-FFF2-40B4-BE49-F238E27FC236}">
+                <a16:creationId xmlns:a16="http://schemas.microsoft.com/office/drawing/2014/main" id="{999CFC62-E840-4D87-A099-41D1FD9FF9ED}"/>
+              </a:ext>
+            </a:extLst>
+          </p:cNvPr>
+          <p:cNvSpPr/>
+          <p:nvPr/>
+        </p:nvSpPr>
+        <p:spPr>
+          <a:xfrm>
+            <a:off x="1797627" y="1776840"/>
+            <a:ext cx="1943100" cy="1652160"/>
+          </a:xfrm>
+          <a:prstGeom prst="downArrow">
+            <a:avLst/>
+          </a:prstGeom>
+        </p:spPr>
+        <p:style>
+          <a:lnRef idx="2">
+            <a:schemeClr val="accent1">
+              <a:shade val="50000"/>
+            </a:schemeClr>
+          </a:lnRef>
+          <a:fillRef idx="1">
+            <a:schemeClr val="accent1"/>
+          </a:fillRef>
+          <a:effectRef idx="0">
+            <a:schemeClr val="accent1"/>
+          </a:effectRef>
+          <a:fontRef idx="minor">
+            <a:schemeClr val="lt1"/>
+          </a:fontRef>
+        </p:style>
+        <p:txBody>
+          <a:bodyPr rtlCol="0" anchor="ctr"/>
+          <a:lstStyle/>
+          <a:p>
+            <a:pPr algn="ctr"/>
+            <a:r>
+              <a:rPr lang="zh-CN" altLang="en-US" dirty="0"/>
+              <a:t>配置</a:t>
+            </a:r>
+            <a:r>
+              <a:rPr lang="en-US" altLang="zh-CN" dirty="0"/>
+              <a:t>HTTPS</a:t>
+            </a:r>
+            <a:endParaRPr lang="en-US" dirty="0"/>
+          </a:p>
+        </p:txBody>
+      </p:sp>
+      <p:sp>
+        <p:nvSpPr>
+          <p:cNvPr id="11" name="Arrow: Right 10">
+            <a:extLst>
+              <a:ext uri="{FF2B5EF4-FFF2-40B4-BE49-F238E27FC236}">
+                <a16:creationId xmlns:a16="http://schemas.microsoft.com/office/drawing/2014/main" id="{003D4E96-2896-408A-A034-E2ED08C383FA}"/>
+              </a:ext>
+            </a:extLst>
+          </p:cNvPr>
+          <p:cNvSpPr/>
+          <p:nvPr/>
+        </p:nvSpPr>
+        <p:spPr>
+          <a:xfrm>
+            <a:off x="4436918" y="4135578"/>
+            <a:ext cx="1394306" cy="1298864"/>
+          </a:xfrm>
+          <a:prstGeom prst="rightArrow">
+            <a:avLst/>
+          </a:prstGeom>
+        </p:spPr>
+        <p:style>
+          <a:lnRef idx="2">
+            <a:schemeClr val="accent1">
+              <a:shade val="50000"/>
+            </a:schemeClr>
+          </a:lnRef>
+          <a:fillRef idx="1">
+            <a:schemeClr val="accent1"/>
+          </a:fillRef>
+          <a:effectRef idx="0">
+            <a:schemeClr val="accent1"/>
+          </a:effectRef>
+          <a:fontRef idx="minor">
+            <a:schemeClr val="lt1"/>
+          </a:fontRef>
+        </p:style>
+        <p:txBody>
+          <a:bodyPr rtlCol="0" anchor="ctr"/>
+          <a:lstStyle/>
+          <a:p>
+            <a:pPr algn="ctr"/>
+            <a:r>
+              <a:rPr lang="zh-CN" altLang="en-US" dirty="0"/>
+              <a:t>添加</a:t>
+            </a:r>
+            <a:r>
+              <a:rPr lang="en-US" altLang="zh-CN" dirty="0"/>
+              <a:t>HTTP</a:t>
+            </a:r>
+            <a:endParaRPr lang="en-US" dirty="0"/>
+          </a:p>
+        </p:txBody>
+      </p:sp>
+      <p:sp>
+        <p:nvSpPr>
+          <p:cNvPr id="12" name="Rectangle: Rounded Corners 11">
+            <a:extLst>
+              <a:ext uri="{FF2B5EF4-FFF2-40B4-BE49-F238E27FC236}">
+                <a16:creationId xmlns:a16="http://schemas.microsoft.com/office/drawing/2014/main" id="{3AE9B38D-4897-49DC-B823-536802C0F17F}"/>
+              </a:ext>
+            </a:extLst>
+          </p:cNvPr>
+          <p:cNvSpPr/>
+          <p:nvPr/>
+        </p:nvSpPr>
+        <p:spPr>
+          <a:xfrm>
+            <a:off x="5831224" y="2172872"/>
+            <a:ext cx="5761129" cy="4473764"/>
+          </a:xfrm>
+          <a:prstGeom prst="roundRect">
+            <a:avLst/>
+          </a:prstGeom>
+        </p:spPr>
+        <p:style>
+          <a:lnRef idx="2">
+            <a:schemeClr val="accent6"/>
+          </a:lnRef>
+          <a:fillRef idx="1">
+            <a:schemeClr val="lt1"/>
+          </a:fillRef>
+          <a:effectRef idx="0">
+            <a:schemeClr val="accent6"/>
+          </a:effectRef>
+          <a:fontRef idx="minor">
+            <a:schemeClr val="dk1"/>
+          </a:fontRef>
+        </p:style>
+        <p:txBody>
+          <a:bodyPr rtlCol="0" anchor="ctr"/>
+          <a:lstStyle/>
+          <a:p>
+            <a:r>
+              <a:rPr lang="en-US" dirty="0"/>
+              <a:t>@Bean</a:t>
+            </a:r>
+          </a:p>
+          <a:p>
+            <a:r>
+              <a:rPr lang="en-US" b="1" dirty="0"/>
+              <a:t>public </a:t>
+            </a:r>
+            <a:r>
+              <a:rPr lang="en-US" b="1" dirty="0" err="1"/>
+              <a:t>ServletWebServerFactory</a:t>
+            </a:r>
+            <a:r>
+              <a:rPr lang="en-US" b="1" dirty="0"/>
+              <a:t> </a:t>
+            </a:r>
+            <a:r>
+              <a:rPr lang="en-US" b="1" dirty="0" err="1"/>
+              <a:t>servletContainer</a:t>
+            </a:r>
+            <a:r>
+              <a:rPr lang="en-US" b="1" dirty="0"/>
+              <a:t>() {</a:t>
+            </a:r>
+          </a:p>
+          <a:p>
+            <a:r>
+              <a:rPr lang="en-US" dirty="0"/>
+              <a:t>	</a:t>
+            </a:r>
+            <a:r>
+              <a:rPr lang="en-US" dirty="0" err="1"/>
+              <a:t>TomcatServletWebServerFactory</a:t>
+            </a:r>
+            <a:r>
+              <a:rPr lang="en-US" dirty="0"/>
+              <a:t> tomcat = </a:t>
+            </a:r>
+            <a:r>
+              <a:rPr lang="en-US" b="1" dirty="0"/>
+              <a:t>new </a:t>
+            </a:r>
+            <a:r>
+              <a:rPr lang="en-US" b="1" dirty="0" err="1"/>
+              <a:t>TomcatServletWebServerFactory</a:t>
+            </a:r>
+            <a:r>
+              <a:rPr lang="en-US" b="1" dirty="0"/>
+              <a:t>();</a:t>
+            </a:r>
+          </a:p>
+          <a:p>
+            <a:r>
+              <a:rPr lang="en-US" dirty="0"/>
+              <a:t>	</a:t>
+            </a:r>
+            <a:r>
+              <a:rPr lang="en-US" dirty="0" err="1"/>
+              <a:t>tomcat.addAdditionalTomcatConnectors</a:t>
+            </a:r>
+            <a:r>
+              <a:rPr lang="en-US" dirty="0"/>
+              <a:t>(</a:t>
+            </a:r>
+            <a:r>
+              <a:rPr lang="en-US" dirty="0" err="1"/>
+              <a:t>createStandardConnector</a:t>
+            </a:r>
+            <a:r>
+              <a:rPr lang="en-US" dirty="0"/>
+              <a:t>());</a:t>
+            </a:r>
+          </a:p>
+          <a:p>
+            <a:r>
+              <a:rPr lang="en-US" b="1" dirty="0"/>
+              <a:t>	return tomcat;</a:t>
+            </a:r>
+          </a:p>
+          <a:p>
+            <a:r>
+              <a:rPr lang="en-US" dirty="0"/>
+              <a:t>}</a:t>
+            </a:r>
+          </a:p>
+          <a:p>
+            <a:r>
+              <a:rPr lang="en-US" b="1" dirty="0"/>
+              <a:t>private Connector </a:t>
+            </a:r>
+            <a:r>
+              <a:rPr lang="en-US" b="1" dirty="0" err="1"/>
+              <a:t>createStandardConnector</a:t>
+            </a:r>
+            <a:r>
+              <a:rPr lang="en-US" b="1" dirty="0"/>
+              <a:t>() {</a:t>
+            </a:r>
+          </a:p>
+          <a:p>
+            <a:r>
+              <a:rPr lang="en-US" dirty="0"/>
+              <a:t>	Connector </a:t>
+            </a:r>
+            <a:r>
+              <a:rPr lang="en-US" dirty="0" err="1"/>
+              <a:t>connector</a:t>
+            </a:r>
+            <a:r>
+              <a:rPr lang="en-US" dirty="0"/>
+              <a:t> = </a:t>
+            </a:r>
+            <a:r>
+              <a:rPr lang="en-US" b="1" dirty="0"/>
+              <a:t>new Connector("org.apache.coyote.http11.Http11NioProtocol");</a:t>
+            </a:r>
+          </a:p>
+          <a:p>
+            <a:r>
+              <a:rPr lang="en-US" dirty="0"/>
+              <a:t>	</a:t>
+            </a:r>
+            <a:r>
+              <a:rPr lang="en-US" dirty="0" err="1"/>
+              <a:t>connector.setPort</a:t>
+            </a:r>
+            <a:r>
+              <a:rPr lang="en-US" dirty="0"/>
+              <a:t>(8080);</a:t>
+            </a:r>
+          </a:p>
+          <a:p>
+            <a:r>
+              <a:rPr lang="en-US" b="1" dirty="0"/>
+              <a:t>	return connector;</a:t>
+            </a:r>
+          </a:p>
+          <a:p>
+            <a:r>
+              <a:rPr lang="en-US" dirty="0"/>
+              <a:t>}</a:t>
+            </a:r>
+          </a:p>
+        </p:txBody>
+      </p:sp>
     </p:spTree>
     <p:extLst>
       <p:ext uri="{BB962C8B-B14F-4D97-AF65-F5344CB8AC3E}">

--- a/springboot.pptx
+++ b/springboot.pptx
@@ -241,7 +241,7 @@
             <a:fld id="{05B1D5F9-199E-4B77-ACFB-0D659EE03F6C}" type="datetimeFigureOut">
               <a:rPr lang="zh-CN" altLang="en-US" smtClean="0"/>
               <a:pPr/>
-              <a:t>2018/6/6</a:t>
+              <a:t>2018/6/11</a:t>
             </a:fld>
             <a:endParaRPr lang="zh-CN" altLang="en-US"/>
           </a:p>
@@ -1634,7 +1634,7 @@
             <a:fld id="{91AD7F68-8E1B-45E2-8A27-5D5DEAAB1BF2}" type="datetimeFigureOut">
               <a:rPr lang="zh-CN" altLang="en-US" smtClean="0"/>
               <a:pPr/>
-              <a:t>2018/6/6</a:t>
+              <a:t>2018/6/11</a:t>
             </a:fld>
             <a:endParaRPr lang="zh-CN" altLang="en-US"/>
           </a:p>
@@ -1816,7 +1816,7 @@
             <a:fld id="{91AD7F68-8E1B-45E2-8A27-5D5DEAAB1BF2}" type="datetimeFigureOut">
               <a:rPr lang="zh-CN" altLang="en-US" smtClean="0"/>
               <a:pPr/>
-              <a:t>2018/6/6</a:t>
+              <a:t>2018/6/11</a:t>
             </a:fld>
             <a:endParaRPr lang="zh-CN" altLang="en-US"/>
           </a:p>
@@ -2008,7 +2008,7 @@
             <a:fld id="{91AD7F68-8E1B-45E2-8A27-5D5DEAAB1BF2}" type="datetimeFigureOut">
               <a:rPr lang="zh-CN" altLang="en-US" smtClean="0"/>
               <a:pPr/>
-              <a:t>2018/6/6</a:t>
+              <a:t>2018/6/11</a:t>
             </a:fld>
             <a:endParaRPr lang="zh-CN" altLang="en-US"/>
           </a:p>
@@ -2190,7 +2190,7 @@
             <a:fld id="{91AD7F68-8E1B-45E2-8A27-5D5DEAAB1BF2}" type="datetimeFigureOut">
               <a:rPr lang="zh-CN" altLang="en-US" smtClean="0"/>
               <a:pPr/>
-              <a:t>2018/6/6</a:t>
+              <a:t>2018/6/11</a:t>
             </a:fld>
             <a:endParaRPr lang="zh-CN" altLang="en-US"/>
           </a:p>
@@ -2449,7 +2449,7 @@
             <a:fld id="{91AD7F68-8E1B-45E2-8A27-5D5DEAAB1BF2}" type="datetimeFigureOut">
               <a:rPr lang="zh-CN" altLang="en-US" smtClean="0"/>
               <a:pPr/>
-              <a:t>2018/6/6</a:t>
+              <a:t>2018/6/11</a:t>
             </a:fld>
             <a:endParaRPr lang="zh-CN" altLang="en-US"/>
           </a:p>
@@ -2692,7 +2692,7 @@
             <a:fld id="{91AD7F68-8E1B-45E2-8A27-5D5DEAAB1BF2}" type="datetimeFigureOut">
               <a:rPr lang="zh-CN" altLang="en-US" smtClean="0"/>
               <a:pPr/>
-              <a:t>2018/6/6</a:t>
+              <a:t>2018/6/11</a:t>
             </a:fld>
             <a:endParaRPr lang="zh-CN" altLang="en-US"/>
           </a:p>
@@ -3070,7 +3070,7 @@
             <a:fld id="{91AD7F68-8E1B-45E2-8A27-5D5DEAAB1BF2}" type="datetimeFigureOut">
               <a:rPr lang="zh-CN" altLang="en-US" smtClean="0"/>
               <a:pPr/>
-              <a:t>2018/6/6</a:t>
+              <a:t>2018/6/11</a:t>
             </a:fld>
             <a:endParaRPr lang="zh-CN" altLang="en-US"/>
           </a:p>
@@ -3201,7 +3201,7 @@
             <a:fld id="{91AD7F68-8E1B-45E2-8A27-5D5DEAAB1BF2}" type="datetimeFigureOut">
               <a:rPr lang="zh-CN" altLang="en-US" smtClean="0"/>
               <a:pPr/>
-              <a:t>2018/6/6</a:t>
+              <a:t>2018/6/11</a:t>
             </a:fld>
             <a:endParaRPr lang="zh-CN" altLang="en-US"/>
           </a:p>
@@ -3310,7 +3310,7 @@
             <a:fld id="{91AD7F68-8E1B-45E2-8A27-5D5DEAAB1BF2}" type="datetimeFigureOut">
               <a:rPr lang="zh-CN" altLang="en-US" smtClean="0"/>
               <a:pPr/>
-              <a:t>2018/6/6</a:t>
+              <a:t>2018/6/11</a:t>
             </a:fld>
             <a:endParaRPr lang="zh-CN" altLang="en-US"/>
           </a:p>
@@ -3599,7 +3599,7 @@
             <a:fld id="{91AD7F68-8E1B-45E2-8A27-5D5DEAAB1BF2}" type="datetimeFigureOut">
               <a:rPr lang="zh-CN" altLang="en-US" smtClean="0"/>
               <a:pPr/>
-              <a:t>2018/6/6</a:t>
+              <a:t>2018/6/11</a:t>
             </a:fld>
             <a:endParaRPr lang="zh-CN" altLang="en-US"/>
           </a:p>
@@ -3865,7 +3865,7 @@
             <a:fld id="{91AD7F68-8E1B-45E2-8A27-5D5DEAAB1BF2}" type="datetimeFigureOut">
               <a:rPr lang="zh-CN" altLang="en-US" smtClean="0"/>
               <a:pPr/>
-              <a:t>2018/6/6</a:t>
+              <a:t>2018/6/11</a:t>
             </a:fld>
             <a:endParaRPr lang="zh-CN" altLang="en-US"/>
           </a:p>
@@ -4090,7 +4090,7 @@
             <a:fld id="{91AD7F68-8E1B-45E2-8A27-5D5DEAAB1BF2}" type="datetimeFigureOut">
               <a:rPr lang="zh-CN" altLang="en-US" smtClean="0"/>
               <a:pPr/>
-              <a:t>2018/6/6</a:t>
+              <a:t>2018/6/11</a:t>
             </a:fld>
             <a:endParaRPr lang="zh-CN" altLang="en-US"/>
           </a:p>
@@ -10671,6 +10671,16 @@
           <a:p>
             <a:pPr marL="0" lvl="1"/>
             <a:r>
+              <a:rPr lang="en-US" altLang="zh-CN" sz="2800" spc="300" dirty="0" err="1">
+                <a:solidFill>
+                  <a:srgbClr val="0D4960"/>
+                </a:solidFill>
+                <a:latin typeface="方正尚酷简体" panose="03000509000000000000" pitchFamily="65" charset="-122"/>
+                <a:ea typeface="方正尚酷简体" panose="03000509000000000000" pitchFamily="65" charset="-122"/>
+              </a:rPr>
+              <a:t>Mybatis</a:t>
+            </a:r>
+            <a:r>
               <a:rPr lang="en-US" altLang="zh-CN" sz="2800" spc="300" dirty="0">
                 <a:solidFill>
                   <a:srgbClr val="0D4960"/>
@@ -10678,8 +10688,25 @@
                 <a:latin typeface="方正尚酷简体" panose="03000509000000000000" pitchFamily="65" charset="-122"/>
                 <a:ea typeface="方正尚酷简体" panose="03000509000000000000" pitchFamily="65" charset="-122"/>
               </a:rPr>
-              <a:t>Configuration Class</a:t>
-            </a:r>
+              <a:t> + </a:t>
+            </a:r>
+            <a:r>
+              <a:rPr lang="en-US" altLang="zh-CN" sz="2800" spc="300" dirty="0" err="1">
+                <a:solidFill>
+                  <a:srgbClr val="0D4960"/>
+                </a:solidFill>
+                <a:latin typeface="方正尚酷简体" panose="03000509000000000000" pitchFamily="65" charset="-122"/>
+                <a:ea typeface="方正尚酷简体" panose="03000509000000000000" pitchFamily="65" charset="-122"/>
+              </a:rPr>
+              <a:t>Postgresql</a:t>
+            </a:r>
+            <a:endParaRPr lang="en-US" altLang="zh-CN" sz="2800" spc="300" dirty="0">
+              <a:solidFill>
+                <a:srgbClr val="0D4960"/>
+              </a:solidFill>
+              <a:latin typeface="方正尚酷简体" panose="03000509000000000000" pitchFamily="65" charset="-122"/>
+              <a:ea typeface="方正尚酷简体" panose="03000509000000000000" pitchFamily="65" charset="-122"/>
+            </a:endParaRPr>
           </a:p>
         </p:txBody>
       </p:sp>
@@ -10726,6 +10753,126 @@
           </a:fontRef>
         </p:style>
       </p:cxnSp>
+      <p:sp>
+        <p:nvSpPr>
+          <p:cNvPr id="8" name="TextBox 7">
+            <a:extLst>
+              <a:ext uri="{FF2B5EF4-FFF2-40B4-BE49-F238E27FC236}">
+                <a16:creationId xmlns:a16="http://schemas.microsoft.com/office/drawing/2014/main" id="{08544622-FC47-49FA-814B-B0C8A654A737}"/>
+              </a:ext>
+            </a:extLst>
+          </p:cNvPr>
+          <p:cNvSpPr txBox="1"/>
+          <p:nvPr/>
+        </p:nvSpPr>
+        <p:spPr>
+          <a:xfrm>
+            <a:off x="1220303" y="1413164"/>
+            <a:ext cx="4702313" cy="2585323"/>
+          </a:xfrm>
+          <a:prstGeom prst="rect">
+            <a:avLst/>
+          </a:prstGeom>
+          <a:noFill/>
+        </p:spPr>
+        <p:txBody>
+          <a:bodyPr wrap="none" rtlCol="0">
+            <a:spAutoFit/>
+          </a:bodyPr>
+          <a:lstStyle/>
+          <a:p>
+            <a:r>
+              <a:rPr lang="en-US" dirty="0"/>
+              <a:t>spring: </a:t>
+            </a:r>
+          </a:p>
+          <a:p>
+            <a:r>
+              <a:rPr lang="en-US" dirty="0"/>
+              <a:t>  </a:t>
+            </a:r>
+            <a:r>
+              <a:rPr lang="en-US" dirty="0" err="1"/>
+              <a:t>datasource</a:t>
+            </a:r>
+            <a:r>
+              <a:rPr lang="en-US" dirty="0"/>
+              <a:t>:</a:t>
+            </a:r>
+          </a:p>
+          <a:p>
+            <a:r>
+              <a:rPr lang="fr-FR" dirty="0"/>
+              <a:t>    url: </a:t>
+            </a:r>
+            <a:r>
+              <a:rPr lang="fr-FR" dirty="0" err="1"/>
+              <a:t>jdbc:postgresql</a:t>
+            </a:r>
+            <a:r>
+              <a:rPr lang="fr-FR" dirty="0"/>
+              <a:t>://localhost:5433/</a:t>
+            </a:r>
+            <a:r>
+              <a:rPr lang="fr-FR" dirty="0" err="1"/>
+              <a:t>postgres</a:t>
+            </a:r>
+            <a:endParaRPr lang="fr-FR" dirty="0"/>
+          </a:p>
+          <a:p>
+            <a:r>
+              <a:rPr lang="en-US" dirty="0"/>
+              <a:t>    username: </a:t>
+            </a:r>
+            <a:r>
+              <a:rPr lang="en-US" dirty="0" err="1"/>
+              <a:t>postgres</a:t>
+            </a:r>
+            <a:endParaRPr lang="en-US" dirty="0"/>
+          </a:p>
+          <a:p>
+            <a:r>
+              <a:rPr lang="en-US" dirty="0"/>
+              <a:t>    password: </a:t>
+            </a:r>
+            <a:r>
+              <a:rPr lang="en-US" dirty="0" err="1"/>
+              <a:t>postgres</a:t>
+            </a:r>
+            <a:endParaRPr lang="en-US" dirty="0"/>
+          </a:p>
+          <a:p>
+            <a:endParaRPr lang="en-US" dirty="0"/>
+          </a:p>
+          <a:p>
+            <a:r>
+              <a:rPr lang="en-US" dirty="0" err="1"/>
+              <a:t>mybatis</a:t>
+            </a:r>
+            <a:r>
+              <a:rPr lang="en-US" dirty="0"/>
+              <a:t>:</a:t>
+            </a:r>
+          </a:p>
+          <a:p>
+            <a:r>
+              <a:rPr lang="en-US" dirty="0"/>
+              <a:t>  configuration:</a:t>
+            </a:r>
+          </a:p>
+          <a:p>
+            <a:r>
+              <a:rPr lang="en-US" dirty="0"/>
+              <a:t>    map-underscore-to-camel-case: </a:t>
+            </a:r>
+            <a:r>
+              <a:rPr lang="en-US" b="1" dirty="0"/>
+              <a:t>true</a:t>
+            </a:r>
+            <a:endParaRPr lang="en-US" dirty="0"/>
+          </a:p>
+        </p:txBody>
+      </p:sp>
     </p:spTree>
     <p:extLst>
       <p:ext uri="{BB962C8B-B14F-4D97-AF65-F5344CB8AC3E}">
@@ -11219,7 +11366,7 @@
                 <a:latin typeface="方正尚酷简体" panose="03000509000000000000" pitchFamily="65" charset="-122"/>
                 <a:ea typeface="方正尚酷简体" panose="03000509000000000000" pitchFamily="65" charset="-122"/>
               </a:rPr>
-              <a:t>Configuration Class</a:t>
+              <a:t>Kafka</a:t>
             </a:r>
           </a:p>
         </p:txBody>
@@ -11267,6 +11414,78 @@
           </a:fontRef>
         </p:style>
       </p:cxnSp>
+      <p:sp>
+        <p:nvSpPr>
+          <p:cNvPr id="8" name="TextBox 7">
+            <a:extLst>
+              <a:ext uri="{FF2B5EF4-FFF2-40B4-BE49-F238E27FC236}">
+                <a16:creationId xmlns:a16="http://schemas.microsoft.com/office/drawing/2014/main" id="{F5C102B0-42A9-4110-B52E-62380654F16D}"/>
+              </a:ext>
+            </a:extLst>
+          </p:cNvPr>
+          <p:cNvSpPr txBox="1"/>
+          <p:nvPr/>
+        </p:nvSpPr>
+        <p:spPr>
+          <a:xfrm>
+            <a:off x="696949" y="893618"/>
+            <a:ext cx="3539880" cy="1477328"/>
+          </a:xfrm>
+          <a:prstGeom prst="rect">
+            <a:avLst/>
+          </a:prstGeom>
+          <a:noFill/>
+        </p:spPr>
+        <p:txBody>
+          <a:bodyPr wrap="none" rtlCol="0">
+            <a:spAutoFit/>
+          </a:bodyPr>
+          <a:lstStyle/>
+          <a:p>
+            <a:r>
+              <a:rPr lang="en-US" dirty="0"/>
+              <a:t>spring:</a:t>
+            </a:r>
+          </a:p>
+          <a:p>
+            <a:r>
+              <a:rPr lang="en-US" dirty="0"/>
+              <a:t>  </a:t>
+            </a:r>
+            <a:r>
+              <a:rPr lang="en-US" dirty="0" err="1"/>
+              <a:t>kafka</a:t>
+            </a:r>
+            <a:r>
+              <a:rPr lang="en-US" dirty="0"/>
+              <a:t>:</a:t>
+            </a:r>
+          </a:p>
+          <a:p>
+            <a:r>
+              <a:rPr lang="en-US" dirty="0"/>
+              <a:t>    bootstrap-servers: localhost:9092</a:t>
+            </a:r>
+          </a:p>
+          <a:p>
+            <a:r>
+              <a:rPr lang="en-US" dirty="0"/>
+              <a:t>    consumer:</a:t>
+            </a:r>
+          </a:p>
+          <a:p>
+            <a:r>
+              <a:rPr lang="en-US" dirty="0"/>
+              <a:t>      group-id: </a:t>
+            </a:r>
+            <a:r>
+              <a:rPr lang="en-US" dirty="0" err="1"/>
+              <a:t>mygroup</a:t>
+            </a:r>
+            <a:endParaRPr lang="en-US" dirty="0"/>
+          </a:p>
+        </p:txBody>
+      </p:sp>
     </p:spTree>
     <p:extLst>
       <p:ext uri="{BB962C8B-B14F-4D97-AF65-F5344CB8AC3E}">

--- a/springboot.pptx
+++ b/springboot.pptx
@@ -241,7 +241,7 @@
             <a:fld id="{05B1D5F9-199E-4B77-ACFB-0D659EE03F6C}" type="datetimeFigureOut">
               <a:rPr lang="zh-CN" altLang="en-US" smtClean="0"/>
               <a:pPr/>
-              <a:t>2018/6/11</a:t>
+              <a:t>2018/6/12</a:t>
             </a:fld>
             <a:endParaRPr lang="zh-CN" altLang="en-US"/>
           </a:p>
@@ -1634,7 +1634,7 @@
             <a:fld id="{91AD7F68-8E1B-45E2-8A27-5D5DEAAB1BF2}" type="datetimeFigureOut">
               <a:rPr lang="zh-CN" altLang="en-US" smtClean="0"/>
               <a:pPr/>
-              <a:t>2018/6/11</a:t>
+              <a:t>2018/6/12</a:t>
             </a:fld>
             <a:endParaRPr lang="zh-CN" altLang="en-US"/>
           </a:p>
@@ -1816,7 +1816,7 @@
             <a:fld id="{91AD7F68-8E1B-45E2-8A27-5D5DEAAB1BF2}" type="datetimeFigureOut">
               <a:rPr lang="zh-CN" altLang="en-US" smtClean="0"/>
               <a:pPr/>
-              <a:t>2018/6/11</a:t>
+              <a:t>2018/6/12</a:t>
             </a:fld>
             <a:endParaRPr lang="zh-CN" altLang="en-US"/>
           </a:p>
@@ -2008,7 +2008,7 @@
             <a:fld id="{91AD7F68-8E1B-45E2-8A27-5D5DEAAB1BF2}" type="datetimeFigureOut">
               <a:rPr lang="zh-CN" altLang="en-US" smtClean="0"/>
               <a:pPr/>
-              <a:t>2018/6/11</a:t>
+              <a:t>2018/6/12</a:t>
             </a:fld>
             <a:endParaRPr lang="zh-CN" altLang="en-US"/>
           </a:p>
@@ -2190,7 +2190,7 @@
             <a:fld id="{91AD7F68-8E1B-45E2-8A27-5D5DEAAB1BF2}" type="datetimeFigureOut">
               <a:rPr lang="zh-CN" altLang="en-US" smtClean="0"/>
               <a:pPr/>
-              <a:t>2018/6/11</a:t>
+              <a:t>2018/6/12</a:t>
             </a:fld>
             <a:endParaRPr lang="zh-CN" altLang="en-US"/>
           </a:p>
@@ -2449,7 +2449,7 @@
             <a:fld id="{91AD7F68-8E1B-45E2-8A27-5D5DEAAB1BF2}" type="datetimeFigureOut">
               <a:rPr lang="zh-CN" altLang="en-US" smtClean="0"/>
               <a:pPr/>
-              <a:t>2018/6/11</a:t>
+              <a:t>2018/6/12</a:t>
             </a:fld>
             <a:endParaRPr lang="zh-CN" altLang="en-US"/>
           </a:p>
@@ -2692,7 +2692,7 @@
             <a:fld id="{91AD7F68-8E1B-45E2-8A27-5D5DEAAB1BF2}" type="datetimeFigureOut">
               <a:rPr lang="zh-CN" altLang="en-US" smtClean="0"/>
               <a:pPr/>
-              <a:t>2018/6/11</a:t>
+              <a:t>2018/6/12</a:t>
             </a:fld>
             <a:endParaRPr lang="zh-CN" altLang="en-US"/>
           </a:p>
@@ -3070,7 +3070,7 @@
             <a:fld id="{91AD7F68-8E1B-45E2-8A27-5D5DEAAB1BF2}" type="datetimeFigureOut">
               <a:rPr lang="zh-CN" altLang="en-US" smtClean="0"/>
               <a:pPr/>
-              <a:t>2018/6/11</a:t>
+              <a:t>2018/6/12</a:t>
             </a:fld>
             <a:endParaRPr lang="zh-CN" altLang="en-US"/>
           </a:p>
@@ -3201,7 +3201,7 @@
             <a:fld id="{91AD7F68-8E1B-45E2-8A27-5D5DEAAB1BF2}" type="datetimeFigureOut">
               <a:rPr lang="zh-CN" altLang="en-US" smtClean="0"/>
               <a:pPr/>
-              <a:t>2018/6/11</a:t>
+              <a:t>2018/6/12</a:t>
             </a:fld>
             <a:endParaRPr lang="zh-CN" altLang="en-US"/>
           </a:p>
@@ -3310,7 +3310,7 @@
             <a:fld id="{91AD7F68-8E1B-45E2-8A27-5D5DEAAB1BF2}" type="datetimeFigureOut">
               <a:rPr lang="zh-CN" altLang="en-US" smtClean="0"/>
               <a:pPr/>
-              <a:t>2018/6/11</a:t>
+              <a:t>2018/6/12</a:t>
             </a:fld>
             <a:endParaRPr lang="zh-CN" altLang="en-US"/>
           </a:p>
@@ -3599,7 +3599,7 @@
             <a:fld id="{91AD7F68-8E1B-45E2-8A27-5D5DEAAB1BF2}" type="datetimeFigureOut">
               <a:rPr lang="zh-CN" altLang="en-US" smtClean="0"/>
               <a:pPr/>
-              <a:t>2018/6/11</a:t>
+              <a:t>2018/6/12</a:t>
             </a:fld>
             <a:endParaRPr lang="zh-CN" altLang="en-US"/>
           </a:p>
@@ -3865,7 +3865,7 @@
             <a:fld id="{91AD7F68-8E1B-45E2-8A27-5D5DEAAB1BF2}" type="datetimeFigureOut">
               <a:rPr lang="zh-CN" altLang="en-US" smtClean="0"/>
               <a:pPr/>
-              <a:t>2018/6/11</a:t>
+              <a:t>2018/6/12</a:t>
             </a:fld>
             <a:endParaRPr lang="zh-CN" altLang="en-US"/>
           </a:p>
@@ -4090,7 +4090,7 @@
             <a:fld id="{91AD7F68-8E1B-45E2-8A27-5D5DEAAB1BF2}" type="datetimeFigureOut">
               <a:rPr lang="zh-CN" altLang="en-US" smtClean="0"/>
               <a:pPr/>
-              <a:t>2018/6/11</a:t>
+              <a:t>2018/6/12</a:t>
             </a:fld>
             <a:endParaRPr lang="zh-CN" altLang="en-US"/>
           </a:p>
@@ -10868,6 +10868,100 @@
             <a:r>
               <a:rPr lang="en-US" b="1" dirty="0"/>
               <a:t>true</a:t>
+            </a:r>
+            <a:endParaRPr lang="en-US" dirty="0"/>
+          </a:p>
+        </p:txBody>
+      </p:sp>
+      <p:sp>
+        <p:nvSpPr>
+          <p:cNvPr id="9" name="TextBox 8">
+            <a:extLst>
+              <a:ext uri="{FF2B5EF4-FFF2-40B4-BE49-F238E27FC236}">
+                <a16:creationId xmlns:a16="http://schemas.microsoft.com/office/drawing/2014/main" id="{F609F0F0-992B-4C3B-B66A-DD30F0CAFA1A}"/>
+              </a:ext>
+            </a:extLst>
+          </p:cNvPr>
+          <p:cNvSpPr txBox="1"/>
+          <p:nvPr/>
+        </p:nvSpPr>
+        <p:spPr>
+          <a:xfrm>
+            <a:off x="3628634" y="834195"/>
+            <a:ext cx="7963719" cy="646331"/>
+          </a:xfrm>
+          <a:prstGeom prst="rect">
+            <a:avLst/>
+          </a:prstGeom>
+        </p:spPr>
+        <p:style>
+          <a:lnRef idx="2">
+            <a:schemeClr val="accent2"/>
+          </a:lnRef>
+          <a:fillRef idx="1">
+            <a:schemeClr val="lt1"/>
+          </a:fillRef>
+          <a:effectRef idx="0">
+            <a:schemeClr val="accent2"/>
+          </a:effectRef>
+          <a:fontRef idx="minor">
+            <a:schemeClr val="dk1"/>
+          </a:fontRef>
+        </p:style>
+        <p:txBody>
+          <a:bodyPr wrap="none" rtlCol="0">
+            <a:spAutoFit/>
+          </a:bodyPr>
+          <a:lstStyle/>
+          <a:p>
+            <a:pPr algn="ctr"/>
+            <a:r>
+              <a:rPr lang="zh-CN" altLang="en-US" dirty="0"/>
+              <a:t>自增长</a:t>
+            </a:r>
+            <a:endParaRPr lang="en-US" altLang="zh-CN" dirty="0"/>
+          </a:p>
+          <a:p>
+            <a:pPr algn="ctr"/>
+            <a:r>
+              <a:rPr lang="en-US" dirty="0"/>
+              <a:t>@Options(</a:t>
+            </a:r>
+            <a:r>
+              <a:rPr lang="en-US" dirty="0" err="1"/>
+              <a:t>useGeneratedKeys</a:t>
+            </a:r>
+            <a:r>
+              <a:rPr lang="en-US" dirty="0"/>
+              <a:t> = </a:t>
+            </a:r>
+            <a:r>
+              <a:rPr lang="en-US" b="1" dirty="0"/>
+              <a:t>true, </a:t>
+            </a:r>
+            <a:r>
+              <a:rPr lang="en-US" b="1" dirty="0" err="1"/>
+              <a:t>keyProperty</a:t>
+            </a:r>
+            <a:r>
+              <a:rPr lang="en-US" b="1" dirty="0"/>
+              <a:t> = "</a:t>
+            </a:r>
+            <a:r>
+              <a:rPr lang="en-US" b="1" dirty="0" err="1"/>
+              <a:t>user.kid</a:t>
+            </a:r>
+            <a:r>
+              <a:rPr lang="en-US" b="1" dirty="0"/>
+              <a:t>", </a:t>
+            </a:r>
+            <a:r>
+              <a:rPr lang="en-US" b="1" dirty="0" err="1"/>
+              <a:t>keyColumn</a:t>
+            </a:r>
+            <a:r>
+              <a:rPr lang="en-US" b="1" dirty="0"/>
+              <a:t> = "kid")</a:t>
             </a:r>
             <a:endParaRPr lang="en-US" dirty="0"/>
           </a:p>

--- a/springboot.pptx
+++ b/springboot.pptx
@@ -19,9 +19,9 @@
     <p:sldId id="314" r:id="rId10"/>
     <p:sldId id="315" r:id="rId11"/>
     <p:sldId id="316" r:id="rId12"/>
-    <p:sldId id="317" r:id="rId13"/>
-    <p:sldId id="318" r:id="rId14"/>
-    <p:sldId id="319" r:id="rId15"/>
+    <p:sldId id="318" r:id="rId13"/>
+    <p:sldId id="319" r:id="rId14"/>
+    <p:sldId id="317" r:id="rId15"/>
     <p:sldId id="320" r:id="rId16"/>
     <p:sldId id="321" r:id="rId17"/>
     <p:sldId id="322" r:id="rId18"/>
@@ -129,7 +129,7 @@
   </p:defaultTextStyle>
   <p:extLst>
     <p:ext uri="{EFAFB233-063F-42B5-8137-9DF3F51BA10A}">
-      <p15:sldGuideLst xmlns:p15="http://schemas.microsoft.com/office/powerpoint/2012/main">
+      <p15:sldGuideLst xmlns:p15="http://schemas.microsoft.com/office/powerpoint/2012/main" xmlns="">
         <p15:guide id="1" orient="horz" pos="2160" userDrawn="1">
           <p15:clr>
             <a:srgbClr val="A4A3A4"/>
@@ -151,7 +151,7 @@
   <p:cmAuthor id="1" name="Shigui Yu" initials="SY" lastIdx="1" clrIdx="0">
     <p:extLst>
       <p:ext uri="{19B8F6BF-5375-455C-9EA6-DF929625EA0E}">
-        <p15:presenceInfo xmlns:p15="http://schemas.microsoft.com/office/powerpoint/2012/main" userId="S-1-5-21-1538607324-3213881460-940295383-1567477" providerId="AD"/>
+        <p15:presenceInfo xmlns:p15="http://schemas.microsoft.com/office/powerpoint/2012/main" xmlns="" userId="S-1-5-21-1538607324-3213881460-940295383-1567477" providerId="AD"/>
       </p:ext>
     </p:extLst>
   </p:cmAuthor>
@@ -241,7 +241,7 @@
             <a:fld id="{05B1D5F9-199E-4B77-ACFB-0D659EE03F6C}" type="datetimeFigureOut">
               <a:rPr lang="zh-CN" altLang="en-US" smtClean="0"/>
               <a:pPr/>
-              <a:t>2018/6/11</a:t>
+              <a:t>2018/6/21 Thursday</a:t>
             </a:fld>
             <a:endParaRPr lang="zh-CN" altLang="en-US"/>
           </a:p>
@@ -409,7 +409,7 @@
     </p:spTree>
     <p:extLst>
       <p:ext uri="{BB962C8B-B14F-4D97-AF65-F5344CB8AC3E}">
-        <p14:creationId xmlns:p14="http://schemas.microsoft.com/office/powerpoint/2010/main" val="4136795833"/>
+        <p14:creationId xmlns:p14="http://schemas.microsoft.com/office/powerpoint/2010/main" xmlns="" val="4136795833"/>
       </p:ext>
     </p:extLst>
   </p:cSld>
@@ -584,7 +584,7 @@
     </p:spTree>
     <p:extLst>
       <p:ext uri="{BB962C8B-B14F-4D97-AF65-F5344CB8AC3E}">
-        <p14:creationId xmlns:p14="http://schemas.microsoft.com/office/powerpoint/2010/main" val="2594768037"/>
+        <p14:creationId xmlns:p14="http://schemas.microsoft.com/office/powerpoint/2010/main" xmlns="" val="2594768037"/>
       </p:ext>
     </p:extLst>
   </p:cSld>
@@ -669,7 +669,7 @@
     </p:spTree>
     <p:extLst>
       <p:ext uri="{BB962C8B-B14F-4D97-AF65-F5344CB8AC3E}">
-        <p14:creationId xmlns:p14="http://schemas.microsoft.com/office/powerpoint/2010/main" val="2506518844"/>
+        <p14:creationId xmlns:p14="http://schemas.microsoft.com/office/powerpoint/2010/main" xmlns="" val="2506518844"/>
       </p:ext>
     </p:extLst>
   </p:cSld>
@@ -1494,7 +1494,7 @@
     </p:spTree>
     <p:extLst>
       <p:ext uri="{BB962C8B-B14F-4D97-AF65-F5344CB8AC3E}">
-        <p14:creationId xmlns:p14="http://schemas.microsoft.com/office/powerpoint/2010/main" val="634933918"/>
+        <p14:creationId xmlns:p14="http://schemas.microsoft.com/office/powerpoint/2010/main" xmlns="" val="634933918"/>
       </p:ext>
     </p:extLst>
   </p:cSld>
@@ -1634,7 +1634,7 @@
             <a:fld id="{91AD7F68-8E1B-45E2-8A27-5D5DEAAB1BF2}" type="datetimeFigureOut">
               <a:rPr lang="zh-CN" altLang="en-US" smtClean="0"/>
               <a:pPr/>
-              <a:t>2018/6/11</a:t>
+              <a:t>2018/6/21 Thursday</a:t>
             </a:fld>
             <a:endParaRPr lang="zh-CN" altLang="en-US"/>
           </a:p>
@@ -1686,20 +1686,20 @@
     </p:spTree>
     <p:extLst>
       <p:ext uri="{BB962C8B-B14F-4D97-AF65-F5344CB8AC3E}">
-        <p14:creationId xmlns:p14="http://schemas.microsoft.com/office/powerpoint/2010/main" val="3379505774"/>
+        <p14:creationId xmlns:p14="http://schemas.microsoft.com/office/powerpoint/2010/main" xmlns="" val="3379505774"/>
       </p:ext>
     </p:extLst>
   </p:cSld>
   <p:clrMapOvr>
     <a:masterClrMapping/>
   </p:clrMapOvr>
-  <mc:AlternateContent xmlns:mc="http://schemas.openxmlformats.org/markup-compatibility/2006" xmlns:p14="http://schemas.microsoft.com/office/powerpoint/2010/main">
-    <mc:Choice Requires="p14">
+  <mc:AlternateContent xmlns:mc="http://schemas.openxmlformats.org/markup-compatibility/2006">
+    <mc:Choice xmlns:p14="http://schemas.microsoft.com/office/powerpoint/2010/main" xmlns="" Requires="p14">
       <p:transition spd="slow" p14:dur="1500" advClick="0" advTm="0">
         <p:random/>
       </p:transition>
     </mc:Choice>
-    <mc:Fallback xmlns="">
+    <mc:Fallback>
       <p:transition spd="slow" advClick="0" advTm="0">
         <p:random/>
       </p:transition>
@@ -1816,7 +1816,7 @@
             <a:fld id="{91AD7F68-8E1B-45E2-8A27-5D5DEAAB1BF2}" type="datetimeFigureOut">
               <a:rPr lang="zh-CN" altLang="en-US" smtClean="0"/>
               <a:pPr/>
-              <a:t>2018/6/11</a:t>
+              <a:t>2018/6/21 Thursday</a:t>
             </a:fld>
             <a:endParaRPr lang="zh-CN" altLang="en-US"/>
           </a:p>
@@ -1868,20 +1868,20 @@
     </p:spTree>
     <p:extLst>
       <p:ext uri="{BB962C8B-B14F-4D97-AF65-F5344CB8AC3E}">
-        <p14:creationId xmlns:p14="http://schemas.microsoft.com/office/powerpoint/2010/main" val="4292131042"/>
+        <p14:creationId xmlns:p14="http://schemas.microsoft.com/office/powerpoint/2010/main" xmlns="" val="4292131042"/>
       </p:ext>
     </p:extLst>
   </p:cSld>
   <p:clrMapOvr>
     <a:masterClrMapping/>
   </p:clrMapOvr>
-  <mc:AlternateContent xmlns:mc="http://schemas.openxmlformats.org/markup-compatibility/2006" xmlns:p14="http://schemas.microsoft.com/office/powerpoint/2010/main">
-    <mc:Choice Requires="p14">
+  <mc:AlternateContent xmlns:mc="http://schemas.openxmlformats.org/markup-compatibility/2006">
+    <mc:Choice xmlns:p14="http://schemas.microsoft.com/office/powerpoint/2010/main" xmlns="" Requires="p14">
       <p:transition spd="slow" p14:dur="1500" advClick="0" advTm="0">
         <p:random/>
       </p:transition>
     </mc:Choice>
-    <mc:Fallback xmlns="">
+    <mc:Fallback>
       <p:transition spd="slow" advClick="0" advTm="0">
         <p:random/>
       </p:transition>
@@ -2008,7 +2008,7 @@
             <a:fld id="{91AD7F68-8E1B-45E2-8A27-5D5DEAAB1BF2}" type="datetimeFigureOut">
               <a:rPr lang="zh-CN" altLang="en-US" smtClean="0"/>
               <a:pPr/>
-              <a:t>2018/6/11</a:t>
+              <a:t>2018/6/21 Thursday</a:t>
             </a:fld>
             <a:endParaRPr lang="zh-CN" altLang="en-US"/>
           </a:p>
@@ -2060,20 +2060,20 @@
     </p:spTree>
     <p:extLst>
       <p:ext uri="{BB962C8B-B14F-4D97-AF65-F5344CB8AC3E}">
-        <p14:creationId xmlns:p14="http://schemas.microsoft.com/office/powerpoint/2010/main" val="1952128637"/>
+        <p14:creationId xmlns:p14="http://schemas.microsoft.com/office/powerpoint/2010/main" xmlns="" val="1952128637"/>
       </p:ext>
     </p:extLst>
   </p:cSld>
   <p:clrMapOvr>
     <a:masterClrMapping/>
   </p:clrMapOvr>
-  <mc:AlternateContent xmlns:mc="http://schemas.openxmlformats.org/markup-compatibility/2006" xmlns:p14="http://schemas.microsoft.com/office/powerpoint/2010/main">
-    <mc:Choice Requires="p14">
+  <mc:AlternateContent xmlns:mc="http://schemas.openxmlformats.org/markup-compatibility/2006">
+    <mc:Choice xmlns:p14="http://schemas.microsoft.com/office/powerpoint/2010/main" xmlns="" Requires="p14">
       <p:transition spd="slow" p14:dur="1500" advClick="0" advTm="0">
         <p:random/>
       </p:transition>
     </mc:Choice>
-    <mc:Fallback xmlns="">
+    <mc:Fallback>
       <p:transition spd="slow" advClick="0" advTm="0">
         <p:random/>
       </p:transition>
@@ -2190,7 +2190,7 @@
             <a:fld id="{91AD7F68-8E1B-45E2-8A27-5D5DEAAB1BF2}" type="datetimeFigureOut">
               <a:rPr lang="zh-CN" altLang="en-US" smtClean="0"/>
               <a:pPr/>
-              <a:t>2018/6/11</a:t>
+              <a:t>2018/6/21 Thursday</a:t>
             </a:fld>
             <a:endParaRPr lang="zh-CN" altLang="en-US"/>
           </a:p>
@@ -2242,20 +2242,20 @@
     </p:spTree>
     <p:extLst>
       <p:ext uri="{BB962C8B-B14F-4D97-AF65-F5344CB8AC3E}">
-        <p14:creationId xmlns:p14="http://schemas.microsoft.com/office/powerpoint/2010/main" val="4173798514"/>
+        <p14:creationId xmlns:p14="http://schemas.microsoft.com/office/powerpoint/2010/main" xmlns="" val="4173798514"/>
       </p:ext>
     </p:extLst>
   </p:cSld>
   <p:clrMapOvr>
     <a:masterClrMapping/>
   </p:clrMapOvr>
-  <mc:AlternateContent xmlns:mc="http://schemas.openxmlformats.org/markup-compatibility/2006" xmlns:p14="http://schemas.microsoft.com/office/powerpoint/2010/main">
-    <mc:Choice Requires="p14">
+  <mc:AlternateContent xmlns:mc="http://schemas.openxmlformats.org/markup-compatibility/2006">
+    <mc:Choice xmlns:p14="http://schemas.microsoft.com/office/powerpoint/2010/main" xmlns="" Requires="p14">
       <p:transition spd="slow" p14:dur="1500" advClick="0" advTm="0">
         <p:random/>
       </p:transition>
     </mc:Choice>
-    <mc:Fallback xmlns="">
+    <mc:Fallback>
       <p:transition spd="slow" advClick="0" advTm="0">
         <p:random/>
       </p:transition>
@@ -2449,7 +2449,7 @@
             <a:fld id="{91AD7F68-8E1B-45E2-8A27-5D5DEAAB1BF2}" type="datetimeFigureOut">
               <a:rPr lang="zh-CN" altLang="en-US" smtClean="0"/>
               <a:pPr/>
-              <a:t>2018/6/11</a:t>
+              <a:t>2018/6/21 Thursday</a:t>
             </a:fld>
             <a:endParaRPr lang="zh-CN" altLang="en-US"/>
           </a:p>
@@ -2501,20 +2501,20 @@
     </p:spTree>
     <p:extLst>
       <p:ext uri="{BB962C8B-B14F-4D97-AF65-F5344CB8AC3E}">
-        <p14:creationId xmlns:p14="http://schemas.microsoft.com/office/powerpoint/2010/main" val="2343028950"/>
+        <p14:creationId xmlns:p14="http://schemas.microsoft.com/office/powerpoint/2010/main" xmlns="" val="2343028950"/>
       </p:ext>
     </p:extLst>
   </p:cSld>
   <p:clrMapOvr>
     <a:masterClrMapping/>
   </p:clrMapOvr>
-  <mc:AlternateContent xmlns:mc="http://schemas.openxmlformats.org/markup-compatibility/2006" xmlns:p14="http://schemas.microsoft.com/office/powerpoint/2010/main">
-    <mc:Choice Requires="p14">
+  <mc:AlternateContent xmlns:mc="http://schemas.openxmlformats.org/markup-compatibility/2006">
+    <mc:Choice xmlns:p14="http://schemas.microsoft.com/office/powerpoint/2010/main" xmlns="" Requires="p14">
       <p:transition spd="slow" p14:dur="1500" advClick="0" advTm="0">
         <p:random/>
       </p:transition>
     </mc:Choice>
-    <mc:Fallback xmlns="">
+    <mc:Fallback>
       <p:transition spd="slow" advClick="0" advTm="0">
         <p:random/>
       </p:transition>
@@ -2692,7 +2692,7 @@
             <a:fld id="{91AD7F68-8E1B-45E2-8A27-5D5DEAAB1BF2}" type="datetimeFigureOut">
               <a:rPr lang="zh-CN" altLang="en-US" smtClean="0"/>
               <a:pPr/>
-              <a:t>2018/6/11</a:t>
+              <a:t>2018/6/21 Thursday</a:t>
             </a:fld>
             <a:endParaRPr lang="zh-CN" altLang="en-US"/>
           </a:p>
@@ -2744,20 +2744,20 @@
     </p:spTree>
     <p:extLst>
       <p:ext uri="{BB962C8B-B14F-4D97-AF65-F5344CB8AC3E}">
-        <p14:creationId xmlns:p14="http://schemas.microsoft.com/office/powerpoint/2010/main" val="1951757828"/>
+        <p14:creationId xmlns:p14="http://schemas.microsoft.com/office/powerpoint/2010/main" xmlns="" val="1951757828"/>
       </p:ext>
     </p:extLst>
   </p:cSld>
   <p:clrMapOvr>
     <a:masterClrMapping/>
   </p:clrMapOvr>
-  <mc:AlternateContent xmlns:mc="http://schemas.openxmlformats.org/markup-compatibility/2006" xmlns:p14="http://schemas.microsoft.com/office/powerpoint/2010/main">
-    <mc:Choice Requires="p14">
+  <mc:AlternateContent xmlns:mc="http://schemas.openxmlformats.org/markup-compatibility/2006">
+    <mc:Choice xmlns:p14="http://schemas.microsoft.com/office/powerpoint/2010/main" xmlns="" Requires="p14">
       <p:transition spd="slow" p14:dur="1500" advClick="0" advTm="0">
         <p:random/>
       </p:transition>
     </mc:Choice>
-    <mc:Fallback xmlns="">
+    <mc:Fallback>
       <p:transition spd="slow" advClick="0" advTm="0">
         <p:random/>
       </p:transition>
@@ -3070,7 +3070,7 @@
             <a:fld id="{91AD7F68-8E1B-45E2-8A27-5D5DEAAB1BF2}" type="datetimeFigureOut">
               <a:rPr lang="zh-CN" altLang="en-US" smtClean="0"/>
               <a:pPr/>
-              <a:t>2018/6/11</a:t>
+              <a:t>2018/6/21 Thursday</a:t>
             </a:fld>
             <a:endParaRPr lang="zh-CN" altLang="en-US"/>
           </a:p>
@@ -3122,20 +3122,20 @@
     </p:spTree>
     <p:extLst>
       <p:ext uri="{BB962C8B-B14F-4D97-AF65-F5344CB8AC3E}">
-        <p14:creationId xmlns:p14="http://schemas.microsoft.com/office/powerpoint/2010/main" val="3785743930"/>
+        <p14:creationId xmlns:p14="http://schemas.microsoft.com/office/powerpoint/2010/main" xmlns="" val="3785743930"/>
       </p:ext>
     </p:extLst>
   </p:cSld>
   <p:clrMapOvr>
     <a:masterClrMapping/>
   </p:clrMapOvr>
-  <mc:AlternateContent xmlns:mc="http://schemas.openxmlformats.org/markup-compatibility/2006" xmlns:p14="http://schemas.microsoft.com/office/powerpoint/2010/main">
-    <mc:Choice Requires="p14">
+  <mc:AlternateContent xmlns:mc="http://schemas.openxmlformats.org/markup-compatibility/2006">
+    <mc:Choice xmlns:p14="http://schemas.microsoft.com/office/powerpoint/2010/main" xmlns="" Requires="p14">
       <p:transition spd="slow" p14:dur="1500" advClick="0" advTm="0">
         <p:random/>
       </p:transition>
     </mc:Choice>
-    <mc:Fallback xmlns="">
+    <mc:Fallback>
       <p:transition spd="slow" advClick="0" advTm="0">
         <p:random/>
       </p:transition>
@@ -3201,7 +3201,7 @@
             <a:fld id="{91AD7F68-8E1B-45E2-8A27-5D5DEAAB1BF2}" type="datetimeFigureOut">
               <a:rPr lang="zh-CN" altLang="en-US" smtClean="0"/>
               <a:pPr/>
-              <a:t>2018/6/11</a:t>
+              <a:t>2018/6/21 Thursday</a:t>
             </a:fld>
             <a:endParaRPr lang="zh-CN" altLang="en-US"/>
           </a:p>
@@ -3253,20 +3253,20 @@
     </p:spTree>
     <p:extLst>
       <p:ext uri="{BB962C8B-B14F-4D97-AF65-F5344CB8AC3E}">
-        <p14:creationId xmlns:p14="http://schemas.microsoft.com/office/powerpoint/2010/main" val="1272998583"/>
+        <p14:creationId xmlns:p14="http://schemas.microsoft.com/office/powerpoint/2010/main" xmlns="" val="1272998583"/>
       </p:ext>
     </p:extLst>
   </p:cSld>
   <p:clrMapOvr>
     <a:masterClrMapping/>
   </p:clrMapOvr>
-  <mc:AlternateContent xmlns:mc="http://schemas.openxmlformats.org/markup-compatibility/2006" xmlns:p14="http://schemas.microsoft.com/office/powerpoint/2010/main">
-    <mc:Choice Requires="p14">
+  <mc:AlternateContent xmlns:mc="http://schemas.openxmlformats.org/markup-compatibility/2006">
+    <mc:Choice xmlns:p14="http://schemas.microsoft.com/office/powerpoint/2010/main" xmlns="" Requires="p14">
       <p:transition spd="slow" p14:dur="1500" advClick="0" advTm="0">
         <p:random/>
       </p:transition>
     </mc:Choice>
-    <mc:Fallback xmlns="">
+    <mc:Fallback>
       <p:transition spd="slow" advClick="0" advTm="0">
         <p:random/>
       </p:transition>
@@ -3310,7 +3310,7 @@
             <a:fld id="{91AD7F68-8E1B-45E2-8A27-5D5DEAAB1BF2}" type="datetimeFigureOut">
               <a:rPr lang="zh-CN" altLang="en-US" smtClean="0"/>
               <a:pPr/>
-              <a:t>2018/6/11</a:t>
+              <a:t>2018/6/21 Thursday</a:t>
             </a:fld>
             <a:endParaRPr lang="zh-CN" altLang="en-US"/>
           </a:p>
@@ -3362,20 +3362,20 @@
     </p:spTree>
     <p:extLst>
       <p:ext uri="{BB962C8B-B14F-4D97-AF65-F5344CB8AC3E}">
-        <p14:creationId xmlns:p14="http://schemas.microsoft.com/office/powerpoint/2010/main" val="2103091704"/>
+        <p14:creationId xmlns:p14="http://schemas.microsoft.com/office/powerpoint/2010/main" xmlns="" val="2103091704"/>
       </p:ext>
     </p:extLst>
   </p:cSld>
   <p:clrMapOvr>
     <a:masterClrMapping/>
   </p:clrMapOvr>
-  <mc:AlternateContent xmlns:mc="http://schemas.openxmlformats.org/markup-compatibility/2006" xmlns:p14="http://schemas.microsoft.com/office/powerpoint/2010/main">
-    <mc:Choice Requires="p14">
+  <mc:AlternateContent xmlns:mc="http://schemas.openxmlformats.org/markup-compatibility/2006">
+    <mc:Choice xmlns:p14="http://schemas.microsoft.com/office/powerpoint/2010/main" xmlns="" Requires="p14">
       <p:transition spd="slow" p14:dur="1500" advClick="0" advTm="0">
         <p:random/>
       </p:transition>
     </mc:Choice>
-    <mc:Fallback xmlns="">
+    <mc:Fallback>
       <p:transition spd="slow" advClick="0" advTm="0">
         <p:random/>
       </p:transition>
@@ -3599,7 +3599,7 @@
             <a:fld id="{91AD7F68-8E1B-45E2-8A27-5D5DEAAB1BF2}" type="datetimeFigureOut">
               <a:rPr lang="zh-CN" altLang="en-US" smtClean="0"/>
               <a:pPr/>
-              <a:t>2018/6/11</a:t>
+              <a:t>2018/6/21 Thursday</a:t>
             </a:fld>
             <a:endParaRPr lang="zh-CN" altLang="en-US"/>
           </a:p>
@@ -3651,20 +3651,20 @@
     </p:spTree>
     <p:extLst>
       <p:ext uri="{BB962C8B-B14F-4D97-AF65-F5344CB8AC3E}">
-        <p14:creationId xmlns:p14="http://schemas.microsoft.com/office/powerpoint/2010/main" val="2275436477"/>
+        <p14:creationId xmlns:p14="http://schemas.microsoft.com/office/powerpoint/2010/main" xmlns="" val="2275436477"/>
       </p:ext>
     </p:extLst>
   </p:cSld>
   <p:clrMapOvr>
     <a:masterClrMapping/>
   </p:clrMapOvr>
-  <mc:AlternateContent xmlns:mc="http://schemas.openxmlformats.org/markup-compatibility/2006" xmlns:p14="http://schemas.microsoft.com/office/powerpoint/2010/main">
-    <mc:Choice Requires="p14">
+  <mc:AlternateContent xmlns:mc="http://schemas.openxmlformats.org/markup-compatibility/2006">
+    <mc:Choice xmlns:p14="http://schemas.microsoft.com/office/powerpoint/2010/main" xmlns="" Requires="p14">
       <p:transition spd="slow" p14:dur="1500" advClick="0" advTm="0">
         <p:random/>
       </p:transition>
     </mc:Choice>
-    <mc:Fallback xmlns="">
+    <mc:Fallback>
       <p:transition spd="slow" advClick="0" advTm="0">
         <p:random/>
       </p:transition>
@@ -3865,7 +3865,7 @@
             <a:fld id="{91AD7F68-8E1B-45E2-8A27-5D5DEAAB1BF2}" type="datetimeFigureOut">
               <a:rPr lang="zh-CN" altLang="en-US" smtClean="0"/>
               <a:pPr/>
-              <a:t>2018/6/11</a:t>
+              <a:t>2018/6/21 Thursday</a:t>
             </a:fld>
             <a:endParaRPr lang="zh-CN" altLang="en-US"/>
           </a:p>
@@ -3917,20 +3917,20 @@
     </p:spTree>
     <p:extLst>
       <p:ext uri="{BB962C8B-B14F-4D97-AF65-F5344CB8AC3E}">
-        <p14:creationId xmlns:p14="http://schemas.microsoft.com/office/powerpoint/2010/main" val="2724821356"/>
+        <p14:creationId xmlns:p14="http://schemas.microsoft.com/office/powerpoint/2010/main" xmlns="" val="2724821356"/>
       </p:ext>
     </p:extLst>
   </p:cSld>
   <p:clrMapOvr>
     <a:masterClrMapping/>
   </p:clrMapOvr>
-  <mc:AlternateContent xmlns:mc="http://schemas.openxmlformats.org/markup-compatibility/2006" xmlns:p14="http://schemas.microsoft.com/office/powerpoint/2010/main">
-    <mc:Choice Requires="p14">
+  <mc:AlternateContent xmlns:mc="http://schemas.openxmlformats.org/markup-compatibility/2006">
+    <mc:Choice xmlns:p14="http://schemas.microsoft.com/office/powerpoint/2010/main" xmlns="" Requires="p14">
       <p:transition spd="slow" p14:dur="1500" advClick="0" advTm="0">
         <p:random/>
       </p:transition>
     </mc:Choice>
-    <mc:Fallback xmlns="">
+    <mc:Fallback>
       <p:transition spd="slow" advClick="0" advTm="0">
         <p:random/>
       </p:transition>
@@ -4090,7 +4090,7 @@
             <a:fld id="{91AD7F68-8E1B-45E2-8A27-5D5DEAAB1BF2}" type="datetimeFigureOut">
               <a:rPr lang="zh-CN" altLang="en-US" smtClean="0"/>
               <a:pPr/>
-              <a:t>2018/6/11</a:t>
+              <a:t>2018/6/21 Thursday</a:t>
             </a:fld>
             <a:endParaRPr lang="zh-CN" altLang="en-US"/>
           </a:p>
@@ -4178,7 +4178,7 @@
     </p:spTree>
     <p:extLst>
       <p:ext uri="{BB962C8B-B14F-4D97-AF65-F5344CB8AC3E}">
-        <p14:creationId xmlns:p14="http://schemas.microsoft.com/office/powerpoint/2010/main" val="666783823"/>
+        <p14:creationId xmlns:p14="http://schemas.microsoft.com/office/powerpoint/2010/main" xmlns="" val="666783823"/>
       </p:ext>
     </p:extLst>
   </p:cSld>
@@ -4196,13 +4196,13 @@
     <p:sldLayoutId id="2147483658" r:id="rId10"/>
     <p:sldLayoutId id="2147483659" r:id="rId11"/>
   </p:sldLayoutIdLst>
-  <mc:AlternateContent xmlns:mc="http://schemas.openxmlformats.org/markup-compatibility/2006" xmlns:p14="http://schemas.microsoft.com/office/powerpoint/2010/main">
-    <mc:Choice Requires="p14">
+  <mc:AlternateContent xmlns:mc="http://schemas.openxmlformats.org/markup-compatibility/2006">
+    <mc:Choice xmlns:p14="http://schemas.microsoft.com/office/powerpoint/2010/main" xmlns="" Requires="p14">
       <p:transition spd="slow" p14:dur="1500" advClick="0" advTm="0">
         <p:random/>
       </p:transition>
     </mc:Choice>
-    <mc:Fallback xmlns="">
+    <mc:Fallback>
       <p:transition spd="slow" advClick="0" advTm="0">
         <p:random/>
       </p:transition>
@@ -4520,7 +4520,7 @@
           <a:blip r:embed="rId3" cstate="print">
             <a:extLst>
               <a:ext uri="{28A0092B-C50C-407E-A947-70E740481C1C}">
-                <a14:useLocalDpi xmlns:a14="http://schemas.microsoft.com/office/drawing/2010/main"/>
+                <a14:useLocalDpi xmlns:a14="http://schemas.microsoft.com/office/drawing/2010/main" xmlns=""/>
               </a:ext>
             </a:extLst>
           </a:blip>
@@ -10094,7 +10094,7 @@
           <p:cNvPr id="9" name="TextBox 8">
             <a:extLst>
               <a:ext uri="{FF2B5EF4-FFF2-40B4-BE49-F238E27FC236}">
-                <a16:creationId xmlns:a16="http://schemas.microsoft.com/office/drawing/2014/main" id="{73C77ED2-C357-47B7-8381-585C44BF2B89}"/>
+                <a16:creationId xmlns:a16="http://schemas.microsoft.com/office/drawing/2014/main" xmlns="" id="{73C77ED2-C357-47B7-8381-585C44BF2B89}"/>
               </a:ext>
             </a:extLst>
           </p:cNvPr>
@@ -10134,20 +10134,20 @@
     </p:spTree>
     <p:extLst>
       <p:ext uri="{BB962C8B-B14F-4D97-AF65-F5344CB8AC3E}">
-        <p14:creationId xmlns:p14="http://schemas.microsoft.com/office/powerpoint/2010/main" val="656483861"/>
+        <p14:creationId xmlns:p14="http://schemas.microsoft.com/office/powerpoint/2010/main" xmlns="" val="656483861"/>
       </p:ext>
     </p:extLst>
   </p:cSld>
   <p:clrMapOvr>
     <a:masterClrMapping/>
   </p:clrMapOvr>
-  <mc:AlternateContent xmlns:mc="http://schemas.openxmlformats.org/markup-compatibility/2006" xmlns:p14="http://schemas.microsoft.com/office/powerpoint/2010/main">
-    <mc:Choice Requires="p14">
+  <mc:AlternateContent xmlns:mc="http://schemas.openxmlformats.org/markup-compatibility/2006">
+    <mc:Choice xmlns:p14="http://schemas.microsoft.com/office/powerpoint/2010/main" xmlns="" Requires="p14">
       <p:transition spd="slow" p14:dur="1500">
         <p:random/>
       </p:transition>
     </mc:Choice>
-    <mc:Fallback xmlns="">
+    <mc:Fallback>
       <p:transition spd="slow">
         <p:random/>
       </p:transition>
@@ -10487,7 +10487,7 @@
           <p:cNvPr id="2" name="1">
             <a:extLst>
               <a:ext uri="{FF2B5EF4-FFF2-40B4-BE49-F238E27FC236}">
-                <a16:creationId xmlns:a16="http://schemas.microsoft.com/office/drawing/2014/main" id="{B90DAD5F-9F09-429E-A5D9-413FA650ADA6}"/>
+                <a16:creationId xmlns:a16="http://schemas.microsoft.com/office/drawing/2014/main" xmlns="" id="{B90DAD5F-9F09-429E-A5D9-413FA650ADA6}"/>
               </a:ext>
             </a:extLst>
           </p:cNvPr>
@@ -10510,7 +10510,7 @@
             <p:cNvPr id="3" name="燕尾形 12">
               <a:extLst>
                 <a:ext uri="{FF2B5EF4-FFF2-40B4-BE49-F238E27FC236}">
-                  <a16:creationId xmlns:a16="http://schemas.microsoft.com/office/drawing/2014/main" id="{0998CF49-9568-4236-8EF9-0C258978A457}"/>
+                  <a16:creationId xmlns:a16="http://schemas.microsoft.com/office/drawing/2014/main" xmlns="" id="{0998CF49-9568-4236-8EF9-0C258978A457}"/>
                 </a:ext>
               </a:extLst>
             </p:cNvPr>
@@ -10555,7 +10555,7 @@
             <p:cNvPr id="4" name="燕尾形 13">
               <a:extLst>
                 <a:ext uri="{FF2B5EF4-FFF2-40B4-BE49-F238E27FC236}">
-                  <a16:creationId xmlns:a16="http://schemas.microsoft.com/office/drawing/2014/main" id="{9808B782-51E1-4D8C-B53A-3F0D21F425FF}"/>
+                  <a16:creationId xmlns:a16="http://schemas.microsoft.com/office/drawing/2014/main" xmlns="" id="{9808B782-51E1-4D8C-B53A-3F0D21F425FF}"/>
                 </a:ext>
               </a:extLst>
             </p:cNvPr>
@@ -10600,7 +10600,7 @@
             <p:cNvPr id="5" name="燕尾形 14">
               <a:extLst>
                 <a:ext uri="{FF2B5EF4-FFF2-40B4-BE49-F238E27FC236}">
-                  <a16:creationId xmlns:a16="http://schemas.microsoft.com/office/drawing/2014/main" id="{37147414-5F87-4285-B506-3CEEB6C72ED9}"/>
+                  <a16:creationId xmlns:a16="http://schemas.microsoft.com/office/drawing/2014/main" xmlns="" id="{37147414-5F87-4285-B506-3CEEB6C72ED9}"/>
                 </a:ext>
               </a:extLst>
             </p:cNvPr>
@@ -10646,7 +10646,7 @@
           <p:cNvPr id="6" name="2">
             <a:extLst>
               <a:ext uri="{FF2B5EF4-FFF2-40B4-BE49-F238E27FC236}">
-                <a16:creationId xmlns:a16="http://schemas.microsoft.com/office/drawing/2014/main" id="{57CACF9E-4606-402C-ABF6-0DC160C60F40}"/>
+                <a16:creationId xmlns:a16="http://schemas.microsoft.com/office/drawing/2014/main" xmlns="" id="{57CACF9E-4606-402C-ABF6-0DC160C60F40}"/>
               </a:ext>
             </a:extLst>
           </p:cNvPr>
@@ -10671,7 +10671,7 @@
           <a:p>
             <a:pPr marL="0" lvl="1"/>
             <a:r>
-              <a:rPr lang="en-US" altLang="zh-CN" sz="2800" spc="300" dirty="0" err="1">
+              <a:rPr lang="en-US" altLang="zh-CN" sz="2800" spc="300" dirty="0" err="1" smtClean="0">
                 <a:solidFill>
                   <a:srgbClr val="0D4960"/>
                 </a:solidFill>
@@ -10680,26 +10680,6 @@
               </a:rPr>
               <a:t>Mybatis</a:t>
             </a:r>
-            <a:r>
-              <a:rPr lang="en-US" altLang="zh-CN" sz="2800" spc="300" dirty="0">
-                <a:solidFill>
-                  <a:srgbClr val="0D4960"/>
-                </a:solidFill>
-                <a:latin typeface="方正尚酷简体" panose="03000509000000000000" pitchFamily="65" charset="-122"/>
-                <a:ea typeface="方正尚酷简体" panose="03000509000000000000" pitchFamily="65" charset="-122"/>
-              </a:rPr>
-              <a:t> + </a:t>
-            </a:r>
-            <a:r>
-              <a:rPr lang="en-US" altLang="zh-CN" sz="2800" spc="300" dirty="0" err="1">
-                <a:solidFill>
-                  <a:srgbClr val="0D4960"/>
-                </a:solidFill>
-                <a:latin typeface="方正尚酷简体" panose="03000509000000000000" pitchFamily="65" charset="-122"/>
-                <a:ea typeface="方正尚酷简体" panose="03000509000000000000" pitchFamily="65" charset="-122"/>
-              </a:rPr>
-              <a:t>Postgresql</a:t>
-            </a:r>
             <a:endParaRPr lang="en-US" altLang="zh-CN" sz="2800" spc="300" dirty="0">
               <a:solidFill>
                 <a:srgbClr val="0D4960"/>
@@ -10715,7 +10695,7 @@
           <p:cNvPr id="7" name="3">
             <a:extLst>
               <a:ext uri="{FF2B5EF4-FFF2-40B4-BE49-F238E27FC236}">
-                <a16:creationId xmlns:a16="http://schemas.microsoft.com/office/drawing/2014/main" id="{625B252C-300D-4E5D-9984-1CC2CE50CFFC}"/>
+                <a16:creationId xmlns:a16="http://schemas.microsoft.com/office/drawing/2014/main" xmlns="" id="{625B252C-300D-4E5D-9984-1CC2CE50CFFC}"/>
               </a:ext>
             </a:extLst>
           </p:cNvPr>
@@ -10758,7 +10738,7 @@
           <p:cNvPr id="8" name="TextBox 7">
             <a:extLst>
               <a:ext uri="{FF2B5EF4-FFF2-40B4-BE49-F238E27FC236}">
-                <a16:creationId xmlns:a16="http://schemas.microsoft.com/office/drawing/2014/main" id="{08544622-FC47-49FA-814B-B0C8A654A737}"/>
+                <a16:creationId xmlns:a16="http://schemas.microsoft.com/office/drawing/2014/main" xmlns="" id="{08544622-FC47-49FA-814B-B0C8A654A737}"/>
               </a:ext>
             </a:extLst>
           </p:cNvPr>
@@ -10768,7 +10748,7 @@
         <p:spPr>
           <a:xfrm>
             <a:off x="1220303" y="1413164"/>
-            <a:ext cx="4702313" cy="2585323"/>
+            <a:ext cx="7564635" cy="3139321"/>
           </a:xfrm>
           <a:prstGeom prst="rect">
             <a:avLst/>
@@ -10803,56 +10783,105 @@
           <a:p>
             <a:r>
               <a:rPr lang="fr-FR" dirty="0"/>
-              <a:t>    url: </a:t>
-            </a:r>
-            <a:r>
-              <a:rPr lang="fr-FR" dirty="0" err="1"/>
-              <a:t>jdbc:postgresql</a:t>
-            </a:r>
-            <a:r>
-              <a:rPr lang="fr-FR" dirty="0"/>
-              <a:t>://localhost:5433/</a:t>
-            </a:r>
-            <a:r>
-              <a:rPr lang="fr-FR" dirty="0" err="1"/>
-              <a:t>postgres</a:t>
+              <a:t>    url</a:t>
+            </a:r>
+            <a:r>
+              <a:rPr lang="fr-FR" dirty="0" smtClean="0"/>
+              <a:t>:</a:t>
             </a:r>
             <a:endParaRPr lang="fr-FR" dirty="0"/>
           </a:p>
           <a:p>
             <a:r>
               <a:rPr lang="en-US" dirty="0"/>
-              <a:t>    username: </a:t>
-            </a:r>
-            <a:r>
-              <a:rPr lang="en-US" dirty="0" err="1"/>
-              <a:t>postgres</a:t>
+              <a:t>    username</a:t>
+            </a:r>
+            <a:r>
+              <a:rPr lang="en-US" dirty="0" smtClean="0"/>
+              <a:t>:</a:t>
             </a:r>
             <a:endParaRPr lang="en-US" dirty="0"/>
           </a:p>
           <a:p>
             <a:r>
               <a:rPr lang="en-US" dirty="0"/>
-              <a:t>    password: </a:t>
-            </a:r>
-            <a:r>
-              <a:rPr lang="en-US" dirty="0" err="1"/>
-              <a:t>postgres</a:t>
+              <a:t>    password</a:t>
+            </a:r>
+            <a:r>
+              <a:rPr lang="en-US" dirty="0" smtClean="0"/>
+              <a:t>:</a:t>
+            </a:r>
+          </a:p>
+          <a:p>
+            <a:endParaRPr lang="en-US" dirty="0" smtClean="0"/>
+          </a:p>
+          <a:p>
+            <a:r>
+              <a:rPr lang="en-US" dirty="0" err="1" smtClean="0"/>
+              <a:t>mybatis</a:t>
+            </a:r>
+            <a:r>
+              <a:rPr lang="en-US" dirty="0" smtClean="0"/>
+              <a:t>:</a:t>
+            </a:r>
+          </a:p>
+          <a:p>
+            <a:r>
+              <a:rPr lang="en-US" smtClean="0"/>
+              <a:t> </a:t>
+            </a:r>
+            <a:r>
+              <a:rPr lang="en-US" smtClean="0"/>
+              <a:t> </a:t>
+            </a:r>
+            <a:r>
+              <a:rPr lang="en-US" altLang="zh-CN" smtClean="0"/>
+              <a:t>type-aliases-package</a:t>
+            </a:r>
+            <a:r>
+              <a:rPr lang="en-US" altLang="zh-CN" dirty="0" smtClean="0"/>
+              <a:t>: </a:t>
+            </a:r>
+            <a:r>
+              <a:rPr lang="en-US" altLang="zh-CN" dirty="0" err="1" smtClean="0"/>
+              <a:t>com.champlink.domain.sys</a:t>
+            </a:r>
+            <a:endParaRPr lang="en-US" altLang="zh-CN" dirty="0" smtClean="0"/>
+          </a:p>
+          <a:p>
+            <a:r>
+              <a:rPr lang="en-US" altLang="zh-CN" dirty="0" smtClean="0"/>
+              <a:t>  </a:t>
+            </a:r>
+            <a:r>
+              <a:rPr lang="en-US" altLang="zh-CN" dirty="0" err="1" smtClean="0"/>
+              <a:t>mapper</a:t>
+            </a:r>
+            <a:r>
+              <a:rPr lang="en-US" altLang="zh-CN" dirty="0" smtClean="0"/>
+              <a:t>-locations: </a:t>
+            </a:r>
+            <a:r>
+              <a:rPr lang="en-US" altLang="zh-CN" dirty="0" err="1" smtClean="0"/>
+              <a:t>classpath</a:t>
+            </a:r>
+            <a:r>
+              <a:rPr lang="en-US" altLang="zh-CN" dirty="0" smtClean="0"/>
+              <a:t>*:com/</a:t>
+            </a:r>
+            <a:r>
+              <a:rPr lang="en-US" altLang="zh-CN" dirty="0" err="1" smtClean="0"/>
+              <a:t>champlink/gateway/mapper</a:t>
+            </a:r>
+            <a:r>
+              <a:rPr lang="en-US" altLang="zh-CN" dirty="0" smtClean="0"/>
+              <a:t>/*</a:t>
+            </a:r>
+            <a:r>
+              <a:rPr lang="en-US" altLang="zh-CN" dirty="0" err="1" smtClean="0"/>
+              <a:t>Mapper.xml</a:t>
             </a:r>
             <a:endParaRPr lang="en-US" dirty="0"/>
-          </a:p>
-          <a:p>
-            <a:endParaRPr lang="en-US" dirty="0"/>
-          </a:p>
-          <a:p>
-            <a:r>
-              <a:rPr lang="en-US" dirty="0" err="1"/>
-              <a:t>mybatis</a:t>
-            </a:r>
-            <a:r>
-              <a:rPr lang="en-US" dirty="0"/>
-              <a:t>:</a:t>
-            </a:r>
           </a:p>
           <a:p>
             <a:r>
@@ -10876,20 +10905,20 @@
     </p:spTree>
     <p:extLst>
       <p:ext uri="{BB962C8B-B14F-4D97-AF65-F5344CB8AC3E}">
-        <p14:creationId xmlns:p14="http://schemas.microsoft.com/office/powerpoint/2010/main" val="807314339"/>
+        <p14:creationId xmlns:p14="http://schemas.microsoft.com/office/powerpoint/2010/main" xmlns="" val="807314339"/>
       </p:ext>
     </p:extLst>
   </p:cSld>
   <p:clrMapOvr>
     <a:masterClrMapping/>
   </p:clrMapOvr>
-  <mc:AlternateContent xmlns:mc="http://schemas.openxmlformats.org/markup-compatibility/2006" xmlns:p14="http://schemas.microsoft.com/office/powerpoint/2010/main">
-    <mc:Choice Requires="p14">
+  <mc:AlternateContent xmlns:mc="http://schemas.openxmlformats.org/markup-compatibility/2006">
+    <mc:Choice xmlns:p14="http://schemas.microsoft.com/office/powerpoint/2010/main" xmlns="" Requires="p14">
       <p:transition spd="slow" p14:dur="1500" advClick="0" advTm="0">
         <p:random/>
       </p:transition>
     </mc:Choice>
-    <mc:Fallback xmlns="">
+    <mc:Fallback>
       <p:transition spd="slow" advClick="0" advTm="0">
         <p:random/>
       </p:transition>
@@ -11175,7 +11204,7 @@
           <p:cNvPr id="2" name="1">
             <a:extLst>
               <a:ext uri="{FF2B5EF4-FFF2-40B4-BE49-F238E27FC236}">
-                <a16:creationId xmlns:a16="http://schemas.microsoft.com/office/drawing/2014/main" id="{B90DAD5F-9F09-429E-A5D9-413FA650ADA6}"/>
+                <a16:creationId xmlns:a16="http://schemas.microsoft.com/office/drawing/2014/main" xmlns="" id="{B90DAD5F-9F09-429E-A5D9-413FA650ADA6}"/>
               </a:ext>
             </a:extLst>
           </p:cNvPr>
@@ -11198,7 +11227,7 @@
             <p:cNvPr id="3" name="燕尾形 12">
               <a:extLst>
                 <a:ext uri="{FF2B5EF4-FFF2-40B4-BE49-F238E27FC236}">
-                  <a16:creationId xmlns:a16="http://schemas.microsoft.com/office/drawing/2014/main" id="{0998CF49-9568-4236-8EF9-0C258978A457}"/>
+                  <a16:creationId xmlns:a16="http://schemas.microsoft.com/office/drawing/2014/main" xmlns="" id="{0998CF49-9568-4236-8EF9-0C258978A457}"/>
                 </a:ext>
               </a:extLst>
             </p:cNvPr>
@@ -11243,7 +11272,7 @@
             <p:cNvPr id="4" name="燕尾形 13">
               <a:extLst>
                 <a:ext uri="{FF2B5EF4-FFF2-40B4-BE49-F238E27FC236}">
-                  <a16:creationId xmlns:a16="http://schemas.microsoft.com/office/drawing/2014/main" id="{9808B782-51E1-4D8C-B53A-3F0D21F425FF}"/>
+                  <a16:creationId xmlns:a16="http://schemas.microsoft.com/office/drawing/2014/main" xmlns="" id="{9808B782-51E1-4D8C-B53A-3F0D21F425FF}"/>
                 </a:ext>
               </a:extLst>
             </p:cNvPr>
@@ -11288,7 +11317,7 @@
             <p:cNvPr id="5" name="燕尾形 14">
               <a:extLst>
                 <a:ext uri="{FF2B5EF4-FFF2-40B4-BE49-F238E27FC236}">
-                  <a16:creationId xmlns:a16="http://schemas.microsoft.com/office/drawing/2014/main" id="{37147414-5F87-4285-B506-3CEEB6C72ED9}"/>
+                  <a16:creationId xmlns:a16="http://schemas.microsoft.com/office/drawing/2014/main" xmlns="" id="{37147414-5F87-4285-B506-3CEEB6C72ED9}"/>
                 </a:ext>
               </a:extLst>
             </p:cNvPr>
@@ -11334,7 +11363,7 @@
           <p:cNvPr id="6" name="2">
             <a:extLst>
               <a:ext uri="{FF2B5EF4-FFF2-40B4-BE49-F238E27FC236}">
-                <a16:creationId xmlns:a16="http://schemas.microsoft.com/office/drawing/2014/main" id="{57CACF9E-4606-402C-ABF6-0DC160C60F40}"/>
+                <a16:creationId xmlns:a16="http://schemas.microsoft.com/office/drawing/2014/main" xmlns="" id="{57CACF9E-4606-402C-ABF6-0DC160C60F40}"/>
               </a:ext>
             </a:extLst>
           </p:cNvPr>
@@ -11376,7 +11405,7 @@
           <p:cNvPr id="7" name="3">
             <a:extLst>
               <a:ext uri="{FF2B5EF4-FFF2-40B4-BE49-F238E27FC236}">
-                <a16:creationId xmlns:a16="http://schemas.microsoft.com/office/drawing/2014/main" id="{625B252C-300D-4E5D-9984-1CC2CE50CFFC}"/>
+                <a16:creationId xmlns:a16="http://schemas.microsoft.com/office/drawing/2014/main" xmlns="" id="{625B252C-300D-4E5D-9984-1CC2CE50CFFC}"/>
               </a:ext>
             </a:extLst>
           </p:cNvPr>
@@ -11419,7 +11448,7 @@
           <p:cNvPr id="8" name="TextBox 7">
             <a:extLst>
               <a:ext uri="{FF2B5EF4-FFF2-40B4-BE49-F238E27FC236}">
-                <a16:creationId xmlns:a16="http://schemas.microsoft.com/office/drawing/2014/main" id="{F5C102B0-42A9-4110-B52E-62380654F16D}"/>
+                <a16:creationId xmlns:a16="http://schemas.microsoft.com/office/drawing/2014/main" xmlns="" id="{F5C102B0-42A9-4110-B52E-62380654F16D}"/>
               </a:ext>
             </a:extLst>
           </p:cNvPr>
@@ -11489,20 +11518,20 @@
     </p:spTree>
     <p:extLst>
       <p:ext uri="{BB962C8B-B14F-4D97-AF65-F5344CB8AC3E}">
-        <p14:creationId xmlns:p14="http://schemas.microsoft.com/office/powerpoint/2010/main" val="102833137"/>
+        <p14:creationId xmlns:p14="http://schemas.microsoft.com/office/powerpoint/2010/main" xmlns="" val="102833137"/>
       </p:ext>
     </p:extLst>
   </p:cSld>
   <p:clrMapOvr>
     <a:masterClrMapping/>
   </p:clrMapOvr>
-  <mc:AlternateContent xmlns:mc="http://schemas.openxmlformats.org/markup-compatibility/2006" xmlns:p14="http://schemas.microsoft.com/office/powerpoint/2010/main">
-    <mc:Choice Requires="p14">
+  <mc:AlternateContent xmlns:mc="http://schemas.openxmlformats.org/markup-compatibility/2006">
+    <mc:Choice xmlns:p14="http://schemas.microsoft.com/office/powerpoint/2010/main" xmlns="" Requires="p14">
       <p:transition spd="slow" p14:dur="1500" advClick="0" advTm="0">
         <p:random/>
       </p:transition>
     </mc:Choice>
-    <mc:Fallback xmlns="">
+    <mc:Fallback>
       <p:transition spd="slow" advClick="0" advTm="0">
         <p:random/>
       </p:transition>
@@ -11788,7 +11817,7 @@
           <p:cNvPr id="2" name="1">
             <a:extLst>
               <a:ext uri="{FF2B5EF4-FFF2-40B4-BE49-F238E27FC236}">
-                <a16:creationId xmlns:a16="http://schemas.microsoft.com/office/drawing/2014/main" id="{B90DAD5F-9F09-429E-A5D9-413FA650ADA6}"/>
+                <a16:creationId xmlns:a16="http://schemas.microsoft.com/office/drawing/2014/main" xmlns="" id="{B90DAD5F-9F09-429E-A5D9-413FA650ADA6}"/>
               </a:ext>
             </a:extLst>
           </p:cNvPr>
@@ -11811,7 +11840,7 @@
             <p:cNvPr id="3" name="燕尾形 12">
               <a:extLst>
                 <a:ext uri="{FF2B5EF4-FFF2-40B4-BE49-F238E27FC236}">
-                  <a16:creationId xmlns:a16="http://schemas.microsoft.com/office/drawing/2014/main" id="{0998CF49-9568-4236-8EF9-0C258978A457}"/>
+                  <a16:creationId xmlns:a16="http://schemas.microsoft.com/office/drawing/2014/main" xmlns="" id="{0998CF49-9568-4236-8EF9-0C258978A457}"/>
                 </a:ext>
               </a:extLst>
             </p:cNvPr>
@@ -11856,7 +11885,7 @@
             <p:cNvPr id="4" name="燕尾形 13">
               <a:extLst>
                 <a:ext uri="{FF2B5EF4-FFF2-40B4-BE49-F238E27FC236}">
-                  <a16:creationId xmlns:a16="http://schemas.microsoft.com/office/drawing/2014/main" id="{9808B782-51E1-4D8C-B53A-3F0D21F425FF}"/>
+                  <a16:creationId xmlns:a16="http://schemas.microsoft.com/office/drawing/2014/main" xmlns="" id="{9808B782-51E1-4D8C-B53A-3F0D21F425FF}"/>
                 </a:ext>
               </a:extLst>
             </p:cNvPr>
@@ -11901,7 +11930,7 @@
             <p:cNvPr id="5" name="燕尾形 14">
               <a:extLst>
                 <a:ext uri="{FF2B5EF4-FFF2-40B4-BE49-F238E27FC236}">
-                  <a16:creationId xmlns:a16="http://schemas.microsoft.com/office/drawing/2014/main" id="{37147414-5F87-4285-B506-3CEEB6C72ED9}"/>
+                  <a16:creationId xmlns:a16="http://schemas.microsoft.com/office/drawing/2014/main" xmlns="" id="{37147414-5F87-4285-B506-3CEEB6C72ED9}"/>
                 </a:ext>
               </a:extLst>
             </p:cNvPr>
@@ -11947,7 +11976,7 @@
           <p:cNvPr id="6" name="2">
             <a:extLst>
               <a:ext uri="{FF2B5EF4-FFF2-40B4-BE49-F238E27FC236}">
-                <a16:creationId xmlns:a16="http://schemas.microsoft.com/office/drawing/2014/main" id="{57CACF9E-4606-402C-ABF6-0DC160C60F40}"/>
+                <a16:creationId xmlns:a16="http://schemas.microsoft.com/office/drawing/2014/main" xmlns="" id="{57CACF9E-4606-402C-ABF6-0DC160C60F40}"/>
               </a:ext>
             </a:extLst>
           </p:cNvPr>
@@ -11972,15 +12001,22 @@
           <a:p>
             <a:pPr marL="0" lvl="1"/>
             <a:r>
-              <a:rPr lang="en-US" altLang="zh-CN" sz="2800" spc="300" dirty="0">
+              <a:rPr lang="en-US" altLang="zh-CN" sz="2800" spc="300" dirty="0" err="1" smtClean="0">
                 <a:solidFill>
                   <a:srgbClr val="0D4960"/>
                 </a:solidFill>
                 <a:latin typeface="方正尚酷简体" panose="03000509000000000000" pitchFamily="65" charset="-122"/>
                 <a:ea typeface="方正尚酷简体" panose="03000509000000000000" pitchFamily="65" charset="-122"/>
               </a:rPr>
-              <a:t>Configuration Class</a:t>
-            </a:r>
+              <a:t>Redis</a:t>
+            </a:r>
+            <a:endParaRPr lang="en-US" altLang="zh-CN" sz="2800" spc="300" dirty="0">
+              <a:solidFill>
+                <a:srgbClr val="0D4960"/>
+              </a:solidFill>
+              <a:latin typeface="方正尚酷简体" panose="03000509000000000000" pitchFamily="65" charset="-122"/>
+              <a:ea typeface="方正尚酷简体" panose="03000509000000000000" pitchFamily="65" charset="-122"/>
+            </a:endParaRPr>
           </a:p>
         </p:txBody>
       </p:sp>
@@ -11989,7 +12025,7 @@
           <p:cNvPr id="7" name="3">
             <a:extLst>
               <a:ext uri="{FF2B5EF4-FFF2-40B4-BE49-F238E27FC236}">
-                <a16:creationId xmlns:a16="http://schemas.microsoft.com/office/drawing/2014/main" id="{625B252C-300D-4E5D-9984-1CC2CE50CFFC}"/>
+                <a16:creationId xmlns:a16="http://schemas.microsoft.com/office/drawing/2014/main" xmlns="" id="{625B252C-300D-4E5D-9984-1CC2CE50CFFC}"/>
               </a:ext>
             </a:extLst>
           </p:cNvPr>
@@ -12027,23 +12063,317 @@
           </a:fontRef>
         </p:style>
       </p:cxnSp>
+      <p:sp>
+        <p:nvSpPr>
+          <p:cNvPr id="8" name="TextBox 7"/>
+          <p:cNvSpPr txBox="1"/>
+          <p:nvPr/>
+        </p:nvSpPr>
+        <p:spPr>
+          <a:xfrm>
+            <a:off x="1568824" y="2106706"/>
+            <a:ext cx="1763624" cy="369332"/>
+          </a:xfrm>
+          <a:prstGeom prst="rect">
+            <a:avLst/>
+          </a:prstGeom>
+          <a:noFill/>
+        </p:spPr>
+        <p:txBody>
+          <a:bodyPr wrap="none" rtlCol="0">
+            <a:spAutoFit/>
+          </a:bodyPr>
+          <a:lstStyle/>
+          <a:p>
+            <a:r>
+              <a:rPr lang="en-US" altLang="zh-CN" dirty="0" smtClean="0"/>
+              <a:t>@</a:t>
+            </a:r>
+            <a:r>
+              <a:rPr lang="en-US" altLang="zh-CN" dirty="0" err="1" smtClean="0"/>
+              <a:t>EnableCaching</a:t>
+            </a:r>
+            <a:endParaRPr lang="zh-CN" altLang="en-US" dirty="0"/>
+          </a:p>
+        </p:txBody>
+      </p:sp>
+      <p:sp>
+        <p:nvSpPr>
+          <p:cNvPr id="9" name="TextBox 8"/>
+          <p:cNvSpPr txBox="1"/>
+          <p:nvPr/>
+        </p:nvSpPr>
+        <p:spPr>
+          <a:xfrm>
+            <a:off x="1443317" y="824753"/>
+            <a:ext cx="5229188" cy="1200329"/>
+          </a:xfrm>
+          <a:prstGeom prst="rect">
+            <a:avLst/>
+          </a:prstGeom>
+          <a:noFill/>
+        </p:spPr>
+        <p:txBody>
+          <a:bodyPr wrap="none" rtlCol="0">
+            <a:spAutoFit/>
+          </a:bodyPr>
+          <a:lstStyle/>
+          <a:p>
+            <a:r>
+              <a:rPr lang="en-US" altLang="zh-CN" dirty="0" smtClean="0"/>
+              <a:t>&lt;dependency&gt;</a:t>
+            </a:r>
+          </a:p>
+          <a:p>
+            <a:r>
+              <a:rPr lang="en-US" altLang="zh-CN" dirty="0" smtClean="0"/>
+              <a:t>&lt;</a:t>
+            </a:r>
+            <a:r>
+              <a:rPr lang="en-US" altLang="zh-CN" dirty="0" err="1" smtClean="0"/>
+              <a:t>groupId</a:t>
+            </a:r>
+            <a:r>
+              <a:rPr lang="en-US" altLang="zh-CN" dirty="0" smtClean="0"/>
+              <a:t>&gt;</a:t>
+            </a:r>
+            <a:r>
+              <a:rPr lang="en-US" altLang="zh-CN" dirty="0" err="1" smtClean="0"/>
+              <a:t>org.springframework.boot</a:t>
+            </a:r>
+            <a:r>
+              <a:rPr lang="en-US" altLang="zh-CN" dirty="0" smtClean="0"/>
+              <a:t>&lt;/</a:t>
+            </a:r>
+            <a:r>
+              <a:rPr lang="en-US" altLang="zh-CN" dirty="0" err="1" smtClean="0"/>
+              <a:t>groupId</a:t>
+            </a:r>
+            <a:r>
+              <a:rPr lang="en-US" altLang="zh-CN" dirty="0" smtClean="0"/>
+              <a:t>&gt;</a:t>
+            </a:r>
+          </a:p>
+          <a:p>
+            <a:r>
+              <a:rPr lang="en-US" altLang="zh-CN" dirty="0" smtClean="0"/>
+              <a:t>&lt;</a:t>
+            </a:r>
+            <a:r>
+              <a:rPr lang="en-US" altLang="zh-CN" dirty="0" err="1" smtClean="0"/>
+              <a:t>artifactId</a:t>
+            </a:r>
+            <a:r>
+              <a:rPr lang="en-US" altLang="zh-CN" dirty="0" smtClean="0"/>
+              <a:t>&gt;spring-boot-starter-data-</a:t>
+            </a:r>
+            <a:r>
+              <a:rPr lang="en-US" altLang="zh-CN" u="sng" dirty="0" err="1" smtClean="0"/>
+              <a:t>redis</a:t>
+            </a:r>
+            <a:r>
+              <a:rPr lang="en-US" altLang="zh-CN" u="sng" dirty="0" smtClean="0"/>
+              <a:t>&lt;/</a:t>
+            </a:r>
+            <a:r>
+              <a:rPr lang="en-US" altLang="zh-CN" u="sng" dirty="0" err="1" smtClean="0"/>
+              <a:t>artifactId</a:t>
+            </a:r>
+            <a:r>
+              <a:rPr lang="en-US" altLang="zh-CN" u="sng" dirty="0" smtClean="0"/>
+              <a:t>&gt;</a:t>
+            </a:r>
+          </a:p>
+          <a:p>
+            <a:r>
+              <a:rPr lang="en-US" altLang="zh-CN" dirty="0" smtClean="0"/>
+              <a:t>&lt;/dependency&gt;</a:t>
+            </a:r>
+            <a:endParaRPr lang="zh-CN" altLang="en-US" dirty="0"/>
+          </a:p>
+        </p:txBody>
+      </p:sp>
+      <p:sp>
+        <p:nvSpPr>
+          <p:cNvPr id="10" name="TextBox 9"/>
+          <p:cNvSpPr txBox="1"/>
+          <p:nvPr/>
+        </p:nvSpPr>
+        <p:spPr>
+          <a:xfrm>
+            <a:off x="7799294" y="959224"/>
+            <a:ext cx="2262799" cy="3139321"/>
+          </a:xfrm>
+          <a:prstGeom prst="rect">
+            <a:avLst/>
+          </a:prstGeom>
+          <a:noFill/>
+        </p:spPr>
+        <p:txBody>
+          <a:bodyPr wrap="none" rtlCol="0">
+            <a:spAutoFit/>
+          </a:bodyPr>
+          <a:lstStyle/>
+          <a:p>
+            <a:r>
+              <a:rPr lang="en-US" altLang="zh-CN" dirty="0" smtClean="0"/>
+              <a:t>spring:</a:t>
+            </a:r>
+          </a:p>
+          <a:p>
+            <a:r>
+              <a:rPr lang="en-US" altLang="zh-CN" dirty="0" smtClean="0"/>
+              <a:t>  </a:t>
+            </a:r>
+            <a:r>
+              <a:rPr lang="en-US" altLang="zh-CN" dirty="0" err="1" smtClean="0"/>
+              <a:t>redis</a:t>
+            </a:r>
+            <a:r>
+              <a:rPr lang="en-US" altLang="zh-CN" dirty="0" smtClean="0"/>
+              <a:t>:</a:t>
+            </a:r>
+          </a:p>
+          <a:p>
+            <a:r>
+              <a:rPr lang="en-US" altLang="zh-CN" dirty="0" smtClean="0"/>
+              <a:t>    host: 192.168.1.138</a:t>
+            </a:r>
+          </a:p>
+          <a:p>
+            <a:r>
+              <a:rPr lang="en-US" altLang="zh-CN" dirty="0" smtClean="0"/>
+              <a:t>    port: 6379</a:t>
+            </a:r>
+          </a:p>
+          <a:p>
+            <a:r>
+              <a:rPr lang="en-US" altLang="zh-CN" dirty="0" smtClean="0"/>
+              <a:t>    database: 0</a:t>
+            </a:r>
+          </a:p>
+          <a:p>
+            <a:r>
+              <a:rPr lang="en-US" altLang="zh-CN" dirty="0" smtClean="0"/>
+              <a:t>    </a:t>
+            </a:r>
+            <a:r>
+              <a:rPr lang="en-US" altLang="zh-CN" dirty="0" err="1" smtClean="0"/>
+              <a:t>jedis</a:t>
+            </a:r>
+            <a:r>
+              <a:rPr lang="en-US" altLang="zh-CN" dirty="0" smtClean="0"/>
+              <a:t>:</a:t>
+            </a:r>
+          </a:p>
+          <a:p>
+            <a:r>
+              <a:rPr lang="en-US" altLang="zh-CN" dirty="0" smtClean="0"/>
+              <a:t>      pool:</a:t>
+            </a:r>
+          </a:p>
+          <a:p>
+            <a:r>
+              <a:rPr lang="en-US" altLang="zh-CN" dirty="0" smtClean="0"/>
+              <a:t>        max-active: 8</a:t>
+            </a:r>
+          </a:p>
+          <a:p>
+            <a:r>
+              <a:rPr lang="en-US" altLang="zh-CN" dirty="0" smtClean="0"/>
+              <a:t>        max-idle: 8</a:t>
+            </a:r>
+          </a:p>
+          <a:p>
+            <a:r>
+              <a:rPr lang="en-US" altLang="zh-CN" dirty="0" smtClean="0"/>
+              <a:t>        max-wait: -1</a:t>
+            </a:r>
+          </a:p>
+          <a:p>
+            <a:r>
+              <a:rPr lang="en-US" altLang="zh-CN" dirty="0" smtClean="0"/>
+              <a:t>        min-idle: 0</a:t>
+            </a:r>
+            <a:endParaRPr lang="zh-CN" altLang="en-US" dirty="0"/>
+          </a:p>
+        </p:txBody>
+      </p:sp>
+      <p:sp>
+        <p:nvSpPr>
+          <p:cNvPr id="11" name="TextBox 10"/>
+          <p:cNvSpPr txBox="1"/>
+          <p:nvPr/>
+        </p:nvSpPr>
+        <p:spPr>
+          <a:xfrm>
+            <a:off x="1434353" y="2698376"/>
+            <a:ext cx="3129062" cy="923330"/>
+          </a:xfrm>
+          <a:prstGeom prst="rect">
+            <a:avLst/>
+          </a:prstGeom>
+          <a:noFill/>
+        </p:spPr>
+        <p:txBody>
+          <a:bodyPr wrap="none" rtlCol="0">
+            <a:spAutoFit/>
+          </a:bodyPr>
+          <a:lstStyle/>
+          <a:p>
+            <a:r>
+              <a:rPr lang="zh-CN" altLang="en-US" dirty="0" smtClean="0"/>
+              <a:t>默</a:t>
+            </a:r>
+            <a:r>
+              <a:rPr lang="zh-CN" altLang="en-US" dirty="0" smtClean="0"/>
+              <a:t>认注入两个</a:t>
+            </a:r>
+            <a:r>
+              <a:rPr lang="en-US" altLang="zh-CN" dirty="0" smtClean="0"/>
+              <a:t>Bean</a:t>
+            </a:r>
+          </a:p>
+          <a:p>
+            <a:r>
+              <a:rPr lang="en-US" altLang="zh-CN" dirty="0" err="1" smtClean="0"/>
+              <a:t>RedisTemplate</a:t>
+            </a:r>
+            <a:r>
+              <a:rPr lang="en-US" altLang="zh-CN" dirty="0" smtClean="0"/>
+              <a:t>&lt;Object, Object</a:t>
+            </a:r>
+            <a:r>
+              <a:rPr lang="en-US" altLang="zh-CN" dirty="0" smtClean="0"/>
+              <a:t>&gt;</a:t>
+            </a:r>
+          </a:p>
+          <a:p>
+            <a:r>
+              <a:rPr lang="en-US" altLang="zh-CN" dirty="0" err="1" smtClean="0"/>
+              <a:t>StringRedisTemplate</a:t>
+            </a:r>
+            <a:endParaRPr lang="zh-CN" altLang="en-US" dirty="0"/>
+          </a:p>
+        </p:txBody>
+      </p:sp>
     </p:spTree>
     <p:extLst>
       <p:ext uri="{BB962C8B-B14F-4D97-AF65-F5344CB8AC3E}">
-        <p14:creationId xmlns:p14="http://schemas.microsoft.com/office/powerpoint/2010/main" val="3644339239"/>
+        <p14:creationId xmlns:p14="http://schemas.microsoft.com/office/powerpoint/2010/main" xmlns="" val="699826463"/>
       </p:ext>
     </p:extLst>
   </p:cSld>
   <p:clrMapOvr>
     <a:masterClrMapping/>
   </p:clrMapOvr>
-  <mc:AlternateContent xmlns:mc="http://schemas.openxmlformats.org/markup-compatibility/2006" xmlns:p14="http://schemas.microsoft.com/office/powerpoint/2010/main">
-    <mc:Choice Requires="p14">
+  <mc:AlternateContent xmlns:mc="http://schemas.openxmlformats.org/markup-compatibility/2006">
+    <mc:Choice xmlns:p14="http://schemas.microsoft.com/office/powerpoint/2010/main" xmlns="" Requires="p14">
       <p:transition spd="slow" p14:dur="1500" advClick="0" advTm="0">
         <p:random/>
       </p:transition>
     </mc:Choice>
-    <mc:Fallback xmlns="">
+    <mc:Fallback>
       <p:transition spd="slow" advClick="0" advTm="0">
         <p:random/>
       </p:transition>
@@ -12329,7 +12659,7 @@
           <p:cNvPr id="2" name="1">
             <a:extLst>
               <a:ext uri="{FF2B5EF4-FFF2-40B4-BE49-F238E27FC236}">
-                <a16:creationId xmlns:a16="http://schemas.microsoft.com/office/drawing/2014/main" id="{B90DAD5F-9F09-429E-A5D9-413FA650ADA6}"/>
+                <a16:creationId xmlns:a16="http://schemas.microsoft.com/office/drawing/2014/main" xmlns="" id="{B90DAD5F-9F09-429E-A5D9-413FA650ADA6}"/>
               </a:ext>
             </a:extLst>
           </p:cNvPr>
@@ -12352,7 +12682,7 @@
             <p:cNvPr id="3" name="燕尾形 12">
               <a:extLst>
                 <a:ext uri="{FF2B5EF4-FFF2-40B4-BE49-F238E27FC236}">
-                  <a16:creationId xmlns:a16="http://schemas.microsoft.com/office/drawing/2014/main" id="{0998CF49-9568-4236-8EF9-0C258978A457}"/>
+                  <a16:creationId xmlns:a16="http://schemas.microsoft.com/office/drawing/2014/main" xmlns="" id="{0998CF49-9568-4236-8EF9-0C258978A457}"/>
                 </a:ext>
               </a:extLst>
             </p:cNvPr>
@@ -12397,7 +12727,7 @@
             <p:cNvPr id="4" name="燕尾形 13">
               <a:extLst>
                 <a:ext uri="{FF2B5EF4-FFF2-40B4-BE49-F238E27FC236}">
-                  <a16:creationId xmlns:a16="http://schemas.microsoft.com/office/drawing/2014/main" id="{9808B782-51E1-4D8C-B53A-3F0D21F425FF}"/>
+                  <a16:creationId xmlns:a16="http://schemas.microsoft.com/office/drawing/2014/main" xmlns="" id="{9808B782-51E1-4D8C-B53A-3F0D21F425FF}"/>
                 </a:ext>
               </a:extLst>
             </p:cNvPr>
@@ -12442,7 +12772,7 @@
             <p:cNvPr id="5" name="燕尾形 14">
               <a:extLst>
                 <a:ext uri="{FF2B5EF4-FFF2-40B4-BE49-F238E27FC236}">
-                  <a16:creationId xmlns:a16="http://schemas.microsoft.com/office/drawing/2014/main" id="{37147414-5F87-4285-B506-3CEEB6C72ED9}"/>
+                  <a16:creationId xmlns:a16="http://schemas.microsoft.com/office/drawing/2014/main" xmlns="" id="{37147414-5F87-4285-B506-3CEEB6C72ED9}"/>
                 </a:ext>
               </a:extLst>
             </p:cNvPr>
@@ -12488,7 +12818,7 @@
           <p:cNvPr id="6" name="2">
             <a:extLst>
               <a:ext uri="{FF2B5EF4-FFF2-40B4-BE49-F238E27FC236}">
-                <a16:creationId xmlns:a16="http://schemas.microsoft.com/office/drawing/2014/main" id="{57CACF9E-4606-402C-ABF6-0DC160C60F40}"/>
+                <a16:creationId xmlns:a16="http://schemas.microsoft.com/office/drawing/2014/main" xmlns="" id="{57CACF9E-4606-402C-ABF6-0DC160C60F40}"/>
               </a:ext>
             </a:extLst>
           </p:cNvPr>
@@ -12513,15 +12843,22 @@
           <a:p>
             <a:pPr marL="0" lvl="1"/>
             <a:r>
-              <a:rPr lang="en-US" altLang="zh-CN" sz="2800" spc="300" dirty="0">
+              <a:rPr lang="en-US" altLang="zh-CN" sz="2800" spc="300" dirty="0" err="1" smtClean="0">
                 <a:solidFill>
                   <a:srgbClr val="0D4960"/>
                 </a:solidFill>
                 <a:latin typeface="方正尚酷简体" panose="03000509000000000000" pitchFamily="65" charset="-122"/>
                 <a:ea typeface="方正尚酷简体" panose="03000509000000000000" pitchFamily="65" charset="-122"/>
               </a:rPr>
-              <a:t>Configuration Class</a:t>
-            </a:r>
+              <a:t>ActiveMQ</a:t>
+            </a:r>
+            <a:endParaRPr lang="en-US" altLang="zh-CN" sz="2800" spc="300" dirty="0">
+              <a:solidFill>
+                <a:srgbClr val="0D4960"/>
+              </a:solidFill>
+              <a:latin typeface="方正尚酷简体" panose="03000509000000000000" pitchFamily="65" charset="-122"/>
+              <a:ea typeface="方正尚酷简体" panose="03000509000000000000" pitchFamily="65" charset="-122"/>
+            </a:endParaRPr>
           </a:p>
         </p:txBody>
       </p:sp>
@@ -12530,7 +12867,7 @@
           <p:cNvPr id="7" name="3">
             <a:extLst>
               <a:ext uri="{FF2B5EF4-FFF2-40B4-BE49-F238E27FC236}">
-                <a16:creationId xmlns:a16="http://schemas.microsoft.com/office/drawing/2014/main" id="{625B252C-300D-4E5D-9984-1CC2CE50CFFC}"/>
+                <a16:creationId xmlns:a16="http://schemas.microsoft.com/office/drawing/2014/main" xmlns="" id="{625B252C-300D-4E5D-9984-1CC2CE50CFFC}"/>
               </a:ext>
             </a:extLst>
           </p:cNvPr>
@@ -12568,23 +12905,462 @@
           </a:fontRef>
         </p:style>
       </p:cxnSp>
+      <p:sp>
+        <p:nvSpPr>
+          <p:cNvPr id="8" name="TextBox 7"/>
+          <p:cNvSpPr txBox="1"/>
+          <p:nvPr/>
+        </p:nvSpPr>
+        <p:spPr>
+          <a:xfrm>
+            <a:off x="1030941" y="869576"/>
+            <a:ext cx="5148332" cy="2585323"/>
+          </a:xfrm>
+          <a:prstGeom prst="rect">
+            <a:avLst/>
+          </a:prstGeom>
+          <a:noFill/>
+        </p:spPr>
+        <p:txBody>
+          <a:bodyPr wrap="none" rtlCol="0">
+            <a:spAutoFit/>
+          </a:bodyPr>
+          <a:lstStyle/>
+          <a:p>
+            <a:r>
+              <a:rPr lang="en-US" altLang="zh-CN" dirty="0" smtClean="0"/>
+              <a:t>&lt;dependency&gt;</a:t>
+            </a:r>
+          </a:p>
+          <a:p>
+            <a:r>
+              <a:rPr lang="en-US" altLang="zh-CN" dirty="0" smtClean="0"/>
+              <a:t>&lt;</a:t>
+            </a:r>
+            <a:r>
+              <a:rPr lang="en-US" altLang="zh-CN" dirty="0" err="1" smtClean="0"/>
+              <a:t>groupId</a:t>
+            </a:r>
+            <a:r>
+              <a:rPr lang="en-US" altLang="zh-CN" dirty="0" smtClean="0"/>
+              <a:t>&gt;</a:t>
+            </a:r>
+            <a:r>
+              <a:rPr lang="en-US" altLang="zh-CN" dirty="0" err="1" smtClean="0"/>
+              <a:t>org.springframework.boot</a:t>
+            </a:r>
+            <a:r>
+              <a:rPr lang="en-US" altLang="zh-CN" dirty="0" smtClean="0"/>
+              <a:t>&lt;/</a:t>
+            </a:r>
+            <a:r>
+              <a:rPr lang="en-US" altLang="zh-CN" dirty="0" err="1" smtClean="0"/>
+              <a:t>groupId</a:t>
+            </a:r>
+            <a:r>
+              <a:rPr lang="en-US" altLang="zh-CN" dirty="0" smtClean="0"/>
+              <a:t>&gt;</a:t>
+            </a:r>
+          </a:p>
+          <a:p>
+            <a:r>
+              <a:rPr lang="en-US" altLang="zh-CN" dirty="0" smtClean="0"/>
+              <a:t>&lt;</a:t>
+            </a:r>
+            <a:r>
+              <a:rPr lang="en-US" altLang="zh-CN" dirty="0" err="1" smtClean="0"/>
+              <a:t>artifactId</a:t>
+            </a:r>
+            <a:r>
+              <a:rPr lang="en-US" altLang="zh-CN" dirty="0" smtClean="0"/>
+              <a:t>&gt;spring-boot-starter-</a:t>
+            </a:r>
+            <a:r>
+              <a:rPr lang="en-US" altLang="zh-CN" u="sng" dirty="0" err="1" smtClean="0"/>
+              <a:t>activemq</a:t>
+            </a:r>
+            <a:r>
+              <a:rPr lang="en-US" altLang="zh-CN" u="sng" dirty="0" smtClean="0"/>
+              <a:t>&lt;/</a:t>
+            </a:r>
+            <a:r>
+              <a:rPr lang="en-US" altLang="zh-CN" u="sng" dirty="0" err="1" smtClean="0"/>
+              <a:t>artifactId</a:t>
+            </a:r>
+            <a:r>
+              <a:rPr lang="en-US" altLang="zh-CN" u="sng" dirty="0" smtClean="0"/>
+              <a:t>&gt;</a:t>
+            </a:r>
+          </a:p>
+          <a:p>
+            <a:r>
+              <a:rPr lang="en-US" altLang="zh-CN" dirty="0" smtClean="0"/>
+              <a:t>&lt;/dependency&gt;</a:t>
+            </a:r>
+          </a:p>
+          <a:p>
+            <a:r>
+              <a:rPr lang="en-US" altLang="zh-CN" dirty="0" smtClean="0"/>
+              <a:t>&lt;!– </a:t>
+            </a:r>
+            <a:r>
+              <a:rPr lang="zh-CN" altLang="en-US" dirty="0" smtClean="0"/>
+              <a:t>如</a:t>
+            </a:r>
+            <a:r>
+              <a:rPr lang="zh-CN" altLang="en-US" dirty="0" smtClean="0"/>
+              <a:t>果配置连接池，只需要加入如下依赖</a:t>
+            </a:r>
+            <a:r>
+              <a:rPr lang="en-US" altLang="zh-CN" dirty="0" smtClean="0"/>
+              <a:t>--&gt;</a:t>
+            </a:r>
+            <a:endParaRPr lang="en-US" altLang="zh-CN" dirty="0" smtClean="0"/>
+          </a:p>
+          <a:p>
+            <a:r>
+              <a:rPr lang="en-US" altLang="zh-CN" dirty="0" smtClean="0"/>
+              <a:t>&lt;dependency&gt;</a:t>
+            </a:r>
+          </a:p>
+          <a:p>
+            <a:r>
+              <a:rPr lang="en-US" altLang="zh-CN" dirty="0" smtClean="0"/>
+              <a:t>&lt;</a:t>
+            </a:r>
+            <a:r>
+              <a:rPr lang="en-US" altLang="zh-CN" dirty="0" err="1" smtClean="0"/>
+              <a:t>groupId</a:t>
+            </a:r>
+            <a:r>
+              <a:rPr lang="en-US" altLang="zh-CN" dirty="0" smtClean="0"/>
+              <a:t>&gt;</a:t>
+            </a:r>
+            <a:r>
+              <a:rPr lang="en-US" altLang="zh-CN" dirty="0" err="1" smtClean="0"/>
+              <a:t>org.apache.activemq</a:t>
+            </a:r>
+            <a:r>
+              <a:rPr lang="en-US" altLang="zh-CN" dirty="0" smtClean="0"/>
+              <a:t>&lt;/</a:t>
+            </a:r>
+            <a:r>
+              <a:rPr lang="en-US" altLang="zh-CN" dirty="0" err="1" smtClean="0"/>
+              <a:t>groupId</a:t>
+            </a:r>
+            <a:r>
+              <a:rPr lang="en-US" altLang="zh-CN" dirty="0" smtClean="0"/>
+              <a:t>&gt;</a:t>
+            </a:r>
+          </a:p>
+          <a:p>
+            <a:r>
+              <a:rPr lang="en-US" altLang="zh-CN" dirty="0" smtClean="0"/>
+              <a:t>&lt;</a:t>
+            </a:r>
+            <a:r>
+              <a:rPr lang="en-US" altLang="zh-CN" dirty="0" err="1" smtClean="0"/>
+              <a:t>artifactId</a:t>
+            </a:r>
+            <a:r>
+              <a:rPr lang="en-US" altLang="zh-CN" dirty="0" smtClean="0"/>
+              <a:t>&gt;</a:t>
+            </a:r>
+            <a:r>
+              <a:rPr lang="en-US" altLang="zh-CN" u="sng" dirty="0" err="1" smtClean="0"/>
+              <a:t>activemq</a:t>
+            </a:r>
+            <a:r>
+              <a:rPr lang="en-US" altLang="zh-CN" u="sng" dirty="0" smtClean="0"/>
+              <a:t>-pool&lt;/</a:t>
+            </a:r>
+            <a:r>
+              <a:rPr lang="en-US" altLang="zh-CN" u="sng" dirty="0" err="1" smtClean="0"/>
+              <a:t>artifactId</a:t>
+            </a:r>
+            <a:r>
+              <a:rPr lang="en-US" altLang="zh-CN" u="sng" dirty="0" smtClean="0"/>
+              <a:t>&gt;</a:t>
+            </a:r>
+          </a:p>
+          <a:p>
+            <a:r>
+              <a:rPr lang="en-US" altLang="zh-CN" dirty="0" smtClean="0"/>
+              <a:t>&lt;/dependency&gt;</a:t>
+            </a:r>
+            <a:endParaRPr lang="zh-CN" altLang="en-US" dirty="0"/>
+          </a:p>
+        </p:txBody>
+      </p:sp>
+      <p:sp>
+        <p:nvSpPr>
+          <p:cNvPr id="9" name="TextBox 8"/>
+          <p:cNvSpPr txBox="1"/>
+          <p:nvPr/>
+        </p:nvSpPr>
+        <p:spPr>
+          <a:xfrm>
+            <a:off x="7333129" y="1353671"/>
+            <a:ext cx="3976217" cy="2308324"/>
+          </a:xfrm>
+          <a:prstGeom prst="rect">
+            <a:avLst/>
+          </a:prstGeom>
+          <a:noFill/>
+        </p:spPr>
+        <p:txBody>
+          <a:bodyPr wrap="none" rtlCol="0">
+            <a:spAutoFit/>
+          </a:bodyPr>
+          <a:lstStyle/>
+          <a:p>
+            <a:r>
+              <a:rPr lang="en-US" altLang="zh-CN" dirty="0" smtClean="0"/>
+              <a:t>spring:  </a:t>
+            </a:r>
+          </a:p>
+          <a:p>
+            <a:r>
+              <a:rPr lang="en-US" altLang="zh-CN" dirty="0" smtClean="0"/>
+              <a:t>  </a:t>
+            </a:r>
+            <a:r>
+              <a:rPr lang="en-US" altLang="zh-CN" dirty="0" err="1" smtClean="0"/>
+              <a:t>activemq</a:t>
+            </a:r>
+            <a:r>
+              <a:rPr lang="en-US" altLang="zh-CN" dirty="0" smtClean="0"/>
+              <a:t>:</a:t>
+            </a:r>
+          </a:p>
+          <a:p>
+            <a:r>
+              <a:rPr lang="en-US" altLang="zh-CN" dirty="0" smtClean="0"/>
+              <a:t>    broker-url: tcp://192.168.1.138:61616</a:t>
+            </a:r>
+          </a:p>
+          <a:p>
+            <a:r>
+              <a:rPr lang="en-US" altLang="zh-CN" dirty="0" smtClean="0"/>
+              <a:t>    user: admin</a:t>
+            </a:r>
+          </a:p>
+          <a:p>
+            <a:r>
+              <a:rPr lang="en-US" altLang="zh-CN" dirty="0" smtClean="0"/>
+              <a:t>    password: admin</a:t>
+            </a:r>
+          </a:p>
+          <a:p>
+            <a:r>
+              <a:rPr lang="en-US" altLang="zh-CN" dirty="0" smtClean="0"/>
+              <a:t>    pool:</a:t>
+            </a:r>
+          </a:p>
+          <a:p>
+            <a:r>
+              <a:rPr lang="en-US" altLang="zh-CN" dirty="0" smtClean="0"/>
+              <a:t>      enabled: </a:t>
+            </a:r>
+            <a:r>
+              <a:rPr lang="en-US" altLang="zh-CN" b="1" dirty="0" smtClean="0"/>
+              <a:t>true</a:t>
+            </a:r>
+          </a:p>
+          <a:p>
+            <a:r>
+              <a:rPr lang="en-US" altLang="zh-CN" dirty="0" smtClean="0"/>
+              <a:t>      max-connections: 50</a:t>
+            </a:r>
+            <a:endParaRPr lang="zh-CN" altLang="en-US" dirty="0"/>
+          </a:p>
+        </p:txBody>
+      </p:sp>
+      <p:cxnSp>
+        <p:nvCxnSpPr>
+          <p:cNvPr id="11" name="直接箭头连接符 10"/>
+          <p:cNvCxnSpPr/>
+          <p:nvPr/>
+        </p:nvCxnSpPr>
+        <p:spPr>
+          <a:xfrm flipH="1" flipV="1">
+            <a:off x="5118848" y="2743201"/>
+            <a:ext cx="2501152" cy="215152"/>
+          </a:xfrm>
+          <a:prstGeom prst="straightConnector1">
+            <a:avLst/>
+          </a:prstGeom>
+          <a:ln>
+            <a:tailEnd type="arrow"/>
+          </a:ln>
+        </p:spPr>
+        <p:style>
+          <a:lnRef idx="1">
+            <a:schemeClr val="accent1"/>
+          </a:lnRef>
+          <a:fillRef idx="0">
+            <a:schemeClr val="accent1"/>
+          </a:fillRef>
+          <a:effectRef idx="0">
+            <a:schemeClr val="accent1"/>
+          </a:effectRef>
+          <a:fontRef idx="minor">
+            <a:schemeClr val="tx1"/>
+          </a:fontRef>
+        </p:style>
+      </p:cxnSp>
+      <p:sp>
+        <p:nvSpPr>
+          <p:cNvPr id="14" name="TextBox 13"/>
+          <p:cNvSpPr txBox="1"/>
+          <p:nvPr/>
+        </p:nvSpPr>
+        <p:spPr>
+          <a:xfrm>
+            <a:off x="1075765" y="3558988"/>
+            <a:ext cx="1374094" cy="369332"/>
+          </a:xfrm>
+          <a:prstGeom prst="rect">
+            <a:avLst/>
+          </a:prstGeom>
+          <a:noFill/>
+        </p:spPr>
+        <p:txBody>
+          <a:bodyPr wrap="none" rtlCol="0">
+            <a:spAutoFit/>
+          </a:bodyPr>
+          <a:lstStyle/>
+          <a:p>
+            <a:r>
+              <a:rPr lang="en-US" altLang="zh-CN" dirty="0" smtClean="0"/>
+              <a:t>@</a:t>
+            </a:r>
+            <a:r>
+              <a:rPr lang="en-US" altLang="zh-CN" dirty="0" err="1" smtClean="0"/>
+              <a:t>EnableJms</a:t>
+            </a:r>
+            <a:endParaRPr lang="zh-CN" altLang="en-US" dirty="0"/>
+          </a:p>
+        </p:txBody>
+      </p:sp>
+      <p:sp>
+        <p:nvSpPr>
+          <p:cNvPr id="15" name="TextBox 14"/>
+          <p:cNvSpPr txBox="1"/>
+          <p:nvPr/>
+        </p:nvSpPr>
+        <p:spPr>
+          <a:xfrm>
+            <a:off x="1084729" y="4213412"/>
+            <a:ext cx="3412537" cy="646331"/>
+          </a:xfrm>
+          <a:prstGeom prst="rect">
+            <a:avLst/>
+          </a:prstGeom>
+          <a:noFill/>
+        </p:spPr>
+        <p:txBody>
+          <a:bodyPr wrap="none" rtlCol="0">
+            <a:spAutoFit/>
+          </a:bodyPr>
+          <a:lstStyle/>
+          <a:p>
+            <a:r>
+              <a:rPr lang="en-US" altLang="zh-CN" dirty="0" smtClean="0"/>
+              <a:t>@</a:t>
+            </a:r>
+            <a:r>
+              <a:rPr lang="en-US" altLang="zh-CN" dirty="0" err="1" smtClean="0"/>
+              <a:t>Autowired</a:t>
+            </a:r>
+            <a:endParaRPr lang="en-US" altLang="zh-CN" dirty="0" smtClean="0"/>
+          </a:p>
+          <a:p>
+            <a:r>
+              <a:rPr lang="en-US" altLang="zh-CN" dirty="0" smtClean="0"/>
+              <a:t>private </a:t>
+            </a:r>
+            <a:r>
+              <a:rPr lang="en-US" altLang="zh-CN" dirty="0" err="1" smtClean="0"/>
+              <a:t>JmsTemplate</a:t>
+            </a:r>
+            <a:r>
+              <a:rPr lang="en-US" altLang="zh-CN" dirty="0" smtClean="0"/>
+              <a:t> </a:t>
+            </a:r>
+            <a:r>
+              <a:rPr lang="en-US" altLang="zh-CN" dirty="0" err="1" smtClean="0"/>
+              <a:t>jmsTemplate</a:t>
+            </a:r>
+            <a:r>
+              <a:rPr lang="en-US" altLang="zh-CN" dirty="0" smtClean="0"/>
+              <a:t>;</a:t>
+            </a:r>
+            <a:endParaRPr lang="zh-CN" altLang="en-US" dirty="0"/>
+          </a:p>
+        </p:txBody>
+      </p:sp>
+      <p:sp>
+        <p:nvSpPr>
+          <p:cNvPr id="16" name="TextBox 15"/>
+          <p:cNvSpPr txBox="1"/>
+          <p:nvPr/>
+        </p:nvSpPr>
+        <p:spPr>
+          <a:xfrm>
+            <a:off x="5369862" y="4159623"/>
+            <a:ext cx="3353419" cy="646331"/>
+          </a:xfrm>
+          <a:prstGeom prst="rect">
+            <a:avLst/>
+          </a:prstGeom>
+          <a:noFill/>
+        </p:spPr>
+        <p:txBody>
+          <a:bodyPr wrap="none" rtlCol="0">
+            <a:spAutoFit/>
+          </a:bodyPr>
+          <a:lstStyle/>
+          <a:p>
+            <a:r>
+              <a:rPr lang="en-US" altLang="zh-CN" dirty="0" smtClean="0"/>
+              <a:t>@</a:t>
+            </a:r>
+            <a:r>
+              <a:rPr lang="en-US" altLang="zh-CN" dirty="0" err="1" smtClean="0"/>
+              <a:t>JmsListener</a:t>
+            </a:r>
+            <a:r>
+              <a:rPr lang="en-US" altLang="zh-CN" dirty="0" smtClean="0"/>
+              <a:t>(destination=“test”)</a:t>
+            </a:r>
+          </a:p>
+          <a:p>
+            <a:r>
+              <a:rPr lang="en-US" altLang="zh-CN" dirty="0" smtClean="0"/>
+              <a:t>public void test(String content){}</a:t>
+            </a:r>
+            <a:endParaRPr lang="zh-CN" altLang="en-US" dirty="0"/>
+          </a:p>
+        </p:txBody>
+      </p:sp>
     </p:spTree>
     <p:extLst>
       <p:ext uri="{BB962C8B-B14F-4D97-AF65-F5344CB8AC3E}">
-        <p14:creationId xmlns:p14="http://schemas.microsoft.com/office/powerpoint/2010/main" val="699826463"/>
+        <p14:creationId xmlns:p14="http://schemas.microsoft.com/office/powerpoint/2010/main" xmlns="" val="939292433"/>
       </p:ext>
     </p:extLst>
   </p:cSld>
   <p:clrMapOvr>
     <a:masterClrMapping/>
   </p:clrMapOvr>
-  <mc:AlternateContent xmlns:mc="http://schemas.openxmlformats.org/markup-compatibility/2006" xmlns:p14="http://schemas.microsoft.com/office/powerpoint/2010/main">
-    <mc:Choice Requires="p14">
+  <mc:AlternateContent xmlns:mc="http://schemas.openxmlformats.org/markup-compatibility/2006">
+    <mc:Choice xmlns:p14="http://schemas.microsoft.com/office/powerpoint/2010/main" xmlns="" Requires="p14">
       <p:transition spd="slow" p14:dur="1500" advClick="0" advTm="0">
         <p:random/>
       </p:transition>
     </mc:Choice>
-    <mc:Fallback xmlns="">
+    <mc:Fallback>
       <p:transition spd="slow" advClick="0" advTm="0">
         <p:random/>
       </p:transition>
@@ -12870,7 +13646,7 @@
           <p:cNvPr id="2" name="1">
             <a:extLst>
               <a:ext uri="{FF2B5EF4-FFF2-40B4-BE49-F238E27FC236}">
-                <a16:creationId xmlns:a16="http://schemas.microsoft.com/office/drawing/2014/main" id="{B90DAD5F-9F09-429E-A5D9-413FA650ADA6}"/>
+                <a16:creationId xmlns:a16="http://schemas.microsoft.com/office/drawing/2014/main" xmlns="" id="{B90DAD5F-9F09-429E-A5D9-413FA650ADA6}"/>
               </a:ext>
             </a:extLst>
           </p:cNvPr>
@@ -12893,7 +13669,7 @@
             <p:cNvPr id="3" name="燕尾形 12">
               <a:extLst>
                 <a:ext uri="{FF2B5EF4-FFF2-40B4-BE49-F238E27FC236}">
-                  <a16:creationId xmlns:a16="http://schemas.microsoft.com/office/drawing/2014/main" id="{0998CF49-9568-4236-8EF9-0C258978A457}"/>
+                  <a16:creationId xmlns:a16="http://schemas.microsoft.com/office/drawing/2014/main" xmlns="" id="{0998CF49-9568-4236-8EF9-0C258978A457}"/>
                 </a:ext>
               </a:extLst>
             </p:cNvPr>
@@ -12938,7 +13714,7 @@
             <p:cNvPr id="4" name="燕尾形 13">
               <a:extLst>
                 <a:ext uri="{FF2B5EF4-FFF2-40B4-BE49-F238E27FC236}">
-                  <a16:creationId xmlns:a16="http://schemas.microsoft.com/office/drawing/2014/main" id="{9808B782-51E1-4D8C-B53A-3F0D21F425FF}"/>
+                  <a16:creationId xmlns:a16="http://schemas.microsoft.com/office/drawing/2014/main" xmlns="" id="{9808B782-51E1-4D8C-B53A-3F0D21F425FF}"/>
                 </a:ext>
               </a:extLst>
             </p:cNvPr>
@@ -12983,7 +13759,7 @@
             <p:cNvPr id="5" name="燕尾形 14">
               <a:extLst>
                 <a:ext uri="{FF2B5EF4-FFF2-40B4-BE49-F238E27FC236}">
-                  <a16:creationId xmlns:a16="http://schemas.microsoft.com/office/drawing/2014/main" id="{37147414-5F87-4285-B506-3CEEB6C72ED9}"/>
+                  <a16:creationId xmlns:a16="http://schemas.microsoft.com/office/drawing/2014/main" xmlns="" id="{37147414-5F87-4285-B506-3CEEB6C72ED9}"/>
                 </a:ext>
               </a:extLst>
             </p:cNvPr>
@@ -13029,7 +13805,7 @@
           <p:cNvPr id="6" name="2">
             <a:extLst>
               <a:ext uri="{FF2B5EF4-FFF2-40B4-BE49-F238E27FC236}">
-                <a16:creationId xmlns:a16="http://schemas.microsoft.com/office/drawing/2014/main" id="{57CACF9E-4606-402C-ABF6-0DC160C60F40}"/>
+                <a16:creationId xmlns:a16="http://schemas.microsoft.com/office/drawing/2014/main" xmlns="" id="{57CACF9E-4606-402C-ABF6-0DC160C60F40}"/>
               </a:ext>
             </a:extLst>
           </p:cNvPr>
@@ -13071,7 +13847,7 @@
           <p:cNvPr id="7" name="3">
             <a:extLst>
               <a:ext uri="{FF2B5EF4-FFF2-40B4-BE49-F238E27FC236}">
-                <a16:creationId xmlns:a16="http://schemas.microsoft.com/office/drawing/2014/main" id="{625B252C-300D-4E5D-9984-1CC2CE50CFFC}"/>
+                <a16:creationId xmlns:a16="http://schemas.microsoft.com/office/drawing/2014/main" xmlns="" id="{625B252C-300D-4E5D-9984-1CC2CE50CFFC}"/>
               </a:ext>
             </a:extLst>
           </p:cNvPr>
@@ -13112,20 +13888,20 @@
     </p:spTree>
     <p:extLst>
       <p:ext uri="{BB962C8B-B14F-4D97-AF65-F5344CB8AC3E}">
-        <p14:creationId xmlns:p14="http://schemas.microsoft.com/office/powerpoint/2010/main" val="939292433"/>
+        <p14:creationId xmlns:p14="http://schemas.microsoft.com/office/powerpoint/2010/main" xmlns="" val="3644339239"/>
       </p:ext>
     </p:extLst>
   </p:cSld>
   <p:clrMapOvr>
     <a:masterClrMapping/>
   </p:clrMapOvr>
-  <mc:AlternateContent xmlns:mc="http://schemas.openxmlformats.org/markup-compatibility/2006" xmlns:p14="http://schemas.microsoft.com/office/powerpoint/2010/main">
-    <mc:Choice Requires="p14">
+  <mc:AlternateContent xmlns:mc="http://schemas.openxmlformats.org/markup-compatibility/2006">
+    <mc:Choice xmlns:p14="http://schemas.microsoft.com/office/powerpoint/2010/main" xmlns="" Requires="p14">
       <p:transition spd="slow" p14:dur="1500" advClick="0" advTm="0">
         <p:random/>
       </p:transition>
     </mc:Choice>
-    <mc:Fallback xmlns="">
+    <mc:Fallback>
       <p:transition spd="slow" advClick="0" advTm="0">
         <p:random/>
       </p:transition>
@@ -13411,7 +14187,7 @@
           <p:cNvPr id="2" name="1">
             <a:extLst>
               <a:ext uri="{FF2B5EF4-FFF2-40B4-BE49-F238E27FC236}">
-                <a16:creationId xmlns:a16="http://schemas.microsoft.com/office/drawing/2014/main" id="{B90DAD5F-9F09-429E-A5D9-413FA650ADA6}"/>
+                <a16:creationId xmlns:a16="http://schemas.microsoft.com/office/drawing/2014/main" xmlns="" id="{B90DAD5F-9F09-429E-A5D9-413FA650ADA6}"/>
               </a:ext>
             </a:extLst>
           </p:cNvPr>
@@ -13434,7 +14210,7 @@
             <p:cNvPr id="3" name="燕尾形 12">
               <a:extLst>
                 <a:ext uri="{FF2B5EF4-FFF2-40B4-BE49-F238E27FC236}">
-                  <a16:creationId xmlns:a16="http://schemas.microsoft.com/office/drawing/2014/main" id="{0998CF49-9568-4236-8EF9-0C258978A457}"/>
+                  <a16:creationId xmlns:a16="http://schemas.microsoft.com/office/drawing/2014/main" xmlns="" id="{0998CF49-9568-4236-8EF9-0C258978A457}"/>
                 </a:ext>
               </a:extLst>
             </p:cNvPr>
@@ -13479,7 +14255,7 @@
             <p:cNvPr id="4" name="燕尾形 13">
               <a:extLst>
                 <a:ext uri="{FF2B5EF4-FFF2-40B4-BE49-F238E27FC236}">
-                  <a16:creationId xmlns:a16="http://schemas.microsoft.com/office/drawing/2014/main" id="{9808B782-51E1-4D8C-B53A-3F0D21F425FF}"/>
+                  <a16:creationId xmlns:a16="http://schemas.microsoft.com/office/drawing/2014/main" xmlns="" id="{9808B782-51E1-4D8C-B53A-3F0D21F425FF}"/>
                 </a:ext>
               </a:extLst>
             </p:cNvPr>
@@ -13524,7 +14300,7 @@
             <p:cNvPr id="5" name="燕尾形 14">
               <a:extLst>
                 <a:ext uri="{FF2B5EF4-FFF2-40B4-BE49-F238E27FC236}">
-                  <a16:creationId xmlns:a16="http://schemas.microsoft.com/office/drawing/2014/main" id="{37147414-5F87-4285-B506-3CEEB6C72ED9}"/>
+                  <a16:creationId xmlns:a16="http://schemas.microsoft.com/office/drawing/2014/main" xmlns="" id="{37147414-5F87-4285-B506-3CEEB6C72ED9}"/>
                 </a:ext>
               </a:extLst>
             </p:cNvPr>
@@ -13570,7 +14346,7 @@
           <p:cNvPr id="6" name="2">
             <a:extLst>
               <a:ext uri="{FF2B5EF4-FFF2-40B4-BE49-F238E27FC236}">
-                <a16:creationId xmlns:a16="http://schemas.microsoft.com/office/drawing/2014/main" id="{57CACF9E-4606-402C-ABF6-0DC160C60F40}"/>
+                <a16:creationId xmlns:a16="http://schemas.microsoft.com/office/drawing/2014/main" xmlns="" id="{57CACF9E-4606-402C-ABF6-0DC160C60F40}"/>
               </a:ext>
             </a:extLst>
           </p:cNvPr>
@@ -13612,7 +14388,7 @@
           <p:cNvPr id="7" name="3">
             <a:extLst>
               <a:ext uri="{FF2B5EF4-FFF2-40B4-BE49-F238E27FC236}">
-                <a16:creationId xmlns:a16="http://schemas.microsoft.com/office/drawing/2014/main" id="{625B252C-300D-4E5D-9984-1CC2CE50CFFC}"/>
+                <a16:creationId xmlns:a16="http://schemas.microsoft.com/office/drawing/2014/main" xmlns="" id="{625B252C-300D-4E5D-9984-1CC2CE50CFFC}"/>
               </a:ext>
             </a:extLst>
           </p:cNvPr>
@@ -13653,20 +14429,20 @@
     </p:spTree>
     <p:extLst>
       <p:ext uri="{BB962C8B-B14F-4D97-AF65-F5344CB8AC3E}">
-        <p14:creationId xmlns:p14="http://schemas.microsoft.com/office/powerpoint/2010/main" val="310111675"/>
+        <p14:creationId xmlns:p14="http://schemas.microsoft.com/office/powerpoint/2010/main" xmlns="" val="310111675"/>
       </p:ext>
     </p:extLst>
   </p:cSld>
   <p:clrMapOvr>
     <a:masterClrMapping/>
   </p:clrMapOvr>
-  <mc:AlternateContent xmlns:mc="http://schemas.openxmlformats.org/markup-compatibility/2006" xmlns:p14="http://schemas.microsoft.com/office/powerpoint/2010/main">
-    <mc:Choice Requires="p14">
+  <mc:AlternateContent xmlns:mc="http://schemas.openxmlformats.org/markup-compatibility/2006">
+    <mc:Choice xmlns:p14="http://schemas.microsoft.com/office/powerpoint/2010/main" xmlns="" Requires="p14">
       <p:transition spd="slow" p14:dur="1500" advClick="0" advTm="0">
         <p:random/>
       </p:transition>
     </mc:Choice>
-    <mc:Fallback xmlns="">
+    <mc:Fallback>
       <p:transition spd="slow" advClick="0" advTm="0">
         <p:random/>
       </p:transition>
@@ -13952,7 +14728,7 @@
           <p:cNvPr id="2" name="1">
             <a:extLst>
               <a:ext uri="{FF2B5EF4-FFF2-40B4-BE49-F238E27FC236}">
-                <a16:creationId xmlns:a16="http://schemas.microsoft.com/office/drawing/2014/main" id="{B90DAD5F-9F09-429E-A5D9-413FA650ADA6}"/>
+                <a16:creationId xmlns:a16="http://schemas.microsoft.com/office/drawing/2014/main" xmlns="" id="{B90DAD5F-9F09-429E-A5D9-413FA650ADA6}"/>
               </a:ext>
             </a:extLst>
           </p:cNvPr>
@@ -13975,7 +14751,7 @@
             <p:cNvPr id="3" name="燕尾形 12">
               <a:extLst>
                 <a:ext uri="{FF2B5EF4-FFF2-40B4-BE49-F238E27FC236}">
-                  <a16:creationId xmlns:a16="http://schemas.microsoft.com/office/drawing/2014/main" id="{0998CF49-9568-4236-8EF9-0C258978A457}"/>
+                  <a16:creationId xmlns:a16="http://schemas.microsoft.com/office/drawing/2014/main" xmlns="" id="{0998CF49-9568-4236-8EF9-0C258978A457}"/>
                 </a:ext>
               </a:extLst>
             </p:cNvPr>
@@ -14020,7 +14796,7 @@
             <p:cNvPr id="4" name="燕尾形 13">
               <a:extLst>
                 <a:ext uri="{FF2B5EF4-FFF2-40B4-BE49-F238E27FC236}">
-                  <a16:creationId xmlns:a16="http://schemas.microsoft.com/office/drawing/2014/main" id="{9808B782-51E1-4D8C-B53A-3F0D21F425FF}"/>
+                  <a16:creationId xmlns:a16="http://schemas.microsoft.com/office/drawing/2014/main" xmlns="" id="{9808B782-51E1-4D8C-B53A-3F0D21F425FF}"/>
                 </a:ext>
               </a:extLst>
             </p:cNvPr>
@@ -14065,7 +14841,7 @@
             <p:cNvPr id="5" name="燕尾形 14">
               <a:extLst>
                 <a:ext uri="{FF2B5EF4-FFF2-40B4-BE49-F238E27FC236}">
-                  <a16:creationId xmlns:a16="http://schemas.microsoft.com/office/drawing/2014/main" id="{37147414-5F87-4285-B506-3CEEB6C72ED9}"/>
+                  <a16:creationId xmlns:a16="http://schemas.microsoft.com/office/drawing/2014/main" xmlns="" id="{37147414-5F87-4285-B506-3CEEB6C72ED9}"/>
                 </a:ext>
               </a:extLst>
             </p:cNvPr>
@@ -14111,7 +14887,7 @@
           <p:cNvPr id="6" name="2">
             <a:extLst>
               <a:ext uri="{FF2B5EF4-FFF2-40B4-BE49-F238E27FC236}">
-                <a16:creationId xmlns:a16="http://schemas.microsoft.com/office/drawing/2014/main" id="{57CACF9E-4606-402C-ABF6-0DC160C60F40}"/>
+                <a16:creationId xmlns:a16="http://schemas.microsoft.com/office/drawing/2014/main" xmlns="" id="{57CACF9E-4606-402C-ABF6-0DC160C60F40}"/>
               </a:ext>
             </a:extLst>
           </p:cNvPr>
@@ -14153,7 +14929,7 @@
           <p:cNvPr id="7" name="3">
             <a:extLst>
               <a:ext uri="{FF2B5EF4-FFF2-40B4-BE49-F238E27FC236}">
-                <a16:creationId xmlns:a16="http://schemas.microsoft.com/office/drawing/2014/main" id="{625B252C-300D-4E5D-9984-1CC2CE50CFFC}"/>
+                <a16:creationId xmlns:a16="http://schemas.microsoft.com/office/drawing/2014/main" xmlns="" id="{625B252C-300D-4E5D-9984-1CC2CE50CFFC}"/>
               </a:ext>
             </a:extLst>
           </p:cNvPr>
@@ -14194,20 +14970,20 @@
     </p:spTree>
     <p:extLst>
       <p:ext uri="{BB962C8B-B14F-4D97-AF65-F5344CB8AC3E}">
-        <p14:creationId xmlns:p14="http://schemas.microsoft.com/office/powerpoint/2010/main" val="4169831527"/>
+        <p14:creationId xmlns:p14="http://schemas.microsoft.com/office/powerpoint/2010/main" xmlns="" val="4169831527"/>
       </p:ext>
     </p:extLst>
   </p:cSld>
   <p:clrMapOvr>
     <a:masterClrMapping/>
   </p:clrMapOvr>
-  <mc:AlternateContent xmlns:mc="http://schemas.openxmlformats.org/markup-compatibility/2006" xmlns:p14="http://schemas.microsoft.com/office/powerpoint/2010/main">
-    <mc:Choice Requires="p14">
+  <mc:AlternateContent xmlns:mc="http://schemas.openxmlformats.org/markup-compatibility/2006">
+    <mc:Choice xmlns:p14="http://schemas.microsoft.com/office/powerpoint/2010/main" xmlns="" Requires="p14">
       <p:transition spd="slow" p14:dur="1500" advClick="0" advTm="0">
         <p:random/>
       </p:transition>
     </mc:Choice>
-    <mc:Fallback xmlns="">
+    <mc:Fallback>
       <p:transition spd="slow" advClick="0" advTm="0">
         <p:random/>
       </p:transition>
@@ -14493,7 +15269,7 @@
           <p:cNvPr id="2" name="1">
             <a:extLst>
               <a:ext uri="{FF2B5EF4-FFF2-40B4-BE49-F238E27FC236}">
-                <a16:creationId xmlns:a16="http://schemas.microsoft.com/office/drawing/2014/main" id="{B90DAD5F-9F09-429E-A5D9-413FA650ADA6}"/>
+                <a16:creationId xmlns:a16="http://schemas.microsoft.com/office/drawing/2014/main" xmlns="" id="{B90DAD5F-9F09-429E-A5D9-413FA650ADA6}"/>
               </a:ext>
             </a:extLst>
           </p:cNvPr>
@@ -14516,7 +15292,7 @@
             <p:cNvPr id="3" name="燕尾形 12">
               <a:extLst>
                 <a:ext uri="{FF2B5EF4-FFF2-40B4-BE49-F238E27FC236}">
-                  <a16:creationId xmlns:a16="http://schemas.microsoft.com/office/drawing/2014/main" id="{0998CF49-9568-4236-8EF9-0C258978A457}"/>
+                  <a16:creationId xmlns:a16="http://schemas.microsoft.com/office/drawing/2014/main" xmlns="" id="{0998CF49-9568-4236-8EF9-0C258978A457}"/>
                 </a:ext>
               </a:extLst>
             </p:cNvPr>
@@ -14561,7 +15337,7 @@
             <p:cNvPr id="4" name="燕尾形 13">
               <a:extLst>
                 <a:ext uri="{FF2B5EF4-FFF2-40B4-BE49-F238E27FC236}">
-                  <a16:creationId xmlns:a16="http://schemas.microsoft.com/office/drawing/2014/main" id="{9808B782-51E1-4D8C-B53A-3F0D21F425FF}"/>
+                  <a16:creationId xmlns:a16="http://schemas.microsoft.com/office/drawing/2014/main" xmlns="" id="{9808B782-51E1-4D8C-B53A-3F0D21F425FF}"/>
                 </a:ext>
               </a:extLst>
             </p:cNvPr>
@@ -14606,7 +15382,7 @@
             <p:cNvPr id="5" name="燕尾形 14">
               <a:extLst>
                 <a:ext uri="{FF2B5EF4-FFF2-40B4-BE49-F238E27FC236}">
-                  <a16:creationId xmlns:a16="http://schemas.microsoft.com/office/drawing/2014/main" id="{37147414-5F87-4285-B506-3CEEB6C72ED9}"/>
+                  <a16:creationId xmlns:a16="http://schemas.microsoft.com/office/drawing/2014/main" xmlns="" id="{37147414-5F87-4285-B506-3CEEB6C72ED9}"/>
                 </a:ext>
               </a:extLst>
             </p:cNvPr>
@@ -14652,7 +15428,7 @@
           <p:cNvPr id="6" name="2">
             <a:extLst>
               <a:ext uri="{FF2B5EF4-FFF2-40B4-BE49-F238E27FC236}">
-                <a16:creationId xmlns:a16="http://schemas.microsoft.com/office/drawing/2014/main" id="{57CACF9E-4606-402C-ABF6-0DC160C60F40}"/>
+                <a16:creationId xmlns:a16="http://schemas.microsoft.com/office/drawing/2014/main" xmlns="" id="{57CACF9E-4606-402C-ABF6-0DC160C60F40}"/>
               </a:ext>
             </a:extLst>
           </p:cNvPr>
@@ -14694,7 +15470,7 @@
           <p:cNvPr id="7" name="3">
             <a:extLst>
               <a:ext uri="{FF2B5EF4-FFF2-40B4-BE49-F238E27FC236}">
-                <a16:creationId xmlns:a16="http://schemas.microsoft.com/office/drawing/2014/main" id="{625B252C-300D-4E5D-9984-1CC2CE50CFFC}"/>
+                <a16:creationId xmlns:a16="http://schemas.microsoft.com/office/drawing/2014/main" xmlns="" id="{625B252C-300D-4E5D-9984-1CC2CE50CFFC}"/>
               </a:ext>
             </a:extLst>
           </p:cNvPr>
@@ -14735,20 +15511,20 @@
     </p:spTree>
     <p:extLst>
       <p:ext uri="{BB962C8B-B14F-4D97-AF65-F5344CB8AC3E}">
-        <p14:creationId xmlns:p14="http://schemas.microsoft.com/office/powerpoint/2010/main" val="2898868785"/>
+        <p14:creationId xmlns:p14="http://schemas.microsoft.com/office/powerpoint/2010/main" xmlns="" val="2898868785"/>
       </p:ext>
     </p:extLst>
   </p:cSld>
   <p:clrMapOvr>
     <a:masterClrMapping/>
   </p:clrMapOvr>
-  <mc:AlternateContent xmlns:mc="http://schemas.openxmlformats.org/markup-compatibility/2006" xmlns:p14="http://schemas.microsoft.com/office/powerpoint/2010/main">
-    <mc:Choice Requires="p14">
+  <mc:AlternateContent xmlns:mc="http://schemas.openxmlformats.org/markup-compatibility/2006">
+    <mc:Choice xmlns:p14="http://schemas.microsoft.com/office/powerpoint/2010/main" xmlns="" Requires="p14">
       <p:transition spd="slow" p14:dur="1500" advClick="0" advTm="0">
         <p:random/>
       </p:transition>
     </mc:Choice>
-    <mc:Fallback xmlns="">
+    <mc:Fallback>
       <p:transition spd="slow" advClick="0" advTm="0">
         <p:random/>
       </p:transition>
@@ -15034,7 +15810,7 @@
           <p:cNvPr id="2" name="1">
             <a:extLst>
               <a:ext uri="{FF2B5EF4-FFF2-40B4-BE49-F238E27FC236}">
-                <a16:creationId xmlns:a16="http://schemas.microsoft.com/office/drawing/2014/main" id="{B90DAD5F-9F09-429E-A5D9-413FA650ADA6}"/>
+                <a16:creationId xmlns:a16="http://schemas.microsoft.com/office/drawing/2014/main" xmlns="" id="{B90DAD5F-9F09-429E-A5D9-413FA650ADA6}"/>
               </a:ext>
             </a:extLst>
           </p:cNvPr>
@@ -15057,7 +15833,7 @@
             <p:cNvPr id="3" name="燕尾形 12">
               <a:extLst>
                 <a:ext uri="{FF2B5EF4-FFF2-40B4-BE49-F238E27FC236}">
-                  <a16:creationId xmlns:a16="http://schemas.microsoft.com/office/drawing/2014/main" id="{0998CF49-9568-4236-8EF9-0C258978A457}"/>
+                  <a16:creationId xmlns:a16="http://schemas.microsoft.com/office/drawing/2014/main" xmlns="" id="{0998CF49-9568-4236-8EF9-0C258978A457}"/>
                 </a:ext>
               </a:extLst>
             </p:cNvPr>
@@ -15102,7 +15878,7 @@
             <p:cNvPr id="4" name="燕尾形 13">
               <a:extLst>
                 <a:ext uri="{FF2B5EF4-FFF2-40B4-BE49-F238E27FC236}">
-                  <a16:creationId xmlns:a16="http://schemas.microsoft.com/office/drawing/2014/main" id="{9808B782-51E1-4D8C-B53A-3F0D21F425FF}"/>
+                  <a16:creationId xmlns:a16="http://schemas.microsoft.com/office/drawing/2014/main" xmlns="" id="{9808B782-51E1-4D8C-B53A-3F0D21F425FF}"/>
                 </a:ext>
               </a:extLst>
             </p:cNvPr>
@@ -15147,7 +15923,7 @@
             <p:cNvPr id="5" name="燕尾形 14">
               <a:extLst>
                 <a:ext uri="{FF2B5EF4-FFF2-40B4-BE49-F238E27FC236}">
-                  <a16:creationId xmlns:a16="http://schemas.microsoft.com/office/drawing/2014/main" id="{37147414-5F87-4285-B506-3CEEB6C72ED9}"/>
+                  <a16:creationId xmlns:a16="http://schemas.microsoft.com/office/drawing/2014/main" xmlns="" id="{37147414-5F87-4285-B506-3CEEB6C72ED9}"/>
                 </a:ext>
               </a:extLst>
             </p:cNvPr>
@@ -15193,7 +15969,7 @@
           <p:cNvPr id="6" name="2">
             <a:extLst>
               <a:ext uri="{FF2B5EF4-FFF2-40B4-BE49-F238E27FC236}">
-                <a16:creationId xmlns:a16="http://schemas.microsoft.com/office/drawing/2014/main" id="{57CACF9E-4606-402C-ABF6-0DC160C60F40}"/>
+                <a16:creationId xmlns:a16="http://schemas.microsoft.com/office/drawing/2014/main" xmlns="" id="{57CACF9E-4606-402C-ABF6-0DC160C60F40}"/>
               </a:ext>
             </a:extLst>
           </p:cNvPr>
@@ -15235,7 +16011,7 @@
           <p:cNvPr id="7" name="3">
             <a:extLst>
               <a:ext uri="{FF2B5EF4-FFF2-40B4-BE49-F238E27FC236}">
-                <a16:creationId xmlns:a16="http://schemas.microsoft.com/office/drawing/2014/main" id="{625B252C-300D-4E5D-9984-1CC2CE50CFFC}"/>
+                <a16:creationId xmlns:a16="http://schemas.microsoft.com/office/drawing/2014/main" xmlns="" id="{625B252C-300D-4E5D-9984-1CC2CE50CFFC}"/>
               </a:ext>
             </a:extLst>
           </p:cNvPr>
@@ -15276,20 +16052,20 @@
     </p:spTree>
     <p:extLst>
       <p:ext uri="{BB962C8B-B14F-4D97-AF65-F5344CB8AC3E}">
-        <p14:creationId xmlns:p14="http://schemas.microsoft.com/office/powerpoint/2010/main" val="4246638414"/>
+        <p14:creationId xmlns:p14="http://schemas.microsoft.com/office/powerpoint/2010/main" xmlns="" val="4246638414"/>
       </p:ext>
     </p:extLst>
   </p:cSld>
   <p:clrMapOvr>
     <a:masterClrMapping/>
   </p:clrMapOvr>
-  <mc:AlternateContent xmlns:mc="http://schemas.openxmlformats.org/markup-compatibility/2006" xmlns:p14="http://schemas.microsoft.com/office/powerpoint/2010/main">
-    <mc:Choice Requires="p14">
+  <mc:AlternateContent xmlns:mc="http://schemas.openxmlformats.org/markup-compatibility/2006">
+    <mc:Choice xmlns:p14="http://schemas.microsoft.com/office/powerpoint/2010/main" xmlns="" Requires="p14">
       <p:transition spd="slow" p14:dur="1500" advClick="0" advTm="0">
         <p:random/>
       </p:transition>
     </mc:Choice>
-    <mc:Fallback xmlns="">
+    <mc:Fallback>
       <p:transition spd="slow" advClick="0" advTm="0">
         <p:random/>
       </p:transition>
@@ -15575,7 +16351,7 @@
           <p:cNvPr id="2" name="1">
             <a:extLst>
               <a:ext uri="{FF2B5EF4-FFF2-40B4-BE49-F238E27FC236}">
-                <a16:creationId xmlns:a16="http://schemas.microsoft.com/office/drawing/2014/main" id="{B90DAD5F-9F09-429E-A5D9-413FA650ADA6}"/>
+                <a16:creationId xmlns:a16="http://schemas.microsoft.com/office/drawing/2014/main" xmlns="" id="{B90DAD5F-9F09-429E-A5D9-413FA650ADA6}"/>
               </a:ext>
             </a:extLst>
           </p:cNvPr>
@@ -15598,7 +16374,7 @@
             <p:cNvPr id="3" name="燕尾形 12">
               <a:extLst>
                 <a:ext uri="{FF2B5EF4-FFF2-40B4-BE49-F238E27FC236}">
-                  <a16:creationId xmlns:a16="http://schemas.microsoft.com/office/drawing/2014/main" id="{0998CF49-9568-4236-8EF9-0C258978A457}"/>
+                  <a16:creationId xmlns:a16="http://schemas.microsoft.com/office/drawing/2014/main" xmlns="" id="{0998CF49-9568-4236-8EF9-0C258978A457}"/>
                 </a:ext>
               </a:extLst>
             </p:cNvPr>
@@ -15643,7 +16419,7 @@
             <p:cNvPr id="4" name="燕尾形 13">
               <a:extLst>
                 <a:ext uri="{FF2B5EF4-FFF2-40B4-BE49-F238E27FC236}">
-                  <a16:creationId xmlns:a16="http://schemas.microsoft.com/office/drawing/2014/main" id="{9808B782-51E1-4D8C-B53A-3F0D21F425FF}"/>
+                  <a16:creationId xmlns:a16="http://schemas.microsoft.com/office/drawing/2014/main" xmlns="" id="{9808B782-51E1-4D8C-B53A-3F0D21F425FF}"/>
                 </a:ext>
               </a:extLst>
             </p:cNvPr>
@@ -15688,7 +16464,7 @@
             <p:cNvPr id="5" name="燕尾形 14">
               <a:extLst>
                 <a:ext uri="{FF2B5EF4-FFF2-40B4-BE49-F238E27FC236}">
-                  <a16:creationId xmlns:a16="http://schemas.microsoft.com/office/drawing/2014/main" id="{37147414-5F87-4285-B506-3CEEB6C72ED9}"/>
+                  <a16:creationId xmlns:a16="http://schemas.microsoft.com/office/drawing/2014/main" xmlns="" id="{37147414-5F87-4285-B506-3CEEB6C72ED9}"/>
                 </a:ext>
               </a:extLst>
             </p:cNvPr>
@@ -15734,7 +16510,7 @@
           <p:cNvPr id="6" name="2">
             <a:extLst>
               <a:ext uri="{FF2B5EF4-FFF2-40B4-BE49-F238E27FC236}">
-                <a16:creationId xmlns:a16="http://schemas.microsoft.com/office/drawing/2014/main" id="{57CACF9E-4606-402C-ABF6-0DC160C60F40}"/>
+                <a16:creationId xmlns:a16="http://schemas.microsoft.com/office/drawing/2014/main" xmlns="" id="{57CACF9E-4606-402C-ABF6-0DC160C60F40}"/>
               </a:ext>
             </a:extLst>
           </p:cNvPr>
@@ -15803,7 +16579,7 @@
           <p:cNvPr id="7" name="3">
             <a:extLst>
               <a:ext uri="{FF2B5EF4-FFF2-40B4-BE49-F238E27FC236}">
-                <a16:creationId xmlns:a16="http://schemas.microsoft.com/office/drawing/2014/main" id="{625B252C-300D-4E5D-9984-1CC2CE50CFFC}"/>
+                <a16:creationId xmlns:a16="http://schemas.microsoft.com/office/drawing/2014/main" xmlns="" id="{625B252C-300D-4E5D-9984-1CC2CE50CFFC}"/>
               </a:ext>
             </a:extLst>
           </p:cNvPr>
@@ -15846,7 +16622,7 @@
           <p:cNvPr id="8" name="TextBox 7">
             <a:extLst>
               <a:ext uri="{FF2B5EF4-FFF2-40B4-BE49-F238E27FC236}">
-                <a16:creationId xmlns:a16="http://schemas.microsoft.com/office/drawing/2014/main" id="{3DBFBE38-3AC0-4507-AF26-66537096F927}"/>
+                <a16:creationId xmlns:a16="http://schemas.microsoft.com/office/drawing/2014/main" xmlns="" id="{3DBFBE38-3AC0-4507-AF26-66537096F927}"/>
               </a:ext>
             </a:extLst>
           </p:cNvPr>
@@ -15969,7 +16745,7 @@
           <p:cNvPr id="9" name="TextBox 8">
             <a:extLst>
               <a:ext uri="{FF2B5EF4-FFF2-40B4-BE49-F238E27FC236}">
-                <a16:creationId xmlns:a16="http://schemas.microsoft.com/office/drawing/2014/main" id="{3AA7944A-047E-473C-9400-731E820F2760}"/>
+                <a16:creationId xmlns:a16="http://schemas.microsoft.com/office/drawing/2014/main" xmlns="" id="{3AA7944A-047E-473C-9400-731E820F2760}"/>
               </a:ext>
             </a:extLst>
           </p:cNvPr>
@@ -16099,7 +16875,7 @@
           <p:cNvPr id="11" name="Speech Bubble: Oval 10">
             <a:extLst>
               <a:ext uri="{FF2B5EF4-FFF2-40B4-BE49-F238E27FC236}">
-                <a16:creationId xmlns:a16="http://schemas.microsoft.com/office/drawing/2014/main" id="{21A064AB-8444-4BCF-80A4-5B713B1D0EE8}"/>
+                <a16:creationId xmlns:a16="http://schemas.microsoft.com/office/drawing/2014/main" xmlns="" id="{21A064AB-8444-4BCF-80A4-5B713B1D0EE8}"/>
               </a:ext>
             </a:extLst>
           </p:cNvPr>
@@ -16188,20 +16964,20 @@
     </p:spTree>
     <p:extLst>
       <p:ext uri="{BB962C8B-B14F-4D97-AF65-F5344CB8AC3E}">
-        <p14:creationId xmlns:p14="http://schemas.microsoft.com/office/powerpoint/2010/main" val="27672525"/>
+        <p14:creationId xmlns:p14="http://schemas.microsoft.com/office/powerpoint/2010/main" xmlns="" val="27672525"/>
       </p:ext>
     </p:extLst>
   </p:cSld>
   <p:clrMapOvr>
     <a:masterClrMapping/>
   </p:clrMapOvr>
-  <mc:AlternateContent xmlns:mc="http://schemas.openxmlformats.org/markup-compatibility/2006" xmlns:p14="http://schemas.microsoft.com/office/powerpoint/2010/main">
-    <mc:Choice Requires="p14">
+  <mc:AlternateContent xmlns:mc="http://schemas.openxmlformats.org/markup-compatibility/2006">
+    <mc:Choice xmlns:p14="http://schemas.microsoft.com/office/powerpoint/2010/main" xmlns="" Requires="p14">
       <p:transition spd="slow" p14:dur="1500" advClick="0" advTm="0">
         <p:random/>
       </p:transition>
     </mc:Choice>
-    <mc:Fallback xmlns="">
+    <mc:Fallback>
       <p:transition spd="slow" advClick="0" advTm="0">
         <p:random/>
       </p:transition>
@@ -16702,7 +17478,7 @@
           <p:cNvPr id="3" name="TextBox 2">
             <a:extLst>
               <a:ext uri="{FF2B5EF4-FFF2-40B4-BE49-F238E27FC236}">
-                <a16:creationId xmlns:a16="http://schemas.microsoft.com/office/drawing/2014/main" id="{C57324A4-F831-41C9-9FA5-E15DBEA7C6DC}"/>
+                <a16:creationId xmlns:a16="http://schemas.microsoft.com/office/drawing/2014/main" xmlns="" id="{C57324A4-F831-41C9-9FA5-E15DBEA7C6DC}"/>
               </a:ext>
             </a:extLst>
           </p:cNvPr>
@@ -16838,7 +17614,7 @@
           <p:cNvPr id="6" name="Rectangle 5">
             <a:extLst>
               <a:ext uri="{FF2B5EF4-FFF2-40B4-BE49-F238E27FC236}">
-                <a16:creationId xmlns:a16="http://schemas.microsoft.com/office/drawing/2014/main" id="{C86CF33E-4972-4BBE-B328-228A054E0159}"/>
+                <a16:creationId xmlns:a16="http://schemas.microsoft.com/office/drawing/2014/main" xmlns="" id="{C86CF33E-4972-4BBE-B328-228A054E0159}"/>
               </a:ext>
             </a:extLst>
           </p:cNvPr>
@@ -16994,20 +17770,20 @@
     </p:spTree>
     <p:extLst>
       <p:ext uri="{BB962C8B-B14F-4D97-AF65-F5344CB8AC3E}">
-        <p14:creationId xmlns:p14="http://schemas.microsoft.com/office/powerpoint/2010/main" val="264814506"/>
+        <p14:creationId xmlns:p14="http://schemas.microsoft.com/office/powerpoint/2010/main" xmlns="" val="264814506"/>
       </p:ext>
     </p:extLst>
   </p:cSld>
   <p:clrMapOvr>
     <a:masterClrMapping/>
   </p:clrMapOvr>
-  <mc:AlternateContent xmlns:mc="http://schemas.openxmlformats.org/markup-compatibility/2006" xmlns:p14="http://schemas.microsoft.com/office/powerpoint/2010/main">
-    <mc:Choice Requires="p14">
+  <mc:AlternateContent xmlns:mc="http://schemas.openxmlformats.org/markup-compatibility/2006">
+    <mc:Choice xmlns:p14="http://schemas.microsoft.com/office/powerpoint/2010/main" xmlns="" Requires="p14">
       <p:transition spd="slow" p14:dur="1500">
         <p:random/>
       </p:transition>
     </mc:Choice>
-    <mc:Fallback xmlns="">
+    <mc:Fallback>
       <p:transition spd="slow">
         <p:random/>
       </p:transition>
@@ -17293,7 +18069,7 @@
           <p:cNvPr id="2" name="1">
             <a:extLst>
               <a:ext uri="{FF2B5EF4-FFF2-40B4-BE49-F238E27FC236}">
-                <a16:creationId xmlns:a16="http://schemas.microsoft.com/office/drawing/2014/main" id="{B90DAD5F-9F09-429E-A5D9-413FA650ADA6}"/>
+                <a16:creationId xmlns:a16="http://schemas.microsoft.com/office/drawing/2014/main" xmlns="" id="{B90DAD5F-9F09-429E-A5D9-413FA650ADA6}"/>
               </a:ext>
             </a:extLst>
           </p:cNvPr>
@@ -17316,7 +18092,7 @@
             <p:cNvPr id="3" name="燕尾形 12">
               <a:extLst>
                 <a:ext uri="{FF2B5EF4-FFF2-40B4-BE49-F238E27FC236}">
-                  <a16:creationId xmlns:a16="http://schemas.microsoft.com/office/drawing/2014/main" id="{0998CF49-9568-4236-8EF9-0C258978A457}"/>
+                  <a16:creationId xmlns:a16="http://schemas.microsoft.com/office/drawing/2014/main" xmlns="" id="{0998CF49-9568-4236-8EF9-0C258978A457}"/>
                 </a:ext>
               </a:extLst>
             </p:cNvPr>
@@ -17361,7 +18137,7 @@
             <p:cNvPr id="4" name="燕尾形 13">
               <a:extLst>
                 <a:ext uri="{FF2B5EF4-FFF2-40B4-BE49-F238E27FC236}">
-                  <a16:creationId xmlns:a16="http://schemas.microsoft.com/office/drawing/2014/main" id="{9808B782-51E1-4D8C-B53A-3F0D21F425FF}"/>
+                  <a16:creationId xmlns:a16="http://schemas.microsoft.com/office/drawing/2014/main" xmlns="" id="{9808B782-51E1-4D8C-B53A-3F0D21F425FF}"/>
                 </a:ext>
               </a:extLst>
             </p:cNvPr>
@@ -17406,7 +18182,7 @@
             <p:cNvPr id="5" name="燕尾形 14">
               <a:extLst>
                 <a:ext uri="{FF2B5EF4-FFF2-40B4-BE49-F238E27FC236}">
-                  <a16:creationId xmlns:a16="http://schemas.microsoft.com/office/drawing/2014/main" id="{37147414-5F87-4285-B506-3CEEB6C72ED9}"/>
+                  <a16:creationId xmlns:a16="http://schemas.microsoft.com/office/drawing/2014/main" xmlns="" id="{37147414-5F87-4285-B506-3CEEB6C72ED9}"/>
                 </a:ext>
               </a:extLst>
             </p:cNvPr>
@@ -17452,7 +18228,7 @@
           <p:cNvPr id="6" name="2">
             <a:extLst>
               <a:ext uri="{FF2B5EF4-FFF2-40B4-BE49-F238E27FC236}">
-                <a16:creationId xmlns:a16="http://schemas.microsoft.com/office/drawing/2014/main" id="{57CACF9E-4606-402C-ABF6-0DC160C60F40}"/>
+                <a16:creationId xmlns:a16="http://schemas.microsoft.com/office/drawing/2014/main" xmlns="" id="{57CACF9E-4606-402C-ABF6-0DC160C60F40}"/>
               </a:ext>
             </a:extLst>
           </p:cNvPr>
@@ -17494,7 +18270,7 @@
           <p:cNvPr id="7" name="3">
             <a:extLst>
               <a:ext uri="{FF2B5EF4-FFF2-40B4-BE49-F238E27FC236}">
-                <a16:creationId xmlns:a16="http://schemas.microsoft.com/office/drawing/2014/main" id="{625B252C-300D-4E5D-9984-1CC2CE50CFFC}"/>
+                <a16:creationId xmlns:a16="http://schemas.microsoft.com/office/drawing/2014/main" xmlns="" id="{625B252C-300D-4E5D-9984-1CC2CE50CFFC}"/>
               </a:ext>
             </a:extLst>
           </p:cNvPr>
@@ -17537,7 +18313,7 @@
           <p:cNvPr id="8" name="TextBox 7">
             <a:extLst>
               <a:ext uri="{FF2B5EF4-FFF2-40B4-BE49-F238E27FC236}">
-                <a16:creationId xmlns:a16="http://schemas.microsoft.com/office/drawing/2014/main" id="{7662BB0A-D548-45AB-AC79-03F11EBB183B}"/>
+                <a16:creationId xmlns:a16="http://schemas.microsoft.com/office/drawing/2014/main" xmlns="" id="{7662BB0A-D548-45AB-AC79-03F11EBB183B}"/>
               </a:ext>
             </a:extLst>
           </p:cNvPr>
@@ -17620,20 +18396,20 @@
     </p:spTree>
     <p:extLst>
       <p:ext uri="{BB962C8B-B14F-4D97-AF65-F5344CB8AC3E}">
-        <p14:creationId xmlns:p14="http://schemas.microsoft.com/office/powerpoint/2010/main" val="1160288293"/>
+        <p14:creationId xmlns:p14="http://schemas.microsoft.com/office/powerpoint/2010/main" xmlns="" val="1160288293"/>
       </p:ext>
     </p:extLst>
   </p:cSld>
   <p:clrMapOvr>
     <a:masterClrMapping/>
   </p:clrMapOvr>
-  <mc:AlternateContent xmlns:mc="http://schemas.openxmlformats.org/markup-compatibility/2006" xmlns:p14="http://schemas.microsoft.com/office/powerpoint/2010/main">
-    <mc:Choice Requires="p14">
+  <mc:AlternateContent xmlns:mc="http://schemas.openxmlformats.org/markup-compatibility/2006">
+    <mc:Choice xmlns:p14="http://schemas.microsoft.com/office/powerpoint/2010/main" xmlns="" Requires="p14">
       <p:transition spd="slow" p14:dur="1500" advClick="0" advTm="0">
         <p:random/>
       </p:transition>
     </mc:Choice>
-    <mc:Fallback xmlns="">
+    <mc:Fallback>
       <p:transition spd="slow" advClick="0" advTm="0">
         <p:random/>
       </p:transition>
@@ -17919,7 +18695,7 @@
           <p:cNvPr id="2" name="1">
             <a:extLst>
               <a:ext uri="{FF2B5EF4-FFF2-40B4-BE49-F238E27FC236}">
-                <a16:creationId xmlns:a16="http://schemas.microsoft.com/office/drawing/2014/main" id="{B90DAD5F-9F09-429E-A5D9-413FA650ADA6}"/>
+                <a16:creationId xmlns:a16="http://schemas.microsoft.com/office/drawing/2014/main" xmlns="" id="{B90DAD5F-9F09-429E-A5D9-413FA650ADA6}"/>
               </a:ext>
             </a:extLst>
           </p:cNvPr>
@@ -17942,7 +18718,7 @@
             <p:cNvPr id="3" name="燕尾形 12">
               <a:extLst>
                 <a:ext uri="{FF2B5EF4-FFF2-40B4-BE49-F238E27FC236}">
-                  <a16:creationId xmlns:a16="http://schemas.microsoft.com/office/drawing/2014/main" id="{0998CF49-9568-4236-8EF9-0C258978A457}"/>
+                  <a16:creationId xmlns:a16="http://schemas.microsoft.com/office/drawing/2014/main" xmlns="" id="{0998CF49-9568-4236-8EF9-0C258978A457}"/>
                 </a:ext>
               </a:extLst>
             </p:cNvPr>
@@ -17987,7 +18763,7 @@
             <p:cNvPr id="4" name="燕尾形 13">
               <a:extLst>
                 <a:ext uri="{FF2B5EF4-FFF2-40B4-BE49-F238E27FC236}">
-                  <a16:creationId xmlns:a16="http://schemas.microsoft.com/office/drawing/2014/main" id="{9808B782-51E1-4D8C-B53A-3F0D21F425FF}"/>
+                  <a16:creationId xmlns:a16="http://schemas.microsoft.com/office/drawing/2014/main" xmlns="" id="{9808B782-51E1-4D8C-B53A-3F0D21F425FF}"/>
                 </a:ext>
               </a:extLst>
             </p:cNvPr>
@@ -18032,7 +18808,7 @@
             <p:cNvPr id="5" name="燕尾形 14">
               <a:extLst>
                 <a:ext uri="{FF2B5EF4-FFF2-40B4-BE49-F238E27FC236}">
-                  <a16:creationId xmlns:a16="http://schemas.microsoft.com/office/drawing/2014/main" id="{37147414-5F87-4285-B506-3CEEB6C72ED9}"/>
+                  <a16:creationId xmlns:a16="http://schemas.microsoft.com/office/drawing/2014/main" xmlns="" id="{37147414-5F87-4285-B506-3CEEB6C72ED9}"/>
                 </a:ext>
               </a:extLst>
             </p:cNvPr>
@@ -18078,7 +18854,7 @@
           <p:cNvPr id="6" name="2">
             <a:extLst>
               <a:ext uri="{FF2B5EF4-FFF2-40B4-BE49-F238E27FC236}">
-                <a16:creationId xmlns:a16="http://schemas.microsoft.com/office/drawing/2014/main" id="{57CACF9E-4606-402C-ABF6-0DC160C60F40}"/>
+                <a16:creationId xmlns:a16="http://schemas.microsoft.com/office/drawing/2014/main" xmlns="" id="{57CACF9E-4606-402C-ABF6-0DC160C60F40}"/>
               </a:ext>
             </a:extLst>
           </p:cNvPr>
@@ -18147,7 +18923,7 @@
           <p:cNvPr id="7" name="3">
             <a:extLst>
               <a:ext uri="{FF2B5EF4-FFF2-40B4-BE49-F238E27FC236}">
-                <a16:creationId xmlns:a16="http://schemas.microsoft.com/office/drawing/2014/main" id="{625B252C-300D-4E5D-9984-1CC2CE50CFFC}"/>
+                <a16:creationId xmlns:a16="http://schemas.microsoft.com/office/drawing/2014/main" xmlns="" id="{625B252C-300D-4E5D-9984-1CC2CE50CFFC}"/>
               </a:ext>
             </a:extLst>
           </p:cNvPr>
@@ -18190,7 +18966,7 @@
           <p:cNvPr id="8" name="TextBox 7">
             <a:extLst>
               <a:ext uri="{FF2B5EF4-FFF2-40B4-BE49-F238E27FC236}">
-                <a16:creationId xmlns:a16="http://schemas.microsoft.com/office/drawing/2014/main" id="{1FD20DBC-9370-4932-B302-15E9BD9CF161}"/>
+                <a16:creationId xmlns:a16="http://schemas.microsoft.com/office/drawing/2014/main" xmlns="" id="{1FD20DBC-9370-4932-B302-15E9BD9CF161}"/>
               </a:ext>
             </a:extLst>
           </p:cNvPr>
@@ -18391,7 +19167,7 @@
           <p:cNvPr id="9" name="TextBox 8">
             <a:extLst>
               <a:ext uri="{FF2B5EF4-FFF2-40B4-BE49-F238E27FC236}">
-                <a16:creationId xmlns:a16="http://schemas.microsoft.com/office/drawing/2014/main" id="{C67297E8-CA9F-44B9-A508-27A2883EA947}"/>
+                <a16:creationId xmlns:a16="http://schemas.microsoft.com/office/drawing/2014/main" xmlns="" id="{C67297E8-CA9F-44B9-A508-27A2883EA947}"/>
               </a:ext>
             </a:extLst>
           </p:cNvPr>
@@ -18494,7 +19270,7 @@
           <p:cNvPr id="10" name="Rectangle: Rounded Corners 9">
             <a:extLst>
               <a:ext uri="{FF2B5EF4-FFF2-40B4-BE49-F238E27FC236}">
-                <a16:creationId xmlns:a16="http://schemas.microsoft.com/office/drawing/2014/main" id="{9D19314B-5538-4EAA-A41D-5A1FA3DAB0A0}"/>
+                <a16:creationId xmlns:a16="http://schemas.microsoft.com/office/drawing/2014/main" xmlns="" id="{9D19314B-5538-4EAA-A41D-5A1FA3DAB0A0}"/>
               </a:ext>
             </a:extLst>
           </p:cNvPr>
@@ -18577,7 +19353,7 @@
           <p:cNvPr id="12" name="Straight Arrow Connector 11">
             <a:extLst>
               <a:ext uri="{FF2B5EF4-FFF2-40B4-BE49-F238E27FC236}">
-                <a16:creationId xmlns:a16="http://schemas.microsoft.com/office/drawing/2014/main" id="{E39D1571-C729-4016-9469-BC7E937B64A9}"/>
+                <a16:creationId xmlns:a16="http://schemas.microsoft.com/office/drawing/2014/main" xmlns="" id="{E39D1571-C729-4016-9469-BC7E937B64A9}"/>
               </a:ext>
             </a:extLst>
           </p:cNvPr>
@@ -18618,7 +19394,7 @@
           <p:cNvPr id="13" name="Right Brace 12">
             <a:extLst>
               <a:ext uri="{FF2B5EF4-FFF2-40B4-BE49-F238E27FC236}">
-                <a16:creationId xmlns:a16="http://schemas.microsoft.com/office/drawing/2014/main" id="{44F19B89-35BB-4AD6-9009-1F702E2A6976}"/>
+                <a16:creationId xmlns:a16="http://schemas.microsoft.com/office/drawing/2014/main" xmlns="" id="{44F19B89-35BB-4AD6-9009-1F702E2A6976}"/>
               </a:ext>
             </a:extLst>
           </p:cNvPr>
@@ -18665,7 +19441,7 @@
           <p:cNvPr id="16" name="Rectangle: Rounded Corners 15">
             <a:extLst>
               <a:ext uri="{FF2B5EF4-FFF2-40B4-BE49-F238E27FC236}">
-                <a16:creationId xmlns:a16="http://schemas.microsoft.com/office/drawing/2014/main" id="{DB948C2B-6171-4A17-BE57-3ED9DFB974A2}"/>
+                <a16:creationId xmlns:a16="http://schemas.microsoft.com/office/drawing/2014/main" xmlns="" id="{DB948C2B-6171-4A17-BE57-3ED9DFB974A2}"/>
               </a:ext>
             </a:extLst>
           </p:cNvPr>
@@ -18712,7 +19488,7 @@
           <p:cNvPr id="17" name="Rectangle: Rounded Corners 16">
             <a:extLst>
               <a:ext uri="{FF2B5EF4-FFF2-40B4-BE49-F238E27FC236}">
-                <a16:creationId xmlns:a16="http://schemas.microsoft.com/office/drawing/2014/main" id="{53576592-6356-465E-80FA-99D458DBE18B}"/>
+                <a16:creationId xmlns:a16="http://schemas.microsoft.com/office/drawing/2014/main" xmlns="" id="{53576592-6356-465E-80FA-99D458DBE18B}"/>
               </a:ext>
             </a:extLst>
           </p:cNvPr>
@@ -18757,20 +19533,20 @@
     </p:spTree>
     <p:extLst>
       <p:ext uri="{BB962C8B-B14F-4D97-AF65-F5344CB8AC3E}">
-        <p14:creationId xmlns:p14="http://schemas.microsoft.com/office/powerpoint/2010/main" val="531440399"/>
+        <p14:creationId xmlns:p14="http://schemas.microsoft.com/office/powerpoint/2010/main" xmlns="" val="531440399"/>
       </p:ext>
     </p:extLst>
   </p:cSld>
   <p:clrMapOvr>
     <a:masterClrMapping/>
   </p:clrMapOvr>
-  <mc:AlternateContent xmlns:mc="http://schemas.openxmlformats.org/markup-compatibility/2006" xmlns:p14="http://schemas.microsoft.com/office/powerpoint/2010/main">
-    <mc:Choice Requires="p14">
+  <mc:AlternateContent xmlns:mc="http://schemas.openxmlformats.org/markup-compatibility/2006">
+    <mc:Choice xmlns:p14="http://schemas.microsoft.com/office/powerpoint/2010/main" xmlns="" Requires="p14">
       <p:transition spd="slow" p14:dur="1500" advClick="0" advTm="0">
         <p:random/>
       </p:transition>
     </mc:Choice>
-    <mc:Fallback xmlns="">
+    <mc:Fallback>
       <p:transition spd="slow" advClick="0" advTm="0">
         <p:random/>
       </p:transition>
@@ -19056,7 +19832,7 @@
           <p:cNvPr id="2" name="1">
             <a:extLst>
               <a:ext uri="{FF2B5EF4-FFF2-40B4-BE49-F238E27FC236}">
-                <a16:creationId xmlns:a16="http://schemas.microsoft.com/office/drawing/2014/main" id="{B90DAD5F-9F09-429E-A5D9-413FA650ADA6}"/>
+                <a16:creationId xmlns:a16="http://schemas.microsoft.com/office/drawing/2014/main" xmlns="" id="{B90DAD5F-9F09-429E-A5D9-413FA650ADA6}"/>
               </a:ext>
             </a:extLst>
           </p:cNvPr>
@@ -19079,7 +19855,7 @@
             <p:cNvPr id="3" name="燕尾形 12">
               <a:extLst>
                 <a:ext uri="{FF2B5EF4-FFF2-40B4-BE49-F238E27FC236}">
-                  <a16:creationId xmlns:a16="http://schemas.microsoft.com/office/drawing/2014/main" id="{0998CF49-9568-4236-8EF9-0C258978A457}"/>
+                  <a16:creationId xmlns:a16="http://schemas.microsoft.com/office/drawing/2014/main" xmlns="" id="{0998CF49-9568-4236-8EF9-0C258978A457}"/>
                 </a:ext>
               </a:extLst>
             </p:cNvPr>
@@ -19124,7 +19900,7 @@
             <p:cNvPr id="4" name="燕尾形 13">
               <a:extLst>
                 <a:ext uri="{FF2B5EF4-FFF2-40B4-BE49-F238E27FC236}">
-                  <a16:creationId xmlns:a16="http://schemas.microsoft.com/office/drawing/2014/main" id="{9808B782-51E1-4D8C-B53A-3F0D21F425FF}"/>
+                  <a16:creationId xmlns:a16="http://schemas.microsoft.com/office/drawing/2014/main" xmlns="" id="{9808B782-51E1-4D8C-B53A-3F0D21F425FF}"/>
                 </a:ext>
               </a:extLst>
             </p:cNvPr>
@@ -19169,7 +19945,7 @@
             <p:cNvPr id="5" name="燕尾形 14">
               <a:extLst>
                 <a:ext uri="{FF2B5EF4-FFF2-40B4-BE49-F238E27FC236}">
-                  <a16:creationId xmlns:a16="http://schemas.microsoft.com/office/drawing/2014/main" id="{37147414-5F87-4285-B506-3CEEB6C72ED9}"/>
+                  <a16:creationId xmlns:a16="http://schemas.microsoft.com/office/drawing/2014/main" xmlns="" id="{37147414-5F87-4285-B506-3CEEB6C72ED9}"/>
                 </a:ext>
               </a:extLst>
             </p:cNvPr>
@@ -19215,7 +19991,7 @@
           <p:cNvPr id="6" name="2">
             <a:extLst>
               <a:ext uri="{FF2B5EF4-FFF2-40B4-BE49-F238E27FC236}">
-                <a16:creationId xmlns:a16="http://schemas.microsoft.com/office/drawing/2014/main" id="{57CACF9E-4606-402C-ABF6-0DC160C60F40}"/>
+                <a16:creationId xmlns:a16="http://schemas.microsoft.com/office/drawing/2014/main" xmlns="" id="{57CACF9E-4606-402C-ABF6-0DC160C60F40}"/>
               </a:ext>
             </a:extLst>
           </p:cNvPr>
@@ -19264,7 +20040,7 @@
           <p:cNvPr id="7" name="3">
             <a:extLst>
               <a:ext uri="{FF2B5EF4-FFF2-40B4-BE49-F238E27FC236}">
-                <a16:creationId xmlns:a16="http://schemas.microsoft.com/office/drawing/2014/main" id="{625B252C-300D-4E5D-9984-1CC2CE50CFFC}"/>
+                <a16:creationId xmlns:a16="http://schemas.microsoft.com/office/drawing/2014/main" xmlns="" id="{625B252C-300D-4E5D-9984-1CC2CE50CFFC}"/>
               </a:ext>
             </a:extLst>
           </p:cNvPr>
@@ -19307,7 +20083,7 @@
           <p:cNvPr id="8" name="Rectangle: Rounded Corners 7">
             <a:extLst>
               <a:ext uri="{FF2B5EF4-FFF2-40B4-BE49-F238E27FC236}">
-                <a16:creationId xmlns:a16="http://schemas.microsoft.com/office/drawing/2014/main" id="{F68BECEA-408E-421E-AF7B-6D2F2A937A53}"/>
+                <a16:creationId xmlns:a16="http://schemas.microsoft.com/office/drawing/2014/main" xmlns="" id="{F68BECEA-408E-421E-AF7B-6D2F2A937A53}"/>
               </a:ext>
             </a:extLst>
           </p:cNvPr>
@@ -19365,7 +20141,7 @@
           <p:cNvPr id="9" name="Rectangle: Rounded Corners 8">
             <a:extLst>
               <a:ext uri="{FF2B5EF4-FFF2-40B4-BE49-F238E27FC236}">
-                <a16:creationId xmlns:a16="http://schemas.microsoft.com/office/drawing/2014/main" id="{0382AEC7-E875-41C2-B0A0-D654802E3F25}"/>
+                <a16:creationId xmlns:a16="http://schemas.microsoft.com/office/drawing/2014/main" xmlns="" id="{0382AEC7-E875-41C2-B0A0-D654802E3F25}"/>
               </a:ext>
             </a:extLst>
           </p:cNvPr>
@@ -19422,7 +20198,7 @@
           <p:cNvPr id="11" name="Rectangle 10">
             <a:extLst>
               <a:ext uri="{FF2B5EF4-FFF2-40B4-BE49-F238E27FC236}">
-                <a16:creationId xmlns:a16="http://schemas.microsoft.com/office/drawing/2014/main" id="{4AEFDE1E-29FF-421B-9182-02C032CDD346}"/>
+                <a16:creationId xmlns:a16="http://schemas.microsoft.com/office/drawing/2014/main" xmlns="" id="{4AEFDE1E-29FF-421B-9182-02C032CDD346}"/>
               </a:ext>
             </a:extLst>
           </p:cNvPr>
@@ -19605,7 +20381,7 @@
           <p:cNvPr id="12" name="Rectangle 11">
             <a:extLst>
               <a:ext uri="{FF2B5EF4-FFF2-40B4-BE49-F238E27FC236}">
-                <a16:creationId xmlns:a16="http://schemas.microsoft.com/office/drawing/2014/main" id="{959CCCF2-6F51-471D-820D-025C74C7CDE9}"/>
+                <a16:creationId xmlns:a16="http://schemas.microsoft.com/office/drawing/2014/main" xmlns="" id="{959CCCF2-6F51-471D-820D-025C74C7CDE9}"/>
               </a:ext>
             </a:extLst>
           </p:cNvPr>
@@ -19810,7 +20586,7 @@
           <p:cNvPr id="14" name="Rectangle 13">
             <a:extLst>
               <a:ext uri="{FF2B5EF4-FFF2-40B4-BE49-F238E27FC236}">
-                <a16:creationId xmlns:a16="http://schemas.microsoft.com/office/drawing/2014/main" id="{64F94B6A-5B0B-4125-AC98-C1014350D05A}"/>
+                <a16:creationId xmlns:a16="http://schemas.microsoft.com/office/drawing/2014/main" xmlns="" id="{64F94B6A-5B0B-4125-AC98-C1014350D05A}"/>
               </a:ext>
             </a:extLst>
           </p:cNvPr>
@@ -20130,20 +20906,20 @@
     </p:spTree>
     <p:extLst>
       <p:ext uri="{BB962C8B-B14F-4D97-AF65-F5344CB8AC3E}">
-        <p14:creationId xmlns:p14="http://schemas.microsoft.com/office/powerpoint/2010/main" val="2096892857"/>
+        <p14:creationId xmlns:p14="http://schemas.microsoft.com/office/powerpoint/2010/main" xmlns="" val="2096892857"/>
       </p:ext>
     </p:extLst>
   </p:cSld>
   <p:clrMapOvr>
     <a:masterClrMapping/>
   </p:clrMapOvr>
-  <mc:AlternateContent xmlns:mc="http://schemas.openxmlformats.org/markup-compatibility/2006" xmlns:p14="http://schemas.microsoft.com/office/powerpoint/2010/main">
-    <mc:Choice Requires="p14">
+  <mc:AlternateContent xmlns:mc="http://schemas.openxmlformats.org/markup-compatibility/2006">
+    <mc:Choice xmlns:p14="http://schemas.microsoft.com/office/powerpoint/2010/main" xmlns="" Requires="p14">
       <p:transition spd="slow" p14:dur="1500" advClick="0" advTm="0">
         <p:random/>
       </p:transition>
     </mc:Choice>
-    <mc:Fallback xmlns="">
+    <mc:Fallback>
       <p:transition spd="slow" advClick="0" advTm="0">
         <p:random/>
       </p:transition>
@@ -20429,7 +21205,7 @@
           <p:cNvPr id="2" name="1">
             <a:extLst>
               <a:ext uri="{FF2B5EF4-FFF2-40B4-BE49-F238E27FC236}">
-                <a16:creationId xmlns:a16="http://schemas.microsoft.com/office/drawing/2014/main" id="{B90DAD5F-9F09-429E-A5D9-413FA650ADA6}"/>
+                <a16:creationId xmlns:a16="http://schemas.microsoft.com/office/drawing/2014/main" xmlns="" id="{B90DAD5F-9F09-429E-A5D9-413FA650ADA6}"/>
               </a:ext>
             </a:extLst>
           </p:cNvPr>
@@ -20452,7 +21228,7 @@
             <p:cNvPr id="3" name="燕尾形 12">
               <a:extLst>
                 <a:ext uri="{FF2B5EF4-FFF2-40B4-BE49-F238E27FC236}">
-                  <a16:creationId xmlns:a16="http://schemas.microsoft.com/office/drawing/2014/main" id="{0998CF49-9568-4236-8EF9-0C258978A457}"/>
+                  <a16:creationId xmlns:a16="http://schemas.microsoft.com/office/drawing/2014/main" xmlns="" id="{0998CF49-9568-4236-8EF9-0C258978A457}"/>
                 </a:ext>
               </a:extLst>
             </p:cNvPr>
@@ -20497,7 +21273,7 @@
             <p:cNvPr id="4" name="燕尾形 13">
               <a:extLst>
                 <a:ext uri="{FF2B5EF4-FFF2-40B4-BE49-F238E27FC236}">
-                  <a16:creationId xmlns:a16="http://schemas.microsoft.com/office/drawing/2014/main" id="{9808B782-51E1-4D8C-B53A-3F0D21F425FF}"/>
+                  <a16:creationId xmlns:a16="http://schemas.microsoft.com/office/drawing/2014/main" xmlns="" id="{9808B782-51E1-4D8C-B53A-3F0D21F425FF}"/>
                 </a:ext>
               </a:extLst>
             </p:cNvPr>
@@ -20542,7 +21318,7 @@
             <p:cNvPr id="5" name="燕尾形 14">
               <a:extLst>
                 <a:ext uri="{FF2B5EF4-FFF2-40B4-BE49-F238E27FC236}">
-                  <a16:creationId xmlns:a16="http://schemas.microsoft.com/office/drawing/2014/main" id="{37147414-5F87-4285-B506-3CEEB6C72ED9}"/>
+                  <a16:creationId xmlns:a16="http://schemas.microsoft.com/office/drawing/2014/main" xmlns="" id="{37147414-5F87-4285-B506-3CEEB6C72ED9}"/>
                 </a:ext>
               </a:extLst>
             </p:cNvPr>
@@ -20588,7 +21364,7 @@
           <p:cNvPr id="6" name="2">
             <a:extLst>
               <a:ext uri="{FF2B5EF4-FFF2-40B4-BE49-F238E27FC236}">
-                <a16:creationId xmlns:a16="http://schemas.microsoft.com/office/drawing/2014/main" id="{57CACF9E-4606-402C-ABF6-0DC160C60F40}"/>
+                <a16:creationId xmlns:a16="http://schemas.microsoft.com/office/drawing/2014/main" xmlns="" id="{57CACF9E-4606-402C-ABF6-0DC160C60F40}"/>
               </a:ext>
             </a:extLst>
           </p:cNvPr>
@@ -20650,7 +21426,7 @@
           <p:cNvPr id="7" name="3">
             <a:extLst>
               <a:ext uri="{FF2B5EF4-FFF2-40B4-BE49-F238E27FC236}">
-                <a16:creationId xmlns:a16="http://schemas.microsoft.com/office/drawing/2014/main" id="{625B252C-300D-4E5D-9984-1CC2CE50CFFC}"/>
+                <a16:creationId xmlns:a16="http://schemas.microsoft.com/office/drawing/2014/main" xmlns="" id="{625B252C-300D-4E5D-9984-1CC2CE50CFFC}"/>
               </a:ext>
             </a:extLst>
           </p:cNvPr>
@@ -20693,7 +21469,7 @@
           <p:cNvPr id="8" name="Picture 7">
             <a:extLst>
               <a:ext uri="{FF2B5EF4-FFF2-40B4-BE49-F238E27FC236}">
-                <a16:creationId xmlns:a16="http://schemas.microsoft.com/office/drawing/2014/main" id="{79F0F1F1-32F7-4884-B6C7-FE00CFB1FB66}"/>
+                <a16:creationId xmlns:a16="http://schemas.microsoft.com/office/drawing/2014/main" xmlns="" id="{79F0F1F1-32F7-4884-B6C7-FE00CFB1FB66}"/>
               </a:ext>
             </a:extLst>
           </p:cNvPr>
@@ -20703,7 +21479,7 @@
           <p:nvPr/>
         </p:nvPicPr>
         <p:blipFill>
-          <a:blip r:embed="rId2"/>
+          <a:blip r:embed="rId2" cstate="print"/>
           <a:stretch>
             <a:fillRect/>
           </a:stretch>
@@ -20721,20 +21497,20 @@
     </p:spTree>
     <p:extLst>
       <p:ext uri="{BB962C8B-B14F-4D97-AF65-F5344CB8AC3E}">
-        <p14:creationId xmlns:p14="http://schemas.microsoft.com/office/powerpoint/2010/main" val="44955616"/>
+        <p14:creationId xmlns:p14="http://schemas.microsoft.com/office/powerpoint/2010/main" xmlns="" val="44955616"/>
       </p:ext>
     </p:extLst>
   </p:cSld>
   <p:clrMapOvr>
     <a:masterClrMapping/>
   </p:clrMapOvr>
-  <mc:AlternateContent xmlns:mc="http://schemas.openxmlformats.org/markup-compatibility/2006" xmlns:p14="http://schemas.microsoft.com/office/powerpoint/2010/main">
-    <mc:Choice Requires="p14">
+  <mc:AlternateContent xmlns:mc="http://schemas.openxmlformats.org/markup-compatibility/2006">
+    <mc:Choice xmlns:p14="http://schemas.microsoft.com/office/powerpoint/2010/main" xmlns="" Requires="p14">
       <p:transition spd="slow" p14:dur="1500" advClick="0" advTm="0">
         <p:random/>
       </p:transition>
     </mc:Choice>
-    <mc:Fallback xmlns="">
+    <mc:Fallback>
       <p:transition spd="slow" advClick="0" advTm="0">
         <p:random/>
       </p:transition>
@@ -21020,7 +21796,7 @@
           <p:cNvPr id="2" name="1">
             <a:extLst>
               <a:ext uri="{FF2B5EF4-FFF2-40B4-BE49-F238E27FC236}">
-                <a16:creationId xmlns:a16="http://schemas.microsoft.com/office/drawing/2014/main" id="{B90DAD5F-9F09-429E-A5D9-413FA650ADA6}"/>
+                <a16:creationId xmlns:a16="http://schemas.microsoft.com/office/drawing/2014/main" xmlns="" id="{B90DAD5F-9F09-429E-A5D9-413FA650ADA6}"/>
               </a:ext>
             </a:extLst>
           </p:cNvPr>
@@ -21043,7 +21819,7 @@
             <p:cNvPr id="3" name="燕尾形 12">
               <a:extLst>
                 <a:ext uri="{FF2B5EF4-FFF2-40B4-BE49-F238E27FC236}">
-                  <a16:creationId xmlns:a16="http://schemas.microsoft.com/office/drawing/2014/main" id="{0998CF49-9568-4236-8EF9-0C258978A457}"/>
+                  <a16:creationId xmlns:a16="http://schemas.microsoft.com/office/drawing/2014/main" xmlns="" id="{0998CF49-9568-4236-8EF9-0C258978A457}"/>
                 </a:ext>
               </a:extLst>
             </p:cNvPr>
@@ -21088,7 +21864,7 @@
             <p:cNvPr id="4" name="燕尾形 13">
               <a:extLst>
                 <a:ext uri="{FF2B5EF4-FFF2-40B4-BE49-F238E27FC236}">
-                  <a16:creationId xmlns:a16="http://schemas.microsoft.com/office/drawing/2014/main" id="{9808B782-51E1-4D8C-B53A-3F0D21F425FF}"/>
+                  <a16:creationId xmlns:a16="http://schemas.microsoft.com/office/drawing/2014/main" xmlns="" id="{9808B782-51E1-4D8C-B53A-3F0D21F425FF}"/>
                 </a:ext>
               </a:extLst>
             </p:cNvPr>
@@ -21133,7 +21909,7 @@
             <p:cNvPr id="5" name="燕尾形 14">
               <a:extLst>
                 <a:ext uri="{FF2B5EF4-FFF2-40B4-BE49-F238E27FC236}">
-                  <a16:creationId xmlns:a16="http://schemas.microsoft.com/office/drawing/2014/main" id="{37147414-5F87-4285-B506-3CEEB6C72ED9}"/>
+                  <a16:creationId xmlns:a16="http://schemas.microsoft.com/office/drawing/2014/main" xmlns="" id="{37147414-5F87-4285-B506-3CEEB6C72ED9}"/>
                 </a:ext>
               </a:extLst>
             </p:cNvPr>
@@ -21179,7 +21955,7 @@
           <p:cNvPr id="6" name="2">
             <a:extLst>
               <a:ext uri="{FF2B5EF4-FFF2-40B4-BE49-F238E27FC236}">
-                <a16:creationId xmlns:a16="http://schemas.microsoft.com/office/drawing/2014/main" id="{57CACF9E-4606-402C-ABF6-0DC160C60F40}"/>
+                <a16:creationId xmlns:a16="http://schemas.microsoft.com/office/drawing/2014/main" xmlns="" id="{57CACF9E-4606-402C-ABF6-0DC160C60F40}"/>
               </a:ext>
             </a:extLst>
           </p:cNvPr>
@@ -21238,7 +22014,7 @@
           <p:cNvPr id="7" name="3">
             <a:extLst>
               <a:ext uri="{FF2B5EF4-FFF2-40B4-BE49-F238E27FC236}">
-                <a16:creationId xmlns:a16="http://schemas.microsoft.com/office/drawing/2014/main" id="{625B252C-300D-4E5D-9984-1CC2CE50CFFC}"/>
+                <a16:creationId xmlns:a16="http://schemas.microsoft.com/office/drawing/2014/main" xmlns="" id="{625B252C-300D-4E5D-9984-1CC2CE50CFFC}"/>
               </a:ext>
             </a:extLst>
           </p:cNvPr>
@@ -21281,7 +22057,7 @@
           <p:cNvPr id="8" name="Rectangle: Rounded Corners 7">
             <a:extLst>
               <a:ext uri="{FF2B5EF4-FFF2-40B4-BE49-F238E27FC236}">
-                <a16:creationId xmlns:a16="http://schemas.microsoft.com/office/drawing/2014/main" id="{B7B9540A-BB10-4C65-AB09-857BB838438D}"/>
+                <a16:creationId xmlns:a16="http://schemas.microsoft.com/office/drawing/2014/main" xmlns="" id="{B7B9540A-BB10-4C65-AB09-857BB838438D}"/>
               </a:ext>
             </a:extLst>
           </p:cNvPr>
@@ -21399,7 +22175,7 @@
           <p:cNvPr id="9" name="Rectangle: Rounded Corners 8">
             <a:extLst>
               <a:ext uri="{FF2B5EF4-FFF2-40B4-BE49-F238E27FC236}">
-                <a16:creationId xmlns:a16="http://schemas.microsoft.com/office/drawing/2014/main" id="{A52F2DF6-7CC9-4B6D-84CB-557A9E67B26C}"/>
+                <a16:creationId xmlns:a16="http://schemas.microsoft.com/office/drawing/2014/main" xmlns="" id="{A52F2DF6-7CC9-4B6D-84CB-557A9E67B26C}"/>
               </a:ext>
             </a:extLst>
           </p:cNvPr>
@@ -21457,7 +22233,7 @@
           <p:cNvPr id="10" name="Rectangle: Rounded Corners 9">
             <a:extLst>
               <a:ext uri="{FF2B5EF4-FFF2-40B4-BE49-F238E27FC236}">
-                <a16:creationId xmlns:a16="http://schemas.microsoft.com/office/drawing/2014/main" id="{D6C2941C-8DE6-4124-B1E7-67A82A1848C4}"/>
+                <a16:creationId xmlns:a16="http://schemas.microsoft.com/office/drawing/2014/main" xmlns="" id="{D6C2941C-8DE6-4124-B1E7-67A82A1848C4}"/>
               </a:ext>
             </a:extLst>
           </p:cNvPr>
@@ -21667,7 +22443,7 @@
           <p:cNvPr id="15" name="Straight Arrow Connector 14">
             <a:extLst>
               <a:ext uri="{FF2B5EF4-FFF2-40B4-BE49-F238E27FC236}">
-                <a16:creationId xmlns:a16="http://schemas.microsoft.com/office/drawing/2014/main" id="{F64BBDE3-014E-481A-A84E-B52AF013DF7E}"/>
+                <a16:creationId xmlns:a16="http://schemas.microsoft.com/office/drawing/2014/main" xmlns="" id="{F64BBDE3-014E-481A-A84E-B52AF013DF7E}"/>
               </a:ext>
             </a:extLst>
           </p:cNvPr>
@@ -21707,20 +22483,20 @@
     </p:spTree>
     <p:extLst>
       <p:ext uri="{BB962C8B-B14F-4D97-AF65-F5344CB8AC3E}">
-        <p14:creationId xmlns:p14="http://schemas.microsoft.com/office/powerpoint/2010/main" val="1211964295"/>
+        <p14:creationId xmlns:p14="http://schemas.microsoft.com/office/powerpoint/2010/main" xmlns="" val="1211964295"/>
       </p:ext>
     </p:extLst>
   </p:cSld>
   <p:clrMapOvr>
     <a:masterClrMapping/>
   </p:clrMapOvr>
-  <mc:AlternateContent xmlns:mc="http://schemas.openxmlformats.org/markup-compatibility/2006" xmlns:p14="http://schemas.microsoft.com/office/powerpoint/2010/main">
-    <mc:Choice Requires="p14">
+  <mc:AlternateContent xmlns:mc="http://schemas.openxmlformats.org/markup-compatibility/2006">
+    <mc:Choice xmlns:p14="http://schemas.microsoft.com/office/powerpoint/2010/main" xmlns="" Requires="p14">
       <p:transition spd="slow" p14:dur="1500" advClick="0" advTm="0">
         <p:random/>
       </p:transition>
     </mc:Choice>
-    <mc:Fallback xmlns="">
+    <mc:Fallback>
       <p:transition spd="slow" advClick="0" advTm="0">
         <p:random/>
       </p:transition>
@@ -22006,7 +22782,7 @@
           <p:cNvPr id="2" name="1">
             <a:extLst>
               <a:ext uri="{FF2B5EF4-FFF2-40B4-BE49-F238E27FC236}">
-                <a16:creationId xmlns:a16="http://schemas.microsoft.com/office/drawing/2014/main" id="{B90DAD5F-9F09-429E-A5D9-413FA650ADA6}"/>
+                <a16:creationId xmlns:a16="http://schemas.microsoft.com/office/drawing/2014/main" xmlns="" id="{B90DAD5F-9F09-429E-A5D9-413FA650ADA6}"/>
               </a:ext>
             </a:extLst>
           </p:cNvPr>
@@ -22029,7 +22805,7 @@
             <p:cNvPr id="3" name="燕尾形 12">
               <a:extLst>
                 <a:ext uri="{FF2B5EF4-FFF2-40B4-BE49-F238E27FC236}">
-                  <a16:creationId xmlns:a16="http://schemas.microsoft.com/office/drawing/2014/main" id="{0998CF49-9568-4236-8EF9-0C258978A457}"/>
+                  <a16:creationId xmlns:a16="http://schemas.microsoft.com/office/drawing/2014/main" xmlns="" id="{0998CF49-9568-4236-8EF9-0C258978A457}"/>
                 </a:ext>
               </a:extLst>
             </p:cNvPr>
@@ -22074,7 +22850,7 @@
             <p:cNvPr id="4" name="燕尾形 13">
               <a:extLst>
                 <a:ext uri="{FF2B5EF4-FFF2-40B4-BE49-F238E27FC236}">
-                  <a16:creationId xmlns:a16="http://schemas.microsoft.com/office/drawing/2014/main" id="{9808B782-51E1-4D8C-B53A-3F0D21F425FF}"/>
+                  <a16:creationId xmlns:a16="http://schemas.microsoft.com/office/drawing/2014/main" xmlns="" id="{9808B782-51E1-4D8C-B53A-3F0D21F425FF}"/>
                 </a:ext>
               </a:extLst>
             </p:cNvPr>
@@ -22119,7 +22895,7 @@
             <p:cNvPr id="5" name="燕尾形 14">
               <a:extLst>
                 <a:ext uri="{FF2B5EF4-FFF2-40B4-BE49-F238E27FC236}">
-                  <a16:creationId xmlns:a16="http://schemas.microsoft.com/office/drawing/2014/main" id="{37147414-5F87-4285-B506-3CEEB6C72ED9}"/>
+                  <a16:creationId xmlns:a16="http://schemas.microsoft.com/office/drawing/2014/main" xmlns="" id="{37147414-5F87-4285-B506-3CEEB6C72ED9}"/>
                 </a:ext>
               </a:extLst>
             </p:cNvPr>
@@ -22165,7 +22941,7 @@
           <p:cNvPr id="6" name="2">
             <a:extLst>
               <a:ext uri="{FF2B5EF4-FFF2-40B4-BE49-F238E27FC236}">
-                <a16:creationId xmlns:a16="http://schemas.microsoft.com/office/drawing/2014/main" id="{57CACF9E-4606-402C-ABF6-0DC160C60F40}"/>
+                <a16:creationId xmlns:a16="http://schemas.microsoft.com/office/drawing/2014/main" xmlns="" id="{57CACF9E-4606-402C-ABF6-0DC160C60F40}"/>
               </a:ext>
             </a:extLst>
           </p:cNvPr>
@@ -22207,7 +22983,7 @@
           <p:cNvPr id="7" name="3">
             <a:extLst>
               <a:ext uri="{FF2B5EF4-FFF2-40B4-BE49-F238E27FC236}">
-                <a16:creationId xmlns:a16="http://schemas.microsoft.com/office/drawing/2014/main" id="{625B252C-300D-4E5D-9984-1CC2CE50CFFC}"/>
+                <a16:creationId xmlns:a16="http://schemas.microsoft.com/office/drawing/2014/main" xmlns="" id="{625B252C-300D-4E5D-9984-1CC2CE50CFFC}"/>
               </a:ext>
             </a:extLst>
           </p:cNvPr>
@@ -22250,7 +23026,7 @@
           <p:cNvPr id="8" name="Rectangle: Rounded Corners 7">
             <a:extLst>
               <a:ext uri="{FF2B5EF4-FFF2-40B4-BE49-F238E27FC236}">
-                <a16:creationId xmlns:a16="http://schemas.microsoft.com/office/drawing/2014/main" id="{BB89AC5B-96D7-4FBE-A059-FED9B8451C5E}"/>
+                <a16:creationId xmlns:a16="http://schemas.microsoft.com/office/drawing/2014/main" xmlns="" id="{BB89AC5B-96D7-4FBE-A059-FED9B8451C5E}"/>
               </a:ext>
             </a:extLst>
           </p:cNvPr>
@@ -22351,7 +23127,7 @@
           <p:cNvPr id="9" name="Rectangle: Rounded Corners 8">
             <a:extLst>
               <a:ext uri="{FF2B5EF4-FFF2-40B4-BE49-F238E27FC236}">
-                <a16:creationId xmlns:a16="http://schemas.microsoft.com/office/drawing/2014/main" id="{828DFF59-088D-49A2-A386-A1E97F44F103}"/>
+                <a16:creationId xmlns:a16="http://schemas.microsoft.com/office/drawing/2014/main" xmlns="" id="{828DFF59-088D-49A2-A386-A1E97F44F103}"/>
               </a:ext>
             </a:extLst>
           </p:cNvPr>
@@ -22447,7 +23223,7 @@
           <p:cNvPr id="10" name="Arrow: Down 9">
             <a:extLst>
               <a:ext uri="{FF2B5EF4-FFF2-40B4-BE49-F238E27FC236}">
-                <a16:creationId xmlns:a16="http://schemas.microsoft.com/office/drawing/2014/main" id="{999CFC62-E840-4D87-A099-41D1FD9FF9ED}"/>
+                <a16:creationId xmlns:a16="http://schemas.microsoft.com/office/drawing/2014/main" xmlns="" id="{999CFC62-E840-4D87-A099-41D1FD9FF9ED}"/>
               </a:ext>
             </a:extLst>
           </p:cNvPr>
@@ -22501,7 +23277,7 @@
           <p:cNvPr id="11" name="Arrow: Right 10">
             <a:extLst>
               <a:ext uri="{FF2B5EF4-FFF2-40B4-BE49-F238E27FC236}">
-                <a16:creationId xmlns:a16="http://schemas.microsoft.com/office/drawing/2014/main" id="{003D4E96-2896-408A-A034-E2ED08C383FA}"/>
+                <a16:creationId xmlns:a16="http://schemas.microsoft.com/office/drawing/2014/main" xmlns="" id="{003D4E96-2896-408A-A034-E2ED08C383FA}"/>
               </a:ext>
             </a:extLst>
           </p:cNvPr>
@@ -22555,7 +23331,7 @@
           <p:cNvPr id="12" name="Rectangle: Rounded Corners 11">
             <a:extLst>
               <a:ext uri="{FF2B5EF4-FFF2-40B4-BE49-F238E27FC236}">
-                <a16:creationId xmlns:a16="http://schemas.microsoft.com/office/drawing/2014/main" id="{3AE9B38D-4897-49DC-B823-536802C0F17F}"/>
+                <a16:creationId xmlns:a16="http://schemas.microsoft.com/office/drawing/2014/main" xmlns="" id="{3AE9B38D-4897-49DC-B823-536802C0F17F}"/>
               </a:ext>
             </a:extLst>
           </p:cNvPr>
@@ -22739,20 +23515,20 @@
     </p:spTree>
     <p:extLst>
       <p:ext uri="{BB962C8B-B14F-4D97-AF65-F5344CB8AC3E}">
-        <p14:creationId xmlns:p14="http://schemas.microsoft.com/office/powerpoint/2010/main" val="138031895"/>
+        <p14:creationId xmlns:p14="http://schemas.microsoft.com/office/powerpoint/2010/main" xmlns="" val="138031895"/>
       </p:ext>
     </p:extLst>
   </p:cSld>
   <p:clrMapOvr>
     <a:masterClrMapping/>
   </p:clrMapOvr>
-  <mc:AlternateContent xmlns:mc="http://schemas.openxmlformats.org/markup-compatibility/2006" xmlns:p14="http://schemas.microsoft.com/office/powerpoint/2010/main">
-    <mc:Choice Requires="p14">
+  <mc:AlternateContent xmlns:mc="http://schemas.openxmlformats.org/markup-compatibility/2006">
+    <mc:Choice xmlns:p14="http://schemas.microsoft.com/office/powerpoint/2010/main" xmlns="" Requires="p14">
       <p:transition spd="slow" p14:dur="1500" advClick="0" advTm="0">
         <p:random/>
       </p:transition>
     </mc:Choice>
-    <mc:Fallback xmlns="">
+    <mc:Fallback>
       <p:transition spd="slow" advClick="0" advTm="0">
         <p:random/>
       </p:transition>
@@ -23277,7 +24053,7 @@
   <a:extraClrSchemeLst/>
   <a:extLst>
     <a:ext uri="{05A4C25C-085E-4340-85A3-A5531E510DB2}">
-      <thm15:themeFamily xmlns:thm15="http://schemas.microsoft.com/office/thememl/2012/main" name="Office Theme" id="{62F939B6-93AF-4DB8-9C6B-D6C7DFDC589F}" vid="{4A3C46E8-61CC-4603-A589-7422A47A8E4A}"/>
+      <thm15:themeFamily xmlns:thm15="http://schemas.microsoft.com/office/thememl/2012/main" xmlns="" name="Office Theme" id="{62F939B6-93AF-4DB8-9C6B-D6C7DFDC589F}" vid="{4A3C46E8-61CC-4603-A589-7422A47A8E4A}"/>
     </a:ext>
   </a:extLst>
 </a:theme>
@@ -23538,7 +24314,7 @@
   <a:extraClrSchemeLst/>
   <a:extLst>
     <a:ext uri="{05A4C25C-085E-4340-85A3-A5531E510DB2}">
-      <thm15:themeFamily xmlns:thm15="http://schemas.microsoft.com/office/thememl/2012/main" name="Office Theme" id="{62F939B6-93AF-4DB8-9C6B-D6C7DFDC589F}" vid="{4A3C46E8-61CC-4603-A589-7422A47A8E4A}"/>
+      <thm15:themeFamily xmlns:thm15="http://schemas.microsoft.com/office/thememl/2012/main" xmlns="" name="Office Theme" id="{62F939B6-93AF-4DB8-9C6B-D6C7DFDC589F}" vid="{4A3C46E8-61CC-4603-A589-7422A47A8E4A}"/>
     </a:ext>
   </a:extLst>
 </a:theme>
